--- a/02-IdentificaçãoDeConceitosEAtributos.pptx
+++ b/02-IdentificaçãoDeConceitosEAtributos.pptx
@@ -6,7 +6,23 @@
   </p:sldMasterIdLst>
   <p:sldIdLst>
     <p:sldId id="256" r:id="rId2"/>
-    <p:sldId id="258" r:id="rId3"/>
+    <p:sldId id="259" r:id="rId3"/>
+    <p:sldId id="258" r:id="rId4"/>
+    <p:sldId id="261" r:id="rId5"/>
+    <p:sldId id="262" r:id="rId6"/>
+    <p:sldId id="263" r:id="rId7"/>
+    <p:sldId id="264" r:id="rId8"/>
+    <p:sldId id="265" r:id="rId9"/>
+    <p:sldId id="266" r:id="rId10"/>
+    <p:sldId id="267" r:id="rId11"/>
+    <p:sldId id="268" r:id="rId12"/>
+    <p:sldId id="269" r:id="rId13"/>
+    <p:sldId id="270" r:id="rId14"/>
+    <p:sldId id="271" r:id="rId15"/>
+    <p:sldId id="272" r:id="rId16"/>
+    <p:sldId id="273" r:id="rId17"/>
+    <p:sldId id="274" r:id="rId18"/>
+    <p:sldId id="260" r:id="rId19"/>
   </p:sldIdLst>
   <p:sldSz cx="12192000" cy="6858000"/>
   <p:notesSz cx="6858000" cy="9144000"/>
@@ -3627,7 +3643,7 @@
 </p:sld>
 </file>
 
-<file path=ppt/slides/slide2.xml><?xml version="1.0" encoding="utf-8"?>
+<file path=ppt/slides/slide10.xml><?xml version="1.0" encoding="utf-8"?>
 <p:sld xmlns:a="http://schemas.openxmlformats.org/drawingml/2006/main" xmlns:r="http://schemas.openxmlformats.org/officeDocument/2006/relationships" xmlns:p="http://schemas.openxmlformats.org/presentationml/2006/main">
   <p:cSld>
     <p:spTree>
@@ -3710,8 +3726,8 @@
         </p:nvSpPr>
         <p:spPr>
           <a:xfrm>
-            <a:off x="0" y="235606"/>
-            <a:ext cx="10347157" cy="769441"/>
+            <a:off x="0" y="0"/>
+            <a:ext cx="10347157" cy="1200329"/>
           </a:xfrm>
           <a:prstGeom prst="rect">
             <a:avLst/>
@@ -3725,29 +3741,304 @@
           <a:lstStyle/>
           <a:p>
             <a:r>
-              <a:rPr lang="da-DK" sz="4400" spc="200" dirty="0">
+              <a:rPr lang="pt-BR" sz="2400" spc="200" dirty="0">
                 <a:solidFill>
                   <a:srgbClr val="0F2456"/>
                 </a:solidFill>
                 <a:latin typeface="Arial Black" panose="020B0A04020102020204" pitchFamily="34" charset="0"/>
               </a:rPr>
-              <a:t>Fases e Disciplinas</a:t>
-            </a:r>
-            <a:endParaRPr lang="pt-BR" sz="4400" spc="200" dirty="0">
+              <a:t>Visão geral do sistema: documento de formato livre que especifica, em linhas gerais, os requisitos do sistema</a:t>
+            </a:r>
+          </a:p>
+        </p:txBody>
+      </p:sp>
+      <p:sp>
+        <p:nvSpPr>
+          <p:cNvPr id="4" name="CaixaDeTexto 3">
+            <a:extLst>
+              <a:ext uri="{FF2B5EF4-FFF2-40B4-BE49-F238E27FC236}">
+                <a16:creationId xmlns:a16="http://schemas.microsoft.com/office/drawing/2014/main" id="{267912B4-E491-07E7-1062-E76317DC2396}"/>
+              </a:ext>
+            </a:extLst>
+          </p:cNvPr>
+          <p:cNvSpPr txBox="1"/>
+          <p:nvPr/>
+        </p:nvSpPr>
+        <p:spPr>
+          <a:xfrm>
+            <a:off x="384628" y="1210487"/>
+            <a:ext cx="11422743" cy="5324535"/>
+          </a:xfrm>
+          <a:prstGeom prst="rect">
+            <a:avLst/>
+          </a:prstGeom>
+          <a:noFill/>
+        </p:spPr>
+        <p:txBody>
+          <a:bodyPr wrap="square">
+            <a:spAutoFit/>
+          </a:bodyPr>
+          <a:lstStyle/>
+          <a:p>
+            <a:pPr algn="l"/>
+            <a:r>
+              <a:rPr lang="pt-BR" sz="2000" b="1" i="1" u="none" strike="noStrike" baseline="0" dirty="0">
+                <a:solidFill>
+                  <a:srgbClr val="002060"/>
+                </a:solidFill>
+                <a:latin typeface="Calibri,BoldItalic"/>
+              </a:rPr>
+              <a:t>Sistema de Controle Escolar</a:t>
+            </a:r>
+          </a:p>
+          <a:p>
+            <a:pPr algn="l"/>
+            <a:endParaRPr lang="pt-BR" sz="2000" b="1" i="1" u="none" strike="noStrike" baseline="0" dirty="0">
               <a:solidFill>
-                <a:srgbClr val="0F2456"/>
+                <a:srgbClr val="002060"/>
               </a:solidFill>
-              <a:latin typeface="Arial Black" panose="020B0A04020102020204" pitchFamily="34" charset="0"/>
+              <a:latin typeface="Calibri,BoldItalic"/>
             </a:endParaRPr>
+          </a:p>
+          <a:p>
+            <a:pPr algn="l"/>
+            <a:r>
+              <a:rPr lang="pt-BR" sz="2000" b="0" i="1" u="none" strike="noStrike" baseline="0" dirty="0">
+                <a:solidFill>
+                  <a:srgbClr val="002060"/>
+                </a:solidFill>
+                <a:latin typeface="Calibri,Italic"/>
+              </a:rPr>
+              <a:t>Deseja-se construir um sistema acadêmico. Para isso, são registrados os cursos disponíveis, onde cada um possui um nome, carga horária e valor. Quando um curso vai ser oferecido, é registrada uma turma,</a:t>
+            </a:r>
+          </a:p>
+          <a:p>
+            <a:pPr algn="l"/>
+            <a:r>
+              <a:rPr lang="pt-BR" sz="2000" b="0" i="1" u="none" strike="noStrike" baseline="0" dirty="0">
+                <a:solidFill>
+                  <a:srgbClr val="002060"/>
+                </a:solidFill>
+                <a:latin typeface="Calibri,Italic"/>
+              </a:rPr>
+              <a:t>informando os seguintes dados: número da turma, data de início e número de vagas. Uma matrícula de um aluno em uma turma consiste na data de matrícula e no número de prestações em que o aluno vai pagar o curso. Para cada aluno, é necessário cadastrar seu nome, </a:t>
+            </a:r>
+            <a:r>
+              <a:rPr lang="pt-BR" sz="2000" b="0" i="1" u="none" strike="noStrike" baseline="0" dirty="0" err="1">
+                <a:solidFill>
+                  <a:srgbClr val="002060"/>
+                </a:solidFill>
+                <a:latin typeface="Calibri,Italic"/>
+              </a:rPr>
+              <a:t>cpf</a:t>
+            </a:r>
+            <a:r>
+              <a:rPr lang="pt-BR" sz="2000" b="0" i="1" u="none" strike="noStrike" baseline="0" dirty="0">
+                <a:solidFill>
+                  <a:srgbClr val="002060"/>
+                </a:solidFill>
+                <a:latin typeface="Calibri,Italic"/>
+              </a:rPr>
+              <a:t>, e data de nascimento.</a:t>
+            </a:r>
+          </a:p>
+          <a:p>
+            <a:pPr algn="l"/>
+            <a:endParaRPr lang="pt-BR" sz="2000" b="0" i="1" u="none" strike="noStrike" baseline="0" dirty="0">
+              <a:solidFill>
+                <a:srgbClr val="002060"/>
+              </a:solidFill>
+              <a:latin typeface="Calibri,Italic"/>
+            </a:endParaRPr>
+          </a:p>
+          <a:p>
+            <a:pPr algn="l"/>
+            <a:r>
+              <a:rPr lang="pt-BR" sz="2000" b="0" i="1" u="none" strike="noStrike" baseline="0" dirty="0">
+                <a:solidFill>
+                  <a:srgbClr val="002060"/>
+                </a:solidFill>
+                <a:latin typeface="Calibri,Italic"/>
+              </a:rPr>
+              <a:t>Cada aluno passa por várias avaliações durante o desenrolar do curso que está cursando. Uma avaliação</a:t>
+            </a:r>
+          </a:p>
+          <a:p>
+            <a:pPr algn="l"/>
+            <a:r>
+              <a:rPr lang="pt-BR" sz="2000" b="0" i="1" u="none" strike="noStrike" baseline="0" dirty="0">
+                <a:solidFill>
+                  <a:srgbClr val="002060"/>
+                </a:solidFill>
+                <a:latin typeface="Calibri,Italic"/>
+              </a:rPr>
+              <a:t>possui nota e data. Depois que a avaliação ocorre, é registrado resultado de cada aluno da turma (a nota</a:t>
+            </a:r>
+          </a:p>
+          <a:p>
+            <a:pPr algn="l"/>
+            <a:r>
+              <a:rPr lang="pt-BR" sz="2000" b="0" i="1" u="none" strike="noStrike" baseline="0" dirty="0">
+                <a:solidFill>
+                  <a:srgbClr val="002060"/>
+                </a:solidFill>
+                <a:latin typeface="Calibri,Italic"/>
+              </a:rPr>
+              <a:t>que ele tirou). Um aluno é aprovado em um curso se sua nota total for pelo menos 70% da nota prevista do curso.</a:t>
+            </a:r>
+          </a:p>
+          <a:p>
+            <a:pPr algn="l"/>
+            <a:endParaRPr lang="pt-BR" sz="2000" b="0" i="1" u="none" strike="noStrike" baseline="0" dirty="0">
+              <a:solidFill>
+                <a:srgbClr val="002060"/>
+              </a:solidFill>
+              <a:latin typeface="Calibri,Italic"/>
+            </a:endParaRPr>
+          </a:p>
+          <a:p>
+            <a:pPr algn="l"/>
+            <a:r>
+              <a:rPr lang="pt-BR" sz="2000" b="0" i="1" u="none" strike="noStrike" baseline="0" dirty="0">
+                <a:solidFill>
+                  <a:srgbClr val="002060"/>
+                </a:solidFill>
+                <a:latin typeface="Calibri,Italic"/>
+              </a:rPr>
+              <a:t>É importante saber a porcentagem de aprovação por turma e por curso (considerando somente as turmas que já finalizadas). Deseja-se saber também a nota final de um aluno em um curso que ele cursou, e se ele foi aprovado ou não no curso. Além disso, o sistema deve ser capaz de saber os alunos aprovados e reprovados em uma turma, bem como o aluno com melhor desempenho da turma (pode haver empates).</a:t>
+            </a:r>
+            <a:endParaRPr lang="pt-BR" sz="2000" dirty="0"/>
+          </a:p>
+        </p:txBody>
+      </p:sp>
+    </p:spTree>
+    <p:extLst>
+      <p:ext uri="{BB962C8B-B14F-4D97-AF65-F5344CB8AC3E}">
+        <p14:creationId xmlns:p14="http://schemas.microsoft.com/office/powerpoint/2010/main" val="2847586961"/>
+      </p:ext>
+    </p:extLst>
+  </p:cSld>
+  <p:clrMapOvr>
+    <a:masterClrMapping/>
+  </p:clrMapOvr>
+</p:sld>
+</file>
+
+<file path=ppt/slides/slide11.xml><?xml version="1.0" encoding="utf-8"?>
+<p:sld xmlns:a="http://schemas.openxmlformats.org/drawingml/2006/main" xmlns:r="http://schemas.openxmlformats.org/officeDocument/2006/relationships" xmlns:p="http://schemas.openxmlformats.org/presentationml/2006/main">
+  <p:cSld>
+    <p:spTree>
+      <p:nvGrpSpPr>
+        <p:cNvPr id="1" name=""/>
+        <p:cNvGrpSpPr/>
+        <p:nvPr/>
+      </p:nvGrpSpPr>
+      <p:grpSpPr>
+        <a:xfrm>
+          <a:off x="0" y="0"/>
+          <a:ext cx="0" cy="0"/>
+          <a:chOff x="0" y="0"/>
+          <a:chExt cx="0" cy="0"/>
+        </a:xfrm>
+      </p:grpSpPr>
+      <p:sp>
+        <p:nvSpPr>
+          <p:cNvPr id="17" name="Retângulo 16">
+            <a:extLst>
+              <a:ext uri="{FF2B5EF4-FFF2-40B4-BE49-F238E27FC236}">
+                <a16:creationId xmlns:a16="http://schemas.microsoft.com/office/drawing/2014/main" id="{ADC1ED6D-0BC2-03E5-6FD2-9965E8411138}"/>
+              </a:ext>
+            </a:extLst>
+          </p:cNvPr>
+          <p:cNvSpPr/>
+          <p:nvPr/>
+        </p:nvSpPr>
+        <p:spPr>
+          <a:xfrm>
+            <a:off x="0" y="0"/>
+            <a:ext cx="10347158" cy="1143000"/>
+          </a:xfrm>
+          <a:prstGeom prst="rect">
+            <a:avLst/>
+          </a:prstGeom>
+          <a:solidFill>
+            <a:srgbClr val="E3C11D"/>
+          </a:solidFill>
+          <a:ln>
+            <a:noFill/>
+          </a:ln>
+        </p:spPr>
+        <p:style>
+          <a:lnRef idx="2">
+            <a:schemeClr val="accent1">
+              <a:shade val="50000"/>
+            </a:schemeClr>
+          </a:lnRef>
+          <a:fillRef idx="1">
+            <a:schemeClr val="accent1"/>
+          </a:fillRef>
+          <a:effectRef idx="0">
+            <a:schemeClr val="accent1"/>
+          </a:effectRef>
+          <a:fontRef idx="minor">
+            <a:schemeClr val="lt1"/>
+          </a:fontRef>
+        </p:style>
+        <p:txBody>
+          <a:bodyPr rtlCol="0" anchor="ctr"/>
+          <a:lstStyle/>
+          <a:p>
+            <a:pPr algn="ctr"/>
+            <a:endParaRPr lang="pt-BR"/>
+          </a:p>
+        </p:txBody>
+      </p:sp>
+      <p:sp>
+        <p:nvSpPr>
+          <p:cNvPr id="16" name="CaixaDeTexto 15">
+            <a:extLst>
+              <a:ext uri="{FF2B5EF4-FFF2-40B4-BE49-F238E27FC236}">
+                <a16:creationId xmlns:a16="http://schemas.microsoft.com/office/drawing/2014/main" id="{567E8EE0-B71B-1E82-4EBA-B323699E48C5}"/>
+              </a:ext>
+            </a:extLst>
+          </p:cNvPr>
+          <p:cNvSpPr txBox="1"/>
+          <p:nvPr/>
+        </p:nvSpPr>
+        <p:spPr>
+          <a:xfrm>
+            <a:off x="1" y="0"/>
+            <a:ext cx="10347158" cy="1015663"/>
+          </a:xfrm>
+          <a:prstGeom prst="rect">
+            <a:avLst/>
+          </a:prstGeom>
+          <a:noFill/>
+        </p:spPr>
+        <p:txBody>
+          <a:bodyPr wrap="square" rtlCol="0">
+            <a:spAutoFit/>
+          </a:bodyPr>
+          <a:lstStyle/>
+          <a:p>
+            <a:r>
+              <a:rPr lang="pt-BR" sz="2000" spc="200" dirty="0">
+                <a:solidFill>
+                  <a:srgbClr val="0F2456"/>
+                </a:solidFill>
+                <a:latin typeface="Arial Black" panose="020B0A04020102020204" pitchFamily="34" charset="0"/>
+              </a:rPr>
+              <a:t>Caso de uso: documento estruturado que especifica uma funcionalidade do sistema por meio da troca de informações entre usuários (atores de sistema) e o sistema</a:t>
+            </a:r>
           </a:p>
         </p:txBody>
       </p:sp>
       <p:pic>
         <p:nvPicPr>
-          <p:cNvPr id="5" name="Imagem 4">
-            <a:extLst>
-              <a:ext uri="{FF2B5EF4-FFF2-40B4-BE49-F238E27FC236}">
-                <a16:creationId xmlns:a16="http://schemas.microsoft.com/office/drawing/2014/main" id="{648905A0-F9B5-A355-0744-182BDB5D69DB}"/>
+          <p:cNvPr id="3" name="Imagem 2">
+            <a:extLst>
+              <a:ext uri="{FF2B5EF4-FFF2-40B4-BE49-F238E27FC236}">
+                <a16:creationId xmlns:a16="http://schemas.microsoft.com/office/drawing/2014/main" id="{76F7F835-6691-70ED-5565-36F9419771A9}"/>
               </a:ext>
             </a:extLst>
           </p:cNvPr>
@@ -3764,14 +4055,1138 @@
         </p:blipFill>
         <p:spPr>
           <a:xfrm>
-            <a:off x="1770216" y="1579886"/>
-            <a:ext cx="7930934" cy="5042508"/>
+            <a:off x="582838" y="1585685"/>
+            <a:ext cx="10704691" cy="4844143"/>
           </a:xfrm>
           <a:prstGeom prst="rect">
             <a:avLst/>
           </a:prstGeom>
         </p:spPr>
       </p:pic>
+    </p:spTree>
+    <p:extLst>
+      <p:ext uri="{BB962C8B-B14F-4D97-AF65-F5344CB8AC3E}">
+        <p14:creationId xmlns:p14="http://schemas.microsoft.com/office/powerpoint/2010/main" val="3118905358"/>
+      </p:ext>
+    </p:extLst>
+  </p:cSld>
+  <p:clrMapOvr>
+    <a:masterClrMapping/>
+  </p:clrMapOvr>
+</p:sld>
+</file>
+
+<file path=ppt/slides/slide12.xml><?xml version="1.0" encoding="utf-8"?>
+<p:sld xmlns:a="http://schemas.openxmlformats.org/drawingml/2006/main" xmlns:r="http://schemas.openxmlformats.org/officeDocument/2006/relationships" xmlns:p="http://schemas.openxmlformats.org/presentationml/2006/main">
+  <p:cSld>
+    <p:spTree>
+      <p:nvGrpSpPr>
+        <p:cNvPr id="1" name=""/>
+        <p:cNvGrpSpPr/>
+        <p:nvPr/>
+      </p:nvGrpSpPr>
+      <p:grpSpPr>
+        <a:xfrm>
+          <a:off x="0" y="0"/>
+          <a:ext cx="0" cy="0"/>
+          <a:chOff x="0" y="0"/>
+          <a:chExt cx="0" cy="0"/>
+        </a:xfrm>
+      </p:grpSpPr>
+      <p:sp>
+        <p:nvSpPr>
+          <p:cNvPr id="17" name="Retângulo 16">
+            <a:extLst>
+              <a:ext uri="{FF2B5EF4-FFF2-40B4-BE49-F238E27FC236}">
+                <a16:creationId xmlns:a16="http://schemas.microsoft.com/office/drawing/2014/main" id="{ADC1ED6D-0BC2-03E5-6FD2-9965E8411138}"/>
+              </a:ext>
+            </a:extLst>
+          </p:cNvPr>
+          <p:cNvSpPr/>
+          <p:nvPr/>
+        </p:nvSpPr>
+        <p:spPr>
+          <a:xfrm>
+            <a:off x="0" y="0"/>
+            <a:ext cx="10347158" cy="1143000"/>
+          </a:xfrm>
+          <a:prstGeom prst="rect">
+            <a:avLst/>
+          </a:prstGeom>
+          <a:solidFill>
+            <a:srgbClr val="E3C11D"/>
+          </a:solidFill>
+          <a:ln>
+            <a:noFill/>
+          </a:ln>
+        </p:spPr>
+        <p:style>
+          <a:lnRef idx="2">
+            <a:schemeClr val="accent1">
+              <a:shade val="50000"/>
+            </a:schemeClr>
+          </a:lnRef>
+          <a:fillRef idx="1">
+            <a:schemeClr val="accent1"/>
+          </a:fillRef>
+          <a:effectRef idx="0">
+            <a:schemeClr val="accent1"/>
+          </a:effectRef>
+          <a:fontRef idx="minor">
+            <a:schemeClr val="lt1"/>
+          </a:fontRef>
+        </p:style>
+        <p:txBody>
+          <a:bodyPr rtlCol="0" anchor="ctr"/>
+          <a:lstStyle/>
+          <a:p>
+            <a:pPr algn="ctr"/>
+            <a:endParaRPr lang="pt-BR"/>
+          </a:p>
+        </p:txBody>
+      </p:sp>
+      <p:sp>
+        <p:nvSpPr>
+          <p:cNvPr id="16" name="CaixaDeTexto 15">
+            <a:extLst>
+              <a:ext uri="{FF2B5EF4-FFF2-40B4-BE49-F238E27FC236}">
+                <a16:creationId xmlns:a16="http://schemas.microsoft.com/office/drawing/2014/main" id="{567E8EE0-B71B-1E82-4EBA-B323699E48C5}"/>
+              </a:ext>
+            </a:extLst>
+          </p:cNvPr>
+          <p:cNvSpPr txBox="1"/>
+          <p:nvPr/>
+        </p:nvSpPr>
+        <p:spPr>
+          <a:xfrm>
+            <a:off x="0" y="371445"/>
+            <a:ext cx="10347158" cy="523220"/>
+          </a:xfrm>
+          <a:prstGeom prst="rect">
+            <a:avLst/>
+          </a:prstGeom>
+          <a:noFill/>
+        </p:spPr>
+        <p:txBody>
+          <a:bodyPr wrap="square" rtlCol="0">
+            <a:spAutoFit/>
+          </a:bodyPr>
+          <a:lstStyle/>
+          <a:p>
+            <a:r>
+              <a:rPr lang="pt-BR" sz="2800" spc="200" dirty="0">
+                <a:solidFill>
+                  <a:srgbClr val="0F2456"/>
+                </a:solidFill>
+                <a:latin typeface="Arial Black" panose="020B0A04020102020204" pitchFamily="34" charset="0"/>
+              </a:rPr>
+              <a:t>Orientações para identificação de conceitos</a:t>
+            </a:r>
+          </a:p>
+        </p:txBody>
+      </p:sp>
+      <p:pic>
+        <p:nvPicPr>
+          <p:cNvPr id="4" name="Imagem 3">
+            <a:extLst>
+              <a:ext uri="{FF2B5EF4-FFF2-40B4-BE49-F238E27FC236}">
+                <a16:creationId xmlns:a16="http://schemas.microsoft.com/office/drawing/2014/main" id="{4764C451-CF62-B10B-DF53-76D80832EC81}"/>
+              </a:ext>
+            </a:extLst>
+          </p:cNvPr>
+          <p:cNvPicPr>
+            <a:picLocks noChangeAspect="1"/>
+          </p:cNvPicPr>
+          <p:nvPr/>
+        </p:nvPicPr>
+        <p:blipFill>
+          <a:blip r:embed="rId2"/>
+          <a:stretch>
+            <a:fillRect/>
+          </a:stretch>
+        </p:blipFill>
+        <p:spPr>
+          <a:xfrm>
+            <a:off x="566057" y="1715840"/>
+            <a:ext cx="11085874" cy="4176959"/>
+          </a:xfrm>
+          <a:prstGeom prst="rect">
+            <a:avLst/>
+          </a:prstGeom>
+        </p:spPr>
+      </p:pic>
+    </p:spTree>
+    <p:extLst>
+      <p:ext uri="{BB962C8B-B14F-4D97-AF65-F5344CB8AC3E}">
+        <p14:creationId xmlns:p14="http://schemas.microsoft.com/office/powerpoint/2010/main" val="1019911932"/>
+      </p:ext>
+    </p:extLst>
+  </p:cSld>
+  <p:clrMapOvr>
+    <a:masterClrMapping/>
+  </p:clrMapOvr>
+</p:sld>
+</file>
+
+<file path=ppt/slides/slide13.xml><?xml version="1.0" encoding="utf-8"?>
+<p:sld xmlns:a="http://schemas.openxmlformats.org/drawingml/2006/main" xmlns:r="http://schemas.openxmlformats.org/officeDocument/2006/relationships" xmlns:p="http://schemas.openxmlformats.org/presentationml/2006/main">
+  <p:cSld>
+    <p:spTree>
+      <p:nvGrpSpPr>
+        <p:cNvPr id="1" name=""/>
+        <p:cNvGrpSpPr/>
+        <p:nvPr/>
+      </p:nvGrpSpPr>
+      <p:grpSpPr>
+        <a:xfrm>
+          <a:off x="0" y="0"/>
+          <a:ext cx="0" cy="0"/>
+          <a:chOff x="0" y="0"/>
+          <a:chExt cx="0" cy="0"/>
+        </a:xfrm>
+      </p:grpSpPr>
+      <p:sp>
+        <p:nvSpPr>
+          <p:cNvPr id="17" name="Retângulo 16">
+            <a:extLst>
+              <a:ext uri="{FF2B5EF4-FFF2-40B4-BE49-F238E27FC236}">
+                <a16:creationId xmlns:a16="http://schemas.microsoft.com/office/drawing/2014/main" id="{ADC1ED6D-0BC2-03E5-6FD2-9965E8411138}"/>
+              </a:ext>
+            </a:extLst>
+          </p:cNvPr>
+          <p:cNvSpPr/>
+          <p:nvPr/>
+        </p:nvSpPr>
+        <p:spPr>
+          <a:xfrm>
+            <a:off x="0" y="0"/>
+            <a:ext cx="10347158" cy="1143000"/>
+          </a:xfrm>
+          <a:prstGeom prst="rect">
+            <a:avLst/>
+          </a:prstGeom>
+          <a:solidFill>
+            <a:srgbClr val="E3C11D"/>
+          </a:solidFill>
+          <a:ln>
+            <a:noFill/>
+          </a:ln>
+        </p:spPr>
+        <p:style>
+          <a:lnRef idx="2">
+            <a:schemeClr val="accent1">
+              <a:shade val="50000"/>
+            </a:schemeClr>
+          </a:lnRef>
+          <a:fillRef idx="1">
+            <a:schemeClr val="accent1"/>
+          </a:fillRef>
+          <a:effectRef idx="0">
+            <a:schemeClr val="accent1"/>
+          </a:effectRef>
+          <a:fontRef idx="minor">
+            <a:schemeClr val="lt1"/>
+          </a:fontRef>
+        </p:style>
+        <p:txBody>
+          <a:bodyPr rtlCol="0" anchor="ctr"/>
+          <a:lstStyle/>
+          <a:p>
+            <a:pPr algn="ctr"/>
+            <a:endParaRPr lang="pt-BR"/>
+          </a:p>
+        </p:txBody>
+      </p:sp>
+      <p:sp>
+        <p:nvSpPr>
+          <p:cNvPr id="16" name="CaixaDeTexto 15">
+            <a:extLst>
+              <a:ext uri="{FF2B5EF4-FFF2-40B4-BE49-F238E27FC236}">
+                <a16:creationId xmlns:a16="http://schemas.microsoft.com/office/drawing/2014/main" id="{567E8EE0-B71B-1E82-4EBA-B323699E48C5}"/>
+              </a:ext>
+            </a:extLst>
+          </p:cNvPr>
+          <p:cNvSpPr txBox="1"/>
+          <p:nvPr/>
+        </p:nvSpPr>
+        <p:spPr>
+          <a:xfrm>
+            <a:off x="0" y="371445"/>
+            <a:ext cx="10347158" cy="523220"/>
+          </a:xfrm>
+          <a:prstGeom prst="rect">
+            <a:avLst/>
+          </a:prstGeom>
+          <a:noFill/>
+        </p:spPr>
+        <p:txBody>
+          <a:bodyPr wrap="square" rtlCol="0">
+            <a:spAutoFit/>
+          </a:bodyPr>
+          <a:lstStyle/>
+          <a:p>
+            <a:r>
+              <a:rPr lang="pt-BR" sz="2800" spc="200" dirty="0">
+                <a:solidFill>
+                  <a:srgbClr val="0F2456"/>
+                </a:solidFill>
+                <a:latin typeface="Arial Black" panose="020B0A04020102020204" pitchFamily="34" charset="0"/>
+              </a:rPr>
+              <a:t>Orientações para identificação de conceitos</a:t>
+            </a:r>
+          </a:p>
+        </p:txBody>
+      </p:sp>
+      <p:pic>
+        <p:nvPicPr>
+          <p:cNvPr id="3" name="Imagem 2">
+            <a:extLst>
+              <a:ext uri="{FF2B5EF4-FFF2-40B4-BE49-F238E27FC236}">
+                <a16:creationId xmlns:a16="http://schemas.microsoft.com/office/drawing/2014/main" id="{68A5646C-E185-7F44-2DDD-0A2D84C59799}"/>
+              </a:ext>
+            </a:extLst>
+          </p:cNvPr>
+          <p:cNvPicPr>
+            <a:picLocks noChangeAspect="1"/>
+          </p:cNvPicPr>
+          <p:nvPr/>
+        </p:nvPicPr>
+        <p:blipFill>
+          <a:blip r:embed="rId2"/>
+          <a:stretch>
+            <a:fillRect/>
+          </a:stretch>
+        </p:blipFill>
+        <p:spPr>
+          <a:xfrm>
+            <a:off x="1026100" y="1514445"/>
+            <a:ext cx="10482202" cy="4673736"/>
+          </a:xfrm>
+          <a:prstGeom prst="rect">
+            <a:avLst/>
+          </a:prstGeom>
+        </p:spPr>
+      </p:pic>
+    </p:spTree>
+    <p:extLst>
+      <p:ext uri="{BB962C8B-B14F-4D97-AF65-F5344CB8AC3E}">
+        <p14:creationId xmlns:p14="http://schemas.microsoft.com/office/powerpoint/2010/main" val="3105561402"/>
+      </p:ext>
+    </p:extLst>
+  </p:cSld>
+  <p:clrMapOvr>
+    <a:masterClrMapping/>
+  </p:clrMapOvr>
+</p:sld>
+</file>
+
+<file path=ppt/slides/slide14.xml><?xml version="1.0" encoding="utf-8"?>
+<p:sld xmlns:a="http://schemas.openxmlformats.org/drawingml/2006/main" xmlns:r="http://schemas.openxmlformats.org/officeDocument/2006/relationships" xmlns:p="http://schemas.openxmlformats.org/presentationml/2006/main">
+  <p:cSld>
+    <p:spTree>
+      <p:nvGrpSpPr>
+        <p:cNvPr id="1" name=""/>
+        <p:cNvGrpSpPr/>
+        <p:nvPr/>
+      </p:nvGrpSpPr>
+      <p:grpSpPr>
+        <a:xfrm>
+          <a:off x="0" y="0"/>
+          <a:ext cx="0" cy="0"/>
+          <a:chOff x="0" y="0"/>
+          <a:chExt cx="0" cy="0"/>
+        </a:xfrm>
+      </p:grpSpPr>
+      <p:sp>
+        <p:nvSpPr>
+          <p:cNvPr id="17" name="Retângulo 16">
+            <a:extLst>
+              <a:ext uri="{FF2B5EF4-FFF2-40B4-BE49-F238E27FC236}">
+                <a16:creationId xmlns:a16="http://schemas.microsoft.com/office/drawing/2014/main" id="{ADC1ED6D-0BC2-03E5-6FD2-9965E8411138}"/>
+              </a:ext>
+            </a:extLst>
+          </p:cNvPr>
+          <p:cNvSpPr/>
+          <p:nvPr/>
+        </p:nvSpPr>
+        <p:spPr>
+          <a:xfrm>
+            <a:off x="0" y="0"/>
+            <a:ext cx="10347158" cy="1143000"/>
+          </a:xfrm>
+          <a:prstGeom prst="rect">
+            <a:avLst/>
+          </a:prstGeom>
+          <a:solidFill>
+            <a:srgbClr val="E3C11D"/>
+          </a:solidFill>
+          <a:ln>
+            <a:noFill/>
+          </a:ln>
+        </p:spPr>
+        <p:style>
+          <a:lnRef idx="2">
+            <a:schemeClr val="accent1">
+              <a:shade val="50000"/>
+            </a:schemeClr>
+          </a:lnRef>
+          <a:fillRef idx="1">
+            <a:schemeClr val="accent1"/>
+          </a:fillRef>
+          <a:effectRef idx="0">
+            <a:schemeClr val="accent1"/>
+          </a:effectRef>
+          <a:fontRef idx="minor">
+            <a:schemeClr val="lt1"/>
+          </a:fontRef>
+        </p:style>
+        <p:txBody>
+          <a:bodyPr rtlCol="0" anchor="ctr"/>
+          <a:lstStyle/>
+          <a:p>
+            <a:pPr algn="ctr"/>
+            <a:endParaRPr lang="pt-BR"/>
+          </a:p>
+        </p:txBody>
+      </p:sp>
+      <p:sp>
+        <p:nvSpPr>
+          <p:cNvPr id="16" name="CaixaDeTexto 15">
+            <a:extLst>
+              <a:ext uri="{FF2B5EF4-FFF2-40B4-BE49-F238E27FC236}">
+                <a16:creationId xmlns:a16="http://schemas.microsoft.com/office/drawing/2014/main" id="{567E8EE0-B71B-1E82-4EBA-B323699E48C5}"/>
+              </a:ext>
+            </a:extLst>
+          </p:cNvPr>
+          <p:cNvSpPr txBox="1"/>
+          <p:nvPr/>
+        </p:nvSpPr>
+        <p:spPr>
+          <a:xfrm>
+            <a:off x="0" y="371445"/>
+            <a:ext cx="10347158" cy="523220"/>
+          </a:xfrm>
+          <a:prstGeom prst="rect">
+            <a:avLst/>
+          </a:prstGeom>
+          <a:noFill/>
+        </p:spPr>
+        <p:txBody>
+          <a:bodyPr wrap="square" rtlCol="0">
+            <a:spAutoFit/>
+          </a:bodyPr>
+          <a:lstStyle/>
+          <a:p>
+            <a:r>
+              <a:rPr lang="pt-BR" sz="2800" spc="200" dirty="0">
+                <a:solidFill>
+                  <a:srgbClr val="0F2456"/>
+                </a:solidFill>
+                <a:latin typeface="Arial Black" panose="020B0A04020102020204" pitchFamily="34" charset="0"/>
+              </a:rPr>
+              <a:t>Orientações para identificação de conceitos</a:t>
+            </a:r>
+          </a:p>
+        </p:txBody>
+      </p:sp>
+      <p:pic>
+        <p:nvPicPr>
+          <p:cNvPr id="4" name="Imagem 3">
+            <a:extLst>
+              <a:ext uri="{FF2B5EF4-FFF2-40B4-BE49-F238E27FC236}">
+                <a16:creationId xmlns:a16="http://schemas.microsoft.com/office/drawing/2014/main" id="{B6671F66-D175-3611-B8BD-06EB4BB6F6AC}"/>
+              </a:ext>
+            </a:extLst>
+          </p:cNvPr>
+          <p:cNvPicPr>
+            <a:picLocks noChangeAspect="1"/>
+          </p:cNvPicPr>
+          <p:nvPr/>
+        </p:nvPicPr>
+        <p:blipFill>
+          <a:blip r:embed="rId2"/>
+          <a:stretch>
+            <a:fillRect/>
+          </a:stretch>
+        </p:blipFill>
+        <p:spPr>
+          <a:xfrm>
+            <a:off x="1212683" y="1266110"/>
+            <a:ext cx="9134475" cy="2438400"/>
+          </a:xfrm>
+          <a:prstGeom prst="rect">
+            <a:avLst/>
+          </a:prstGeom>
+        </p:spPr>
+      </p:pic>
+      <p:pic>
+        <p:nvPicPr>
+          <p:cNvPr id="6" name="Imagem 5">
+            <a:extLst>
+              <a:ext uri="{FF2B5EF4-FFF2-40B4-BE49-F238E27FC236}">
+                <a16:creationId xmlns:a16="http://schemas.microsoft.com/office/drawing/2014/main" id="{D2A42A9E-8599-4D16-E6FB-2FF3022F0303}"/>
+              </a:ext>
+            </a:extLst>
+          </p:cNvPr>
+          <p:cNvPicPr>
+            <a:picLocks noChangeAspect="1"/>
+          </p:cNvPicPr>
+          <p:nvPr/>
+        </p:nvPicPr>
+        <p:blipFill>
+          <a:blip r:embed="rId3"/>
+          <a:stretch>
+            <a:fillRect/>
+          </a:stretch>
+        </p:blipFill>
+        <p:spPr>
+          <a:xfrm>
+            <a:off x="1212683" y="4027261"/>
+            <a:ext cx="2676525" cy="2228850"/>
+          </a:xfrm>
+          <a:prstGeom prst="rect">
+            <a:avLst/>
+          </a:prstGeom>
+        </p:spPr>
+      </p:pic>
+      <p:pic>
+        <p:nvPicPr>
+          <p:cNvPr id="8" name="Imagem 7">
+            <a:extLst>
+              <a:ext uri="{FF2B5EF4-FFF2-40B4-BE49-F238E27FC236}">
+                <a16:creationId xmlns:a16="http://schemas.microsoft.com/office/drawing/2014/main" id="{8D5E8B6D-CE48-E725-34AA-817288834DAE}"/>
+              </a:ext>
+            </a:extLst>
+          </p:cNvPr>
+          <p:cNvPicPr>
+            <a:picLocks noChangeAspect="1"/>
+          </p:cNvPicPr>
+          <p:nvPr/>
+        </p:nvPicPr>
+        <p:blipFill>
+          <a:blip r:embed="rId4"/>
+          <a:stretch>
+            <a:fillRect/>
+          </a:stretch>
+        </p:blipFill>
+        <p:spPr>
+          <a:xfrm>
+            <a:off x="4798785" y="4059657"/>
+            <a:ext cx="5410200" cy="1847850"/>
+          </a:xfrm>
+          <a:prstGeom prst="rect">
+            <a:avLst/>
+          </a:prstGeom>
+        </p:spPr>
+      </p:pic>
+    </p:spTree>
+    <p:extLst>
+      <p:ext uri="{BB962C8B-B14F-4D97-AF65-F5344CB8AC3E}">
+        <p14:creationId xmlns:p14="http://schemas.microsoft.com/office/powerpoint/2010/main" val="1549801508"/>
+      </p:ext>
+    </p:extLst>
+  </p:cSld>
+  <p:clrMapOvr>
+    <a:masterClrMapping/>
+  </p:clrMapOvr>
+</p:sld>
+</file>
+
+<file path=ppt/slides/slide15.xml><?xml version="1.0" encoding="utf-8"?>
+<p:sld xmlns:a="http://schemas.openxmlformats.org/drawingml/2006/main" xmlns:r="http://schemas.openxmlformats.org/officeDocument/2006/relationships" xmlns:p="http://schemas.openxmlformats.org/presentationml/2006/main">
+  <p:cSld>
+    <p:spTree>
+      <p:nvGrpSpPr>
+        <p:cNvPr id="1" name=""/>
+        <p:cNvGrpSpPr/>
+        <p:nvPr/>
+      </p:nvGrpSpPr>
+      <p:grpSpPr>
+        <a:xfrm>
+          <a:off x="0" y="0"/>
+          <a:ext cx="0" cy="0"/>
+          <a:chOff x="0" y="0"/>
+          <a:chExt cx="0" cy="0"/>
+        </a:xfrm>
+      </p:grpSpPr>
+      <p:sp>
+        <p:nvSpPr>
+          <p:cNvPr id="17" name="Retângulo 16">
+            <a:extLst>
+              <a:ext uri="{FF2B5EF4-FFF2-40B4-BE49-F238E27FC236}">
+                <a16:creationId xmlns:a16="http://schemas.microsoft.com/office/drawing/2014/main" id="{ADC1ED6D-0BC2-03E5-6FD2-9965E8411138}"/>
+              </a:ext>
+            </a:extLst>
+          </p:cNvPr>
+          <p:cNvSpPr/>
+          <p:nvPr/>
+        </p:nvSpPr>
+        <p:spPr>
+          <a:xfrm>
+            <a:off x="0" y="0"/>
+            <a:ext cx="10347158" cy="1143000"/>
+          </a:xfrm>
+          <a:prstGeom prst="rect">
+            <a:avLst/>
+          </a:prstGeom>
+          <a:solidFill>
+            <a:srgbClr val="E3C11D"/>
+          </a:solidFill>
+          <a:ln>
+            <a:noFill/>
+          </a:ln>
+        </p:spPr>
+        <p:style>
+          <a:lnRef idx="2">
+            <a:schemeClr val="accent1">
+              <a:shade val="50000"/>
+            </a:schemeClr>
+          </a:lnRef>
+          <a:fillRef idx="1">
+            <a:schemeClr val="accent1"/>
+          </a:fillRef>
+          <a:effectRef idx="0">
+            <a:schemeClr val="accent1"/>
+          </a:effectRef>
+          <a:fontRef idx="minor">
+            <a:schemeClr val="lt1"/>
+          </a:fontRef>
+        </p:style>
+        <p:txBody>
+          <a:bodyPr rtlCol="0" anchor="ctr"/>
+          <a:lstStyle/>
+          <a:p>
+            <a:pPr algn="ctr"/>
+            <a:endParaRPr lang="pt-BR"/>
+          </a:p>
+        </p:txBody>
+      </p:sp>
+      <p:sp>
+        <p:nvSpPr>
+          <p:cNvPr id="16" name="CaixaDeTexto 15">
+            <a:extLst>
+              <a:ext uri="{FF2B5EF4-FFF2-40B4-BE49-F238E27FC236}">
+                <a16:creationId xmlns:a16="http://schemas.microsoft.com/office/drawing/2014/main" id="{567E8EE0-B71B-1E82-4EBA-B323699E48C5}"/>
+              </a:ext>
+            </a:extLst>
+          </p:cNvPr>
+          <p:cNvSpPr txBox="1"/>
+          <p:nvPr/>
+        </p:nvSpPr>
+        <p:spPr>
+          <a:xfrm>
+            <a:off x="0" y="371445"/>
+            <a:ext cx="10347158" cy="523220"/>
+          </a:xfrm>
+          <a:prstGeom prst="rect">
+            <a:avLst/>
+          </a:prstGeom>
+          <a:noFill/>
+        </p:spPr>
+        <p:txBody>
+          <a:bodyPr wrap="square" rtlCol="0">
+            <a:spAutoFit/>
+          </a:bodyPr>
+          <a:lstStyle/>
+          <a:p>
+            <a:r>
+              <a:rPr lang="pt-BR" sz="2800" spc="200" dirty="0">
+                <a:solidFill>
+                  <a:srgbClr val="0F2456"/>
+                </a:solidFill>
+                <a:latin typeface="Arial Black" panose="020B0A04020102020204" pitchFamily="34" charset="0"/>
+              </a:rPr>
+              <a:t>Orientações para identificação de conceitos</a:t>
+            </a:r>
+          </a:p>
+        </p:txBody>
+      </p:sp>
+      <p:pic>
+        <p:nvPicPr>
+          <p:cNvPr id="3" name="Imagem 2">
+            <a:extLst>
+              <a:ext uri="{FF2B5EF4-FFF2-40B4-BE49-F238E27FC236}">
+                <a16:creationId xmlns:a16="http://schemas.microsoft.com/office/drawing/2014/main" id="{A6CE9279-065B-CB3A-1F9F-B9D357F12CFD}"/>
+              </a:ext>
+            </a:extLst>
+          </p:cNvPr>
+          <p:cNvPicPr>
+            <a:picLocks noChangeAspect="1"/>
+          </p:cNvPicPr>
+          <p:nvPr/>
+        </p:nvPicPr>
+        <p:blipFill>
+          <a:blip r:embed="rId2"/>
+          <a:stretch>
+            <a:fillRect/>
+          </a:stretch>
+        </p:blipFill>
+        <p:spPr>
+          <a:xfrm>
+            <a:off x="454312" y="1514445"/>
+            <a:ext cx="10964984" cy="4972110"/>
+          </a:xfrm>
+          <a:prstGeom prst="rect">
+            <a:avLst/>
+          </a:prstGeom>
+        </p:spPr>
+      </p:pic>
+      <p:pic>
+        <p:nvPicPr>
+          <p:cNvPr id="7" name="Imagem 6">
+            <a:extLst>
+              <a:ext uri="{FF2B5EF4-FFF2-40B4-BE49-F238E27FC236}">
+                <a16:creationId xmlns:a16="http://schemas.microsoft.com/office/drawing/2014/main" id="{500AC1A2-060C-5889-A54F-20DFE29E4A9A}"/>
+              </a:ext>
+            </a:extLst>
+          </p:cNvPr>
+          <p:cNvPicPr>
+            <a:picLocks noChangeAspect="1"/>
+          </p:cNvPicPr>
+          <p:nvPr/>
+        </p:nvPicPr>
+        <p:blipFill>
+          <a:blip r:embed="rId3"/>
+          <a:stretch>
+            <a:fillRect/>
+          </a:stretch>
+        </p:blipFill>
+        <p:spPr>
+          <a:xfrm>
+            <a:off x="454312" y="919505"/>
+            <a:ext cx="3867150" cy="695325"/>
+          </a:xfrm>
+          <a:prstGeom prst="rect">
+            <a:avLst/>
+          </a:prstGeom>
+        </p:spPr>
+      </p:pic>
+    </p:spTree>
+    <p:extLst>
+      <p:ext uri="{BB962C8B-B14F-4D97-AF65-F5344CB8AC3E}">
+        <p14:creationId xmlns:p14="http://schemas.microsoft.com/office/powerpoint/2010/main" val="3178577154"/>
+      </p:ext>
+    </p:extLst>
+  </p:cSld>
+  <p:clrMapOvr>
+    <a:masterClrMapping/>
+  </p:clrMapOvr>
+</p:sld>
+</file>
+
+<file path=ppt/slides/slide16.xml><?xml version="1.0" encoding="utf-8"?>
+<p:sld xmlns:a="http://schemas.openxmlformats.org/drawingml/2006/main" xmlns:r="http://schemas.openxmlformats.org/officeDocument/2006/relationships" xmlns:p="http://schemas.openxmlformats.org/presentationml/2006/main">
+  <p:cSld>
+    <p:spTree>
+      <p:nvGrpSpPr>
+        <p:cNvPr id="1" name=""/>
+        <p:cNvGrpSpPr/>
+        <p:nvPr/>
+      </p:nvGrpSpPr>
+      <p:grpSpPr>
+        <a:xfrm>
+          <a:off x="0" y="0"/>
+          <a:ext cx="0" cy="0"/>
+          <a:chOff x="0" y="0"/>
+          <a:chExt cx="0" cy="0"/>
+        </a:xfrm>
+      </p:grpSpPr>
+      <p:sp>
+        <p:nvSpPr>
+          <p:cNvPr id="17" name="Retângulo 16">
+            <a:extLst>
+              <a:ext uri="{FF2B5EF4-FFF2-40B4-BE49-F238E27FC236}">
+                <a16:creationId xmlns:a16="http://schemas.microsoft.com/office/drawing/2014/main" id="{ADC1ED6D-0BC2-03E5-6FD2-9965E8411138}"/>
+              </a:ext>
+            </a:extLst>
+          </p:cNvPr>
+          <p:cNvSpPr/>
+          <p:nvPr/>
+        </p:nvSpPr>
+        <p:spPr>
+          <a:xfrm>
+            <a:off x="0" y="0"/>
+            <a:ext cx="10347158" cy="1143000"/>
+          </a:xfrm>
+          <a:prstGeom prst="rect">
+            <a:avLst/>
+          </a:prstGeom>
+          <a:solidFill>
+            <a:srgbClr val="E3C11D"/>
+          </a:solidFill>
+          <a:ln>
+            <a:noFill/>
+          </a:ln>
+        </p:spPr>
+        <p:style>
+          <a:lnRef idx="2">
+            <a:schemeClr val="accent1">
+              <a:shade val="50000"/>
+            </a:schemeClr>
+          </a:lnRef>
+          <a:fillRef idx="1">
+            <a:schemeClr val="accent1"/>
+          </a:fillRef>
+          <a:effectRef idx="0">
+            <a:schemeClr val="accent1"/>
+          </a:effectRef>
+          <a:fontRef idx="minor">
+            <a:schemeClr val="lt1"/>
+          </a:fontRef>
+        </p:style>
+        <p:txBody>
+          <a:bodyPr rtlCol="0" anchor="ctr"/>
+          <a:lstStyle/>
+          <a:p>
+            <a:pPr algn="ctr"/>
+            <a:endParaRPr lang="pt-BR"/>
+          </a:p>
+        </p:txBody>
+      </p:sp>
+      <p:sp>
+        <p:nvSpPr>
+          <p:cNvPr id="16" name="CaixaDeTexto 15">
+            <a:extLst>
+              <a:ext uri="{FF2B5EF4-FFF2-40B4-BE49-F238E27FC236}">
+                <a16:creationId xmlns:a16="http://schemas.microsoft.com/office/drawing/2014/main" id="{567E8EE0-B71B-1E82-4EBA-B323699E48C5}"/>
+              </a:ext>
+            </a:extLst>
+          </p:cNvPr>
+          <p:cNvSpPr txBox="1"/>
+          <p:nvPr/>
+        </p:nvSpPr>
+        <p:spPr>
+          <a:xfrm>
+            <a:off x="0" y="371445"/>
+            <a:ext cx="10347158" cy="523220"/>
+          </a:xfrm>
+          <a:prstGeom prst="rect">
+            <a:avLst/>
+          </a:prstGeom>
+          <a:noFill/>
+        </p:spPr>
+        <p:txBody>
+          <a:bodyPr wrap="square" rtlCol="0">
+            <a:spAutoFit/>
+          </a:bodyPr>
+          <a:lstStyle/>
+          <a:p>
+            <a:r>
+              <a:rPr lang="pt-BR" sz="2800" spc="200" dirty="0">
+                <a:solidFill>
+                  <a:srgbClr val="0F2456"/>
+                </a:solidFill>
+                <a:latin typeface="Arial Black" panose="020B0A04020102020204" pitchFamily="34" charset="0"/>
+              </a:rPr>
+              <a:t>Orientações para identificação de conceitos</a:t>
+            </a:r>
+          </a:p>
+        </p:txBody>
+      </p:sp>
+      <p:pic>
+        <p:nvPicPr>
+          <p:cNvPr id="4" name="Imagem 3">
+            <a:extLst>
+              <a:ext uri="{FF2B5EF4-FFF2-40B4-BE49-F238E27FC236}">
+                <a16:creationId xmlns:a16="http://schemas.microsoft.com/office/drawing/2014/main" id="{AFE95028-EEEE-79CC-623D-8E7757E68576}"/>
+              </a:ext>
+            </a:extLst>
+          </p:cNvPr>
+          <p:cNvPicPr>
+            <a:picLocks noChangeAspect="1"/>
+          </p:cNvPicPr>
+          <p:nvPr/>
+        </p:nvPicPr>
+        <p:blipFill>
+          <a:blip r:embed="rId2"/>
+          <a:stretch>
+            <a:fillRect/>
+          </a:stretch>
+        </p:blipFill>
+        <p:spPr>
+          <a:xfrm>
+            <a:off x="936458" y="1395185"/>
+            <a:ext cx="9410700" cy="5257800"/>
+          </a:xfrm>
+          <a:prstGeom prst="rect">
+            <a:avLst/>
+          </a:prstGeom>
+        </p:spPr>
+      </p:pic>
+    </p:spTree>
+    <p:extLst>
+      <p:ext uri="{BB962C8B-B14F-4D97-AF65-F5344CB8AC3E}">
+        <p14:creationId xmlns:p14="http://schemas.microsoft.com/office/powerpoint/2010/main" val="3819276844"/>
+      </p:ext>
+    </p:extLst>
+  </p:cSld>
+  <p:clrMapOvr>
+    <a:masterClrMapping/>
+  </p:clrMapOvr>
+</p:sld>
+</file>
+
+<file path=ppt/slides/slide17.xml><?xml version="1.0" encoding="utf-8"?>
+<p:sld xmlns:a="http://schemas.openxmlformats.org/drawingml/2006/main" xmlns:r="http://schemas.openxmlformats.org/officeDocument/2006/relationships" xmlns:p="http://schemas.openxmlformats.org/presentationml/2006/main">
+  <p:cSld>
+    <p:spTree>
+      <p:nvGrpSpPr>
+        <p:cNvPr id="1" name=""/>
+        <p:cNvGrpSpPr/>
+        <p:nvPr/>
+      </p:nvGrpSpPr>
+      <p:grpSpPr>
+        <a:xfrm>
+          <a:off x="0" y="0"/>
+          <a:ext cx="0" cy="0"/>
+          <a:chOff x="0" y="0"/>
+          <a:chExt cx="0" cy="0"/>
+        </a:xfrm>
+      </p:grpSpPr>
+      <p:sp>
+        <p:nvSpPr>
+          <p:cNvPr id="17" name="Retângulo 16">
+            <a:extLst>
+              <a:ext uri="{FF2B5EF4-FFF2-40B4-BE49-F238E27FC236}">
+                <a16:creationId xmlns:a16="http://schemas.microsoft.com/office/drawing/2014/main" id="{ADC1ED6D-0BC2-03E5-6FD2-9965E8411138}"/>
+              </a:ext>
+            </a:extLst>
+          </p:cNvPr>
+          <p:cNvSpPr/>
+          <p:nvPr/>
+        </p:nvSpPr>
+        <p:spPr>
+          <a:xfrm>
+            <a:off x="0" y="0"/>
+            <a:ext cx="10347158" cy="1143000"/>
+          </a:xfrm>
+          <a:prstGeom prst="rect">
+            <a:avLst/>
+          </a:prstGeom>
+          <a:solidFill>
+            <a:srgbClr val="E3C11D"/>
+          </a:solidFill>
+          <a:ln>
+            <a:noFill/>
+          </a:ln>
+        </p:spPr>
+        <p:style>
+          <a:lnRef idx="2">
+            <a:schemeClr val="accent1">
+              <a:shade val="50000"/>
+            </a:schemeClr>
+          </a:lnRef>
+          <a:fillRef idx="1">
+            <a:schemeClr val="accent1"/>
+          </a:fillRef>
+          <a:effectRef idx="0">
+            <a:schemeClr val="accent1"/>
+          </a:effectRef>
+          <a:fontRef idx="minor">
+            <a:schemeClr val="lt1"/>
+          </a:fontRef>
+        </p:style>
+        <p:txBody>
+          <a:bodyPr rtlCol="0" anchor="ctr"/>
+          <a:lstStyle/>
+          <a:p>
+            <a:pPr algn="ctr"/>
+            <a:endParaRPr lang="pt-BR"/>
+          </a:p>
+        </p:txBody>
+      </p:sp>
+      <p:sp>
+        <p:nvSpPr>
+          <p:cNvPr id="16" name="CaixaDeTexto 15">
+            <a:extLst>
+              <a:ext uri="{FF2B5EF4-FFF2-40B4-BE49-F238E27FC236}">
+                <a16:creationId xmlns:a16="http://schemas.microsoft.com/office/drawing/2014/main" id="{567E8EE0-B71B-1E82-4EBA-B323699E48C5}"/>
+              </a:ext>
+            </a:extLst>
+          </p:cNvPr>
+          <p:cNvSpPr txBox="1"/>
+          <p:nvPr/>
+        </p:nvSpPr>
+        <p:spPr>
+          <a:xfrm>
+            <a:off x="0" y="371445"/>
+            <a:ext cx="10347158" cy="523220"/>
+          </a:xfrm>
+          <a:prstGeom prst="rect">
+            <a:avLst/>
+          </a:prstGeom>
+          <a:noFill/>
+        </p:spPr>
+        <p:txBody>
+          <a:bodyPr wrap="square" rtlCol="0">
+            <a:spAutoFit/>
+          </a:bodyPr>
+          <a:lstStyle/>
+          <a:p>
+            <a:r>
+              <a:rPr lang="pt-BR" sz="2800" spc="200" dirty="0">
+                <a:solidFill>
+                  <a:srgbClr val="0F2456"/>
+                </a:solidFill>
+                <a:latin typeface="Arial Black" panose="020B0A04020102020204" pitchFamily="34" charset="0"/>
+              </a:rPr>
+              <a:t>Orientações para identificação de conceitos</a:t>
+            </a:r>
+          </a:p>
+        </p:txBody>
+      </p:sp>
+      <p:pic>
+        <p:nvPicPr>
+          <p:cNvPr id="3" name="Imagem 2">
+            <a:extLst>
+              <a:ext uri="{FF2B5EF4-FFF2-40B4-BE49-F238E27FC236}">
+                <a16:creationId xmlns:a16="http://schemas.microsoft.com/office/drawing/2014/main" id="{2DEE068F-F34C-BAF9-7F4E-264D20584F06}"/>
+              </a:ext>
+            </a:extLst>
+          </p:cNvPr>
+          <p:cNvPicPr>
+            <a:picLocks noChangeAspect="1"/>
+          </p:cNvPicPr>
+          <p:nvPr/>
+        </p:nvPicPr>
+        <p:blipFill>
+          <a:blip r:embed="rId2"/>
+          <a:stretch>
+            <a:fillRect/>
+          </a:stretch>
+        </p:blipFill>
+        <p:spPr>
+          <a:xfrm>
+            <a:off x="403964" y="1396738"/>
+            <a:ext cx="10957553" cy="5220445"/>
+          </a:xfrm>
+          <a:prstGeom prst="rect">
+            <a:avLst/>
+          </a:prstGeom>
+        </p:spPr>
+      </p:pic>
+    </p:spTree>
+    <p:extLst>
+      <p:ext uri="{BB962C8B-B14F-4D97-AF65-F5344CB8AC3E}">
+        <p14:creationId xmlns:p14="http://schemas.microsoft.com/office/powerpoint/2010/main" val="1309531432"/>
+      </p:ext>
+    </p:extLst>
+  </p:cSld>
+  <p:clrMapOvr>
+    <a:masterClrMapping/>
+  </p:clrMapOvr>
+</p:sld>
+</file>
+
+<file path=ppt/slides/slide18.xml><?xml version="1.0" encoding="utf-8"?>
+<p:sld xmlns:a="http://schemas.openxmlformats.org/drawingml/2006/main" xmlns:r="http://schemas.openxmlformats.org/officeDocument/2006/relationships" xmlns:p="http://schemas.openxmlformats.org/presentationml/2006/main">
+  <p:cSld>
+    <p:spTree>
+      <p:nvGrpSpPr>
+        <p:cNvPr id="1" name=""/>
+        <p:cNvGrpSpPr/>
+        <p:nvPr/>
+      </p:nvGrpSpPr>
+      <p:grpSpPr>
+        <a:xfrm>
+          <a:off x="0" y="0"/>
+          <a:ext cx="0" cy="0"/>
+          <a:chOff x="0" y="0"/>
+          <a:chExt cx="0" cy="0"/>
+        </a:xfrm>
+      </p:grpSpPr>
+      <p:sp>
+        <p:nvSpPr>
+          <p:cNvPr id="17" name="Retângulo 16">
+            <a:extLst>
+              <a:ext uri="{FF2B5EF4-FFF2-40B4-BE49-F238E27FC236}">
+                <a16:creationId xmlns:a16="http://schemas.microsoft.com/office/drawing/2014/main" id="{ADC1ED6D-0BC2-03E5-6FD2-9965E8411138}"/>
+              </a:ext>
+            </a:extLst>
+          </p:cNvPr>
+          <p:cNvSpPr/>
+          <p:nvPr/>
+        </p:nvSpPr>
+        <p:spPr>
+          <a:xfrm>
+            <a:off x="0" y="0"/>
+            <a:ext cx="10347158" cy="1143000"/>
+          </a:xfrm>
+          <a:prstGeom prst="rect">
+            <a:avLst/>
+          </a:prstGeom>
+          <a:solidFill>
+            <a:srgbClr val="E3C11D"/>
+          </a:solidFill>
+          <a:ln>
+            <a:noFill/>
+          </a:ln>
+        </p:spPr>
+        <p:style>
+          <a:lnRef idx="2">
+            <a:schemeClr val="accent1">
+              <a:shade val="50000"/>
+            </a:schemeClr>
+          </a:lnRef>
+          <a:fillRef idx="1">
+            <a:schemeClr val="accent1"/>
+          </a:fillRef>
+          <a:effectRef idx="0">
+            <a:schemeClr val="accent1"/>
+          </a:effectRef>
+          <a:fontRef idx="minor">
+            <a:schemeClr val="lt1"/>
+          </a:fontRef>
+        </p:style>
+        <p:txBody>
+          <a:bodyPr rtlCol="0" anchor="ctr"/>
+          <a:lstStyle/>
+          <a:p>
+            <a:pPr algn="ctr"/>
+            <a:endParaRPr lang="pt-BR"/>
+          </a:p>
+        </p:txBody>
+      </p:sp>
+      <p:sp>
+        <p:nvSpPr>
+          <p:cNvPr id="16" name="CaixaDeTexto 15">
+            <a:extLst>
+              <a:ext uri="{FF2B5EF4-FFF2-40B4-BE49-F238E27FC236}">
+                <a16:creationId xmlns:a16="http://schemas.microsoft.com/office/drawing/2014/main" id="{567E8EE0-B71B-1E82-4EBA-B323699E48C5}"/>
+              </a:ext>
+            </a:extLst>
+          </p:cNvPr>
+          <p:cNvSpPr txBox="1"/>
+          <p:nvPr/>
+        </p:nvSpPr>
+        <p:spPr>
+          <a:xfrm>
+            <a:off x="0" y="235606"/>
+            <a:ext cx="10347157" cy="523220"/>
+          </a:xfrm>
+          <a:prstGeom prst="rect">
+            <a:avLst/>
+          </a:prstGeom>
+          <a:noFill/>
+        </p:spPr>
+        <p:txBody>
+          <a:bodyPr wrap="square" rtlCol="0">
+            <a:spAutoFit/>
+          </a:bodyPr>
+          <a:lstStyle/>
+          <a:p>
+            <a:r>
+              <a:rPr lang="pt-BR" sz="2800" spc="200" dirty="0">
+                <a:solidFill>
+                  <a:srgbClr val="0F2456"/>
+                </a:solidFill>
+                <a:latin typeface="Arial Black" panose="020B0A04020102020204" pitchFamily="34" charset="0"/>
+              </a:rPr>
+              <a:t>Modelo conceitual, conceitos e atributos</a:t>
+            </a:r>
+          </a:p>
+        </p:txBody>
+      </p:sp>
       <p:sp>
         <p:nvSpPr>
           <p:cNvPr id="6" name="Seta: para a Direita 5">
@@ -3994,7 +5409,7 @@
     </p:spTree>
     <p:extLst>
       <p:ext uri="{BB962C8B-B14F-4D97-AF65-F5344CB8AC3E}">
-        <p14:creationId xmlns:p14="http://schemas.microsoft.com/office/powerpoint/2010/main" val="2149982734"/>
+        <p14:creationId xmlns:p14="http://schemas.microsoft.com/office/powerpoint/2010/main" val="967072839"/>
       </p:ext>
     </p:extLst>
   </p:cSld>
@@ -4022,7 +5437,7 @@
                             </p:stCondLst>
                             <p:childTnLst>
                               <p:par>
-                                <p:cTn id="5" presetID="1" presetClass="entr" presetSubtype="0" fill="hold" nodeType="clickEffect">
+                                <p:cTn id="5" presetID="1" presetClass="entr" presetSubtype="0" fill="hold" grpId="0" nodeType="clickEffect">
                                   <p:stCondLst>
                                     <p:cond delay="0"/>
                                   </p:stCondLst>
@@ -4035,7 +5450,7 @@
                                           </p:stCondLst>
                                         </p:cTn>
                                         <p:tgtEl>
-                                          <p:spTgt spid="5"/>
+                                          <p:spTgt spid="6"/>
                                         </p:tgtEl>
                                         <p:attrNameLst>
                                           <p:attrName>style.visibility</p:attrName>
@@ -4080,51 +5495,6 @@
                                           </p:stCondLst>
                                         </p:cTn>
                                         <p:tgtEl>
-                                          <p:spTgt spid="6"/>
-                                        </p:tgtEl>
-                                        <p:attrNameLst>
-                                          <p:attrName>style.visibility</p:attrName>
-                                        </p:attrNameLst>
-                                      </p:cBhvr>
-                                      <p:to>
-                                        <p:strVal val="visible"/>
-                                      </p:to>
-                                    </p:set>
-                                  </p:childTnLst>
-                                </p:cTn>
-                              </p:par>
-                            </p:childTnLst>
-                          </p:cTn>
-                        </p:par>
-                      </p:childTnLst>
-                    </p:cTn>
-                  </p:par>
-                  <p:par>
-                    <p:cTn id="11" fill="hold">
-                      <p:stCondLst>
-                        <p:cond delay="indefinite"/>
-                      </p:stCondLst>
-                      <p:childTnLst>
-                        <p:par>
-                          <p:cTn id="12" fill="hold">
-                            <p:stCondLst>
-                              <p:cond delay="0"/>
-                            </p:stCondLst>
-                            <p:childTnLst>
-                              <p:par>
-                                <p:cTn id="13" presetID="1" presetClass="entr" presetSubtype="0" fill="hold" grpId="0" nodeType="clickEffect">
-                                  <p:stCondLst>
-                                    <p:cond delay="0"/>
-                                  </p:stCondLst>
-                                  <p:childTnLst>
-                                    <p:set>
-                                      <p:cBhvr>
-                                        <p:cTn id="14" dur="1" fill="hold">
-                                          <p:stCondLst>
-                                            <p:cond delay="0"/>
-                                          </p:stCondLst>
-                                        </p:cTn>
-                                        <p:tgtEl>
                                           <p:spTgt spid="7"/>
                                         </p:tgtEl>
                                         <p:attrNameLst>
@@ -4139,14 +5509,14 @@
                                 </p:cTn>
                               </p:par>
                               <p:par>
-                                <p:cTn id="15" presetID="1" presetClass="entr" presetSubtype="0" fill="hold" grpId="0" nodeType="withEffect">
+                                <p:cTn id="11" presetID="1" presetClass="entr" presetSubtype="0" fill="hold" grpId="0" nodeType="withEffect">
                                   <p:stCondLst>
                                     <p:cond delay="0"/>
                                   </p:stCondLst>
                                   <p:childTnLst>
                                     <p:set>
                                       <p:cBhvr>
-                                        <p:cTn id="16" dur="1" fill="hold">
+                                        <p:cTn id="12" dur="1" fill="hold">
                                           <p:stCondLst>
                                             <p:cond delay="0"/>
                                           </p:stCondLst>
@@ -4172,26 +5542,26 @@
                     </p:cTn>
                   </p:par>
                   <p:par>
-                    <p:cTn id="17" fill="hold">
+                    <p:cTn id="13" fill="hold">
                       <p:stCondLst>
                         <p:cond delay="indefinite"/>
                       </p:stCondLst>
                       <p:childTnLst>
                         <p:par>
-                          <p:cTn id="18" fill="hold">
+                          <p:cTn id="14" fill="hold">
                             <p:stCondLst>
                               <p:cond delay="0"/>
                             </p:stCondLst>
                             <p:childTnLst>
                               <p:par>
-                                <p:cTn id="19" presetID="1" presetClass="entr" presetSubtype="0" fill="hold" grpId="0" nodeType="clickEffect">
+                                <p:cTn id="15" presetID="1" presetClass="entr" presetSubtype="0" fill="hold" grpId="0" nodeType="clickEffect">
                                   <p:stCondLst>
                                     <p:cond delay="0"/>
                                   </p:stCondLst>
                                   <p:childTnLst>
                                     <p:set>
                                       <p:cBhvr>
-                                        <p:cTn id="20" dur="1" fill="hold">
+                                        <p:cTn id="16" dur="1" fill="hold">
                                           <p:stCondLst>
                                             <p:cond delay="0"/>
                                           </p:stCondLst>
@@ -4211,14 +5581,14 @@
                                 </p:cTn>
                               </p:par>
                               <p:par>
-                                <p:cTn id="21" presetID="1" presetClass="entr" presetSubtype="0" fill="hold" grpId="0" nodeType="withEffect">
+                                <p:cTn id="17" presetID="1" presetClass="entr" presetSubtype="0" fill="hold" grpId="0" nodeType="withEffect">
                                   <p:stCondLst>
                                     <p:cond delay="0"/>
                                   </p:stCondLst>
                                   <p:childTnLst>
                                     <p:set>
                                       <p:cBhvr>
-                                        <p:cTn id="22" dur="1" fill="hold">
+                                        <p:cTn id="18" dur="1" fill="hold">
                                           <p:stCondLst>
                                             <p:cond delay="0"/>
                                           </p:stCondLst>
@@ -4272,6 +5642,1404 @@
       <p:bldP spid="10" grpId="0"/>
     </p:bldLst>
   </p:timing>
+</p:sld>
+</file>
+
+<file path=ppt/slides/slide2.xml><?xml version="1.0" encoding="utf-8"?>
+<p:sld xmlns:a="http://schemas.openxmlformats.org/drawingml/2006/main" xmlns:r="http://schemas.openxmlformats.org/officeDocument/2006/relationships" xmlns:p="http://schemas.openxmlformats.org/presentationml/2006/main">
+  <p:cSld>
+    <p:spTree>
+      <p:nvGrpSpPr>
+        <p:cNvPr id="1" name=""/>
+        <p:cNvGrpSpPr/>
+        <p:nvPr/>
+      </p:nvGrpSpPr>
+      <p:grpSpPr>
+        <a:xfrm>
+          <a:off x="0" y="0"/>
+          <a:ext cx="0" cy="0"/>
+          <a:chOff x="0" y="0"/>
+          <a:chExt cx="0" cy="0"/>
+        </a:xfrm>
+      </p:grpSpPr>
+      <p:sp>
+        <p:nvSpPr>
+          <p:cNvPr id="17" name="Retângulo 16">
+            <a:extLst>
+              <a:ext uri="{FF2B5EF4-FFF2-40B4-BE49-F238E27FC236}">
+                <a16:creationId xmlns:a16="http://schemas.microsoft.com/office/drawing/2014/main" id="{ADC1ED6D-0BC2-03E5-6FD2-9965E8411138}"/>
+              </a:ext>
+            </a:extLst>
+          </p:cNvPr>
+          <p:cNvSpPr/>
+          <p:nvPr/>
+        </p:nvSpPr>
+        <p:spPr>
+          <a:xfrm>
+            <a:off x="0" y="0"/>
+            <a:ext cx="10347158" cy="1143000"/>
+          </a:xfrm>
+          <a:prstGeom prst="rect">
+            <a:avLst/>
+          </a:prstGeom>
+          <a:solidFill>
+            <a:srgbClr val="E3C11D"/>
+          </a:solidFill>
+          <a:ln>
+            <a:noFill/>
+          </a:ln>
+        </p:spPr>
+        <p:style>
+          <a:lnRef idx="2">
+            <a:schemeClr val="accent1">
+              <a:shade val="50000"/>
+            </a:schemeClr>
+          </a:lnRef>
+          <a:fillRef idx="1">
+            <a:schemeClr val="accent1"/>
+          </a:fillRef>
+          <a:effectRef idx="0">
+            <a:schemeClr val="accent1"/>
+          </a:effectRef>
+          <a:fontRef idx="minor">
+            <a:schemeClr val="lt1"/>
+          </a:fontRef>
+        </p:style>
+        <p:txBody>
+          <a:bodyPr rtlCol="0" anchor="ctr"/>
+          <a:lstStyle/>
+          <a:p>
+            <a:pPr algn="ctr"/>
+            <a:endParaRPr lang="pt-BR"/>
+          </a:p>
+        </p:txBody>
+      </p:sp>
+      <p:sp>
+        <p:nvSpPr>
+          <p:cNvPr id="16" name="CaixaDeTexto 15">
+            <a:extLst>
+              <a:ext uri="{FF2B5EF4-FFF2-40B4-BE49-F238E27FC236}">
+                <a16:creationId xmlns:a16="http://schemas.microsoft.com/office/drawing/2014/main" id="{567E8EE0-B71B-1E82-4EBA-B323699E48C5}"/>
+              </a:ext>
+            </a:extLst>
+          </p:cNvPr>
+          <p:cNvSpPr txBox="1"/>
+          <p:nvPr/>
+        </p:nvSpPr>
+        <p:spPr>
+          <a:xfrm>
+            <a:off x="0" y="235606"/>
+            <a:ext cx="10347157" cy="523220"/>
+          </a:xfrm>
+          <a:prstGeom prst="rect">
+            <a:avLst/>
+          </a:prstGeom>
+          <a:noFill/>
+        </p:spPr>
+        <p:txBody>
+          <a:bodyPr wrap="square" rtlCol="0">
+            <a:spAutoFit/>
+          </a:bodyPr>
+          <a:lstStyle/>
+          <a:p>
+            <a:r>
+              <a:rPr lang="pt-BR" sz="2800" spc="200" dirty="0">
+                <a:solidFill>
+                  <a:srgbClr val="0F2456"/>
+                </a:solidFill>
+                <a:latin typeface="Arial Black" panose="020B0A04020102020204" pitchFamily="34" charset="0"/>
+              </a:rPr>
+              <a:t>Modelo conceitual, conceitos e atributos</a:t>
+            </a:r>
+          </a:p>
+        </p:txBody>
+      </p:sp>
+      <p:sp>
+        <p:nvSpPr>
+          <p:cNvPr id="3" name="CaixaDeTexto 2">
+            <a:extLst>
+              <a:ext uri="{FF2B5EF4-FFF2-40B4-BE49-F238E27FC236}">
+                <a16:creationId xmlns:a16="http://schemas.microsoft.com/office/drawing/2014/main" id="{CAD3CB50-B385-6E30-C80A-D3C56F4AF76A}"/>
+              </a:ext>
+            </a:extLst>
+          </p:cNvPr>
+          <p:cNvSpPr txBox="1"/>
+          <p:nvPr/>
+        </p:nvSpPr>
+        <p:spPr>
+          <a:xfrm>
+            <a:off x="783772" y="1947093"/>
+            <a:ext cx="10347157" cy="4031873"/>
+          </a:xfrm>
+          <a:prstGeom prst="rect">
+            <a:avLst/>
+          </a:prstGeom>
+          <a:noFill/>
+          <a:ln>
+            <a:noFill/>
+          </a:ln>
+        </p:spPr>
+        <p:txBody>
+          <a:bodyPr wrap="square">
+            <a:spAutoFit/>
+          </a:bodyPr>
+          <a:lstStyle/>
+          <a:p>
+            <a:pPr marL="285750" indent="-285750" algn="l">
+              <a:buFont typeface="Wingdings" panose="05000000000000000000" pitchFamily="2" charset="2"/>
+              <a:buChar char="Ø"/>
+            </a:pPr>
+            <a:r>
+              <a:rPr lang="pt-BR" sz="3200" b="0" i="0" u="none" strike="noStrike" baseline="0" dirty="0">
+                <a:solidFill>
+                  <a:srgbClr val="002060"/>
+                </a:solidFill>
+                <a:latin typeface="Arial Black" panose="020B0A04020102020204" pitchFamily="34" charset="0"/>
+              </a:rPr>
+              <a:t>Definição de modelo conceitual</a:t>
+            </a:r>
+          </a:p>
+          <a:p>
+            <a:pPr marL="285750" indent="-285750" algn="l">
+              <a:buFont typeface="Wingdings" panose="05000000000000000000" pitchFamily="2" charset="2"/>
+              <a:buChar char="Ø"/>
+            </a:pPr>
+            <a:endParaRPr lang="pt-BR" sz="3200" b="0" i="0" u="none" strike="noStrike" baseline="0" dirty="0">
+              <a:solidFill>
+                <a:srgbClr val="002060"/>
+              </a:solidFill>
+              <a:latin typeface="Arial Black" panose="020B0A04020102020204" pitchFamily="34" charset="0"/>
+            </a:endParaRPr>
+          </a:p>
+          <a:p>
+            <a:pPr marL="285750" indent="-285750" algn="l">
+              <a:buFont typeface="Wingdings" panose="05000000000000000000" pitchFamily="2" charset="2"/>
+              <a:buChar char="Ø"/>
+            </a:pPr>
+            <a:r>
+              <a:rPr lang="pt-BR" sz="3200" b="0" i="0" u="none" strike="noStrike" baseline="0" dirty="0">
+                <a:solidFill>
+                  <a:srgbClr val="002060"/>
+                </a:solidFill>
+                <a:latin typeface="Arial Black" panose="020B0A04020102020204" pitchFamily="34" charset="0"/>
+              </a:rPr>
+              <a:t>Conceitos</a:t>
+            </a:r>
+          </a:p>
+          <a:p>
+            <a:pPr marL="285750" indent="-285750" algn="l">
+              <a:buFont typeface="Wingdings" panose="05000000000000000000" pitchFamily="2" charset="2"/>
+              <a:buChar char="Ø"/>
+            </a:pPr>
+            <a:endParaRPr lang="pt-BR" sz="3200" b="0" i="0" u="none" strike="noStrike" baseline="0" dirty="0">
+              <a:solidFill>
+                <a:srgbClr val="002060"/>
+              </a:solidFill>
+              <a:latin typeface="Arial Black" panose="020B0A04020102020204" pitchFamily="34" charset="0"/>
+            </a:endParaRPr>
+          </a:p>
+          <a:p>
+            <a:pPr marL="285750" indent="-285750" algn="l">
+              <a:buFont typeface="Wingdings" panose="05000000000000000000" pitchFamily="2" charset="2"/>
+              <a:buChar char="Ø"/>
+            </a:pPr>
+            <a:r>
+              <a:rPr lang="pt-BR" sz="3200" b="0" i="0" u="none" strike="noStrike" baseline="0" dirty="0">
+                <a:solidFill>
+                  <a:srgbClr val="002060"/>
+                </a:solidFill>
+                <a:latin typeface="Arial Black" panose="020B0A04020102020204" pitchFamily="34" charset="0"/>
+              </a:rPr>
+              <a:t>Atributos</a:t>
+            </a:r>
+          </a:p>
+          <a:p>
+            <a:pPr marL="285750" indent="-285750" algn="l">
+              <a:buFont typeface="Wingdings" panose="05000000000000000000" pitchFamily="2" charset="2"/>
+              <a:buChar char="Ø"/>
+            </a:pPr>
+            <a:endParaRPr lang="pt-BR" sz="3200" b="0" i="0" u="none" strike="noStrike" baseline="0" dirty="0">
+              <a:solidFill>
+                <a:srgbClr val="002060"/>
+              </a:solidFill>
+              <a:latin typeface="Arial Black" panose="020B0A04020102020204" pitchFamily="34" charset="0"/>
+            </a:endParaRPr>
+          </a:p>
+          <a:p>
+            <a:pPr marL="285750" indent="-285750" algn="l">
+              <a:buFont typeface="Wingdings" panose="05000000000000000000" pitchFamily="2" charset="2"/>
+              <a:buChar char="Ø"/>
+            </a:pPr>
+            <a:r>
+              <a:rPr lang="pt-BR" sz="3200" b="0" i="0" u="none" strike="noStrike" baseline="0" dirty="0">
+                <a:solidFill>
+                  <a:srgbClr val="002060"/>
+                </a:solidFill>
+                <a:latin typeface="Arial Black" panose="020B0A04020102020204" pitchFamily="34" charset="0"/>
+              </a:rPr>
+              <a:t>Representação UML de conceitos e atributos</a:t>
+            </a:r>
+            <a:endParaRPr lang="pt-BR" sz="3200" dirty="0">
+              <a:solidFill>
+                <a:srgbClr val="002060"/>
+              </a:solidFill>
+              <a:latin typeface="Arial Black" panose="020B0A04020102020204" pitchFamily="34" charset="0"/>
+            </a:endParaRPr>
+          </a:p>
+        </p:txBody>
+      </p:sp>
+    </p:spTree>
+    <p:extLst>
+      <p:ext uri="{BB962C8B-B14F-4D97-AF65-F5344CB8AC3E}">
+        <p14:creationId xmlns:p14="http://schemas.microsoft.com/office/powerpoint/2010/main" val="3119615783"/>
+      </p:ext>
+    </p:extLst>
+  </p:cSld>
+  <p:clrMapOvr>
+    <a:masterClrMapping/>
+  </p:clrMapOvr>
+</p:sld>
+</file>
+
+<file path=ppt/slides/slide3.xml><?xml version="1.0" encoding="utf-8"?>
+<p:sld xmlns:a="http://schemas.openxmlformats.org/drawingml/2006/main" xmlns:r="http://schemas.openxmlformats.org/officeDocument/2006/relationships" xmlns:p="http://schemas.openxmlformats.org/presentationml/2006/main">
+  <p:cSld>
+    <p:spTree>
+      <p:nvGrpSpPr>
+        <p:cNvPr id="1" name=""/>
+        <p:cNvGrpSpPr/>
+        <p:nvPr/>
+      </p:nvGrpSpPr>
+      <p:grpSpPr>
+        <a:xfrm>
+          <a:off x="0" y="0"/>
+          <a:ext cx="0" cy="0"/>
+          <a:chOff x="0" y="0"/>
+          <a:chExt cx="0" cy="0"/>
+        </a:xfrm>
+      </p:grpSpPr>
+      <p:sp>
+        <p:nvSpPr>
+          <p:cNvPr id="17" name="Retângulo 16">
+            <a:extLst>
+              <a:ext uri="{FF2B5EF4-FFF2-40B4-BE49-F238E27FC236}">
+                <a16:creationId xmlns:a16="http://schemas.microsoft.com/office/drawing/2014/main" id="{ADC1ED6D-0BC2-03E5-6FD2-9965E8411138}"/>
+              </a:ext>
+            </a:extLst>
+          </p:cNvPr>
+          <p:cNvSpPr/>
+          <p:nvPr/>
+        </p:nvSpPr>
+        <p:spPr>
+          <a:xfrm>
+            <a:off x="0" y="0"/>
+            <a:ext cx="10347158" cy="1143000"/>
+          </a:xfrm>
+          <a:prstGeom prst="rect">
+            <a:avLst/>
+          </a:prstGeom>
+          <a:solidFill>
+            <a:srgbClr val="E3C11D"/>
+          </a:solidFill>
+          <a:ln>
+            <a:noFill/>
+          </a:ln>
+        </p:spPr>
+        <p:style>
+          <a:lnRef idx="2">
+            <a:schemeClr val="accent1">
+              <a:shade val="50000"/>
+            </a:schemeClr>
+          </a:lnRef>
+          <a:fillRef idx="1">
+            <a:schemeClr val="accent1"/>
+          </a:fillRef>
+          <a:effectRef idx="0">
+            <a:schemeClr val="accent1"/>
+          </a:effectRef>
+          <a:fontRef idx="minor">
+            <a:schemeClr val="lt1"/>
+          </a:fontRef>
+        </p:style>
+        <p:txBody>
+          <a:bodyPr rtlCol="0" anchor="ctr"/>
+          <a:lstStyle/>
+          <a:p>
+            <a:pPr algn="ctr"/>
+            <a:endParaRPr lang="pt-BR"/>
+          </a:p>
+        </p:txBody>
+      </p:sp>
+      <p:sp>
+        <p:nvSpPr>
+          <p:cNvPr id="16" name="CaixaDeTexto 15">
+            <a:extLst>
+              <a:ext uri="{FF2B5EF4-FFF2-40B4-BE49-F238E27FC236}">
+                <a16:creationId xmlns:a16="http://schemas.microsoft.com/office/drawing/2014/main" id="{567E8EE0-B71B-1E82-4EBA-B323699E48C5}"/>
+              </a:ext>
+            </a:extLst>
+          </p:cNvPr>
+          <p:cNvSpPr txBox="1"/>
+          <p:nvPr/>
+        </p:nvSpPr>
+        <p:spPr>
+          <a:xfrm>
+            <a:off x="0" y="235606"/>
+            <a:ext cx="10347157" cy="523220"/>
+          </a:xfrm>
+          <a:prstGeom prst="rect">
+            <a:avLst/>
+          </a:prstGeom>
+          <a:noFill/>
+        </p:spPr>
+        <p:txBody>
+          <a:bodyPr wrap="square" rtlCol="0">
+            <a:spAutoFit/>
+          </a:bodyPr>
+          <a:lstStyle/>
+          <a:p>
+            <a:r>
+              <a:rPr lang="pt-BR" sz="2800" spc="200" dirty="0">
+                <a:solidFill>
+                  <a:srgbClr val="0F2456"/>
+                </a:solidFill>
+                <a:latin typeface="Arial Black" panose="020B0A04020102020204" pitchFamily="34" charset="0"/>
+              </a:rPr>
+              <a:t>Modelo conceitual, conceitos e atributos</a:t>
+            </a:r>
+          </a:p>
+        </p:txBody>
+      </p:sp>
+      <p:pic>
+        <p:nvPicPr>
+          <p:cNvPr id="11" name="Imagem 10">
+            <a:extLst>
+              <a:ext uri="{FF2B5EF4-FFF2-40B4-BE49-F238E27FC236}">
+                <a16:creationId xmlns:a16="http://schemas.microsoft.com/office/drawing/2014/main" id="{9DC77C5A-388A-AE8C-D072-9DCA439AEE35}"/>
+              </a:ext>
+            </a:extLst>
+          </p:cNvPr>
+          <p:cNvPicPr>
+            <a:picLocks noChangeAspect="1"/>
+          </p:cNvPicPr>
+          <p:nvPr/>
+        </p:nvPicPr>
+        <p:blipFill>
+          <a:blip r:embed="rId2"/>
+          <a:stretch>
+            <a:fillRect/>
+          </a:stretch>
+        </p:blipFill>
+        <p:spPr>
+          <a:xfrm>
+            <a:off x="1007835" y="1266858"/>
+            <a:ext cx="10176329" cy="5355536"/>
+          </a:xfrm>
+          <a:prstGeom prst="rect">
+            <a:avLst/>
+          </a:prstGeom>
+        </p:spPr>
+      </p:pic>
+    </p:spTree>
+    <p:extLst>
+      <p:ext uri="{BB962C8B-B14F-4D97-AF65-F5344CB8AC3E}">
+        <p14:creationId xmlns:p14="http://schemas.microsoft.com/office/powerpoint/2010/main" val="2149982734"/>
+      </p:ext>
+    </p:extLst>
+  </p:cSld>
+  <p:clrMapOvr>
+    <a:masterClrMapping/>
+  </p:clrMapOvr>
+</p:sld>
+</file>
+
+<file path=ppt/slides/slide4.xml><?xml version="1.0" encoding="utf-8"?>
+<p:sld xmlns:a="http://schemas.openxmlformats.org/drawingml/2006/main" xmlns:r="http://schemas.openxmlformats.org/officeDocument/2006/relationships" xmlns:p="http://schemas.openxmlformats.org/presentationml/2006/main">
+  <p:cSld>
+    <p:spTree>
+      <p:nvGrpSpPr>
+        <p:cNvPr id="1" name=""/>
+        <p:cNvGrpSpPr/>
+        <p:nvPr/>
+      </p:nvGrpSpPr>
+      <p:grpSpPr>
+        <a:xfrm>
+          <a:off x="0" y="0"/>
+          <a:ext cx="0" cy="0"/>
+          <a:chOff x="0" y="0"/>
+          <a:chExt cx="0" cy="0"/>
+        </a:xfrm>
+      </p:grpSpPr>
+      <p:sp>
+        <p:nvSpPr>
+          <p:cNvPr id="17" name="Retângulo 16">
+            <a:extLst>
+              <a:ext uri="{FF2B5EF4-FFF2-40B4-BE49-F238E27FC236}">
+                <a16:creationId xmlns:a16="http://schemas.microsoft.com/office/drawing/2014/main" id="{ADC1ED6D-0BC2-03E5-6FD2-9965E8411138}"/>
+              </a:ext>
+            </a:extLst>
+          </p:cNvPr>
+          <p:cNvSpPr/>
+          <p:nvPr/>
+        </p:nvSpPr>
+        <p:spPr>
+          <a:xfrm>
+            <a:off x="0" y="0"/>
+            <a:ext cx="10347158" cy="1143000"/>
+          </a:xfrm>
+          <a:prstGeom prst="rect">
+            <a:avLst/>
+          </a:prstGeom>
+          <a:solidFill>
+            <a:srgbClr val="E3C11D"/>
+          </a:solidFill>
+          <a:ln>
+            <a:noFill/>
+          </a:ln>
+        </p:spPr>
+        <p:style>
+          <a:lnRef idx="2">
+            <a:schemeClr val="accent1">
+              <a:shade val="50000"/>
+            </a:schemeClr>
+          </a:lnRef>
+          <a:fillRef idx="1">
+            <a:schemeClr val="accent1"/>
+          </a:fillRef>
+          <a:effectRef idx="0">
+            <a:schemeClr val="accent1"/>
+          </a:effectRef>
+          <a:fontRef idx="minor">
+            <a:schemeClr val="lt1"/>
+          </a:fontRef>
+        </p:style>
+        <p:txBody>
+          <a:bodyPr rtlCol="0" anchor="ctr"/>
+          <a:lstStyle/>
+          <a:p>
+            <a:pPr algn="ctr"/>
+            <a:endParaRPr lang="pt-BR"/>
+          </a:p>
+        </p:txBody>
+      </p:sp>
+      <p:sp>
+        <p:nvSpPr>
+          <p:cNvPr id="16" name="CaixaDeTexto 15">
+            <a:extLst>
+              <a:ext uri="{FF2B5EF4-FFF2-40B4-BE49-F238E27FC236}">
+                <a16:creationId xmlns:a16="http://schemas.microsoft.com/office/drawing/2014/main" id="{567E8EE0-B71B-1E82-4EBA-B323699E48C5}"/>
+              </a:ext>
+            </a:extLst>
+          </p:cNvPr>
+          <p:cNvSpPr txBox="1"/>
+          <p:nvPr/>
+        </p:nvSpPr>
+        <p:spPr>
+          <a:xfrm>
+            <a:off x="0" y="235606"/>
+            <a:ext cx="10347157" cy="523220"/>
+          </a:xfrm>
+          <a:prstGeom prst="rect">
+            <a:avLst/>
+          </a:prstGeom>
+          <a:noFill/>
+        </p:spPr>
+        <p:txBody>
+          <a:bodyPr wrap="square" rtlCol="0">
+            <a:spAutoFit/>
+          </a:bodyPr>
+          <a:lstStyle/>
+          <a:p>
+            <a:r>
+              <a:rPr lang="pt-BR" sz="2800" spc="200" dirty="0">
+                <a:solidFill>
+                  <a:srgbClr val="0F2456"/>
+                </a:solidFill>
+                <a:latin typeface="Arial Black" panose="020B0A04020102020204" pitchFamily="34" charset="0"/>
+              </a:rPr>
+              <a:t>O Modelo Conceitual descreve:</a:t>
+            </a:r>
+          </a:p>
+        </p:txBody>
+      </p:sp>
+      <p:pic>
+        <p:nvPicPr>
+          <p:cNvPr id="3" name="Imagem 2">
+            <a:extLst>
+              <a:ext uri="{FF2B5EF4-FFF2-40B4-BE49-F238E27FC236}">
+                <a16:creationId xmlns:a16="http://schemas.microsoft.com/office/drawing/2014/main" id="{530CCE0A-8B44-E72C-CC2E-B9834445DEF8}"/>
+              </a:ext>
+            </a:extLst>
+          </p:cNvPr>
+          <p:cNvPicPr>
+            <a:picLocks noChangeAspect="1"/>
+          </p:cNvPicPr>
+          <p:nvPr/>
+        </p:nvPicPr>
+        <p:blipFill>
+          <a:blip r:embed="rId2"/>
+          <a:stretch>
+            <a:fillRect/>
+          </a:stretch>
+        </p:blipFill>
+        <p:spPr>
+          <a:xfrm>
+            <a:off x="185737" y="1704975"/>
+            <a:ext cx="11820525" cy="3448050"/>
+          </a:xfrm>
+          <a:prstGeom prst="rect">
+            <a:avLst/>
+          </a:prstGeom>
+        </p:spPr>
+      </p:pic>
+    </p:spTree>
+    <p:extLst>
+      <p:ext uri="{BB962C8B-B14F-4D97-AF65-F5344CB8AC3E}">
+        <p14:creationId xmlns:p14="http://schemas.microsoft.com/office/powerpoint/2010/main" val="3573962929"/>
+      </p:ext>
+    </p:extLst>
+  </p:cSld>
+  <p:clrMapOvr>
+    <a:masterClrMapping/>
+  </p:clrMapOvr>
+</p:sld>
+</file>
+
+<file path=ppt/slides/slide5.xml><?xml version="1.0" encoding="utf-8"?>
+<p:sld xmlns:a="http://schemas.openxmlformats.org/drawingml/2006/main" xmlns:r="http://schemas.openxmlformats.org/officeDocument/2006/relationships" xmlns:p="http://schemas.openxmlformats.org/presentationml/2006/main">
+  <p:cSld>
+    <p:spTree>
+      <p:nvGrpSpPr>
+        <p:cNvPr id="1" name=""/>
+        <p:cNvGrpSpPr/>
+        <p:nvPr/>
+      </p:nvGrpSpPr>
+      <p:grpSpPr>
+        <a:xfrm>
+          <a:off x="0" y="0"/>
+          <a:ext cx="0" cy="0"/>
+          <a:chOff x="0" y="0"/>
+          <a:chExt cx="0" cy="0"/>
+        </a:xfrm>
+      </p:grpSpPr>
+      <p:sp>
+        <p:nvSpPr>
+          <p:cNvPr id="17" name="Retângulo 16">
+            <a:extLst>
+              <a:ext uri="{FF2B5EF4-FFF2-40B4-BE49-F238E27FC236}">
+                <a16:creationId xmlns:a16="http://schemas.microsoft.com/office/drawing/2014/main" id="{ADC1ED6D-0BC2-03E5-6FD2-9965E8411138}"/>
+              </a:ext>
+            </a:extLst>
+          </p:cNvPr>
+          <p:cNvSpPr/>
+          <p:nvPr/>
+        </p:nvSpPr>
+        <p:spPr>
+          <a:xfrm>
+            <a:off x="0" y="0"/>
+            <a:ext cx="10347158" cy="1143000"/>
+          </a:xfrm>
+          <a:prstGeom prst="rect">
+            <a:avLst/>
+          </a:prstGeom>
+          <a:solidFill>
+            <a:srgbClr val="E3C11D"/>
+          </a:solidFill>
+          <a:ln>
+            <a:noFill/>
+          </a:ln>
+        </p:spPr>
+        <p:style>
+          <a:lnRef idx="2">
+            <a:schemeClr val="accent1">
+              <a:shade val="50000"/>
+            </a:schemeClr>
+          </a:lnRef>
+          <a:fillRef idx="1">
+            <a:schemeClr val="accent1"/>
+          </a:fillRef>
+          <a:effectRef idx="0">
+            <a:schemeClr val="accent1"/>
+          </a:effectRef>
+          <a:fontRef idx="minor">
+            <a:schemeClr val="lt1"/>
+          </a:fontRef>
+        </p:style>
+        <p:txBody>
+          <a:bodyPr rtlCol="0" anchor="ctr"/>
+          <a:lstStyle/>
+          <a:p>
+            <a:pPr algn="ctr"/>
+            <a:endParaRPr lang="pt-BR"/>
+          </a:p>
+        </p:txBody>
+      </p:sp>
+      <p:sp>
+        <p:nvSpPr>
+          <p:cNvPr id="16" name="CaixaDeTexto 15">
+            <a:extLst>
+              <a:ext uri="{FF2B5EF4-FFF2-40B4-BE49-F238E27FC236}">
+                <a16:creationId xmlns:a16="http://schemas.microsoft.com/office/drawing/2014/main" id="{567E8EE0-B71B-1E82-4EBA-B323699E48C5}"/>
+              </a:ext>
+            </a:extLst>
+          </p:cNvPr>
+          <p:cNvSpPr txBox="1"/>
+          <p:nvPr/>
+        </p:nvSpPr>
+        <p:spPr>
+          <a:xfrm>
+            <a:off x="0" y="235606"/>
+            <a:ext cx="10347157" cy="523220"/>
+          </a:xfrm>
+          <a:prstGeom prst="rect">
+            <a:avLst/>
+          </a:prstGeom>
+          <a:noFill/>
+        </p:spPr>
+        <p:txBody>
+          <a:bodyPr wrap="square" rtlCol="0">
+            <a:spAutoFit/>
+          </a:bodyPr>
+          <a:lstStyle/>
+          <a:p>
+            <a:r>
+              <a:rPr lang="pt-BR" sz="2800" spc="200" dirty="0">
+                <a:solidFill>
+                  <a:srgbClr val="0F2456"/>
+                </a:solidFill>
+                <a:latin typeface="Arial Black" panose="020B0A04020102020204" pitchFamily="34" charset="0"/>
+              </a:rPr>
+              <a:t>Conceitos</a:t>
+            </a:r>
+          </a:p>
+        </p:txBody>
+      </p:sp>
+      <p:pic>
+        <p:nvPicPr>
+          <p:cNvPr id="4" name="Imagem 3">
+            <a:extLst>
+              <a:ext uri="{FF2B5EF4-FFF2-40B4-BE49-F238E27FC236}">
+                <a16:creationId xmlns:a16="http://schemas.microsoft.com/office/drawing/2014/main" id="{B5C9D504-F876-8DEB-F462-0C2485EB1697}"/>
+              </a:ext>
+            </a:extLst>
+          </p:cNvPr>
+          <p:cNvPicPr>
+            <a:picLocks noChangeAspect="1"/>
+          </p:cNvPicPr>
+          <p:nvPr/>
+        </p:nvPicPr>
+        <p:blipFill>
+          <a:blip r:embed="rId2"/>
+          <a:stretch>
+            <a:fillRect/>
+          </a:stretch>
+        </p:blipFill>
+        <p:spPr>
+          <a:xfrm>
+            <a:off x="628650" y="1746250"/>
+            <a:ext cx="10934700" cy="4381500"/>
+          </a:xfrm>
+          <a:prstGeom prst="rect">
+            <a:avLst/>
+          </a:prstGeom>
+        </p:spPr>
+      </p:pic>
+    </p:spTree>
+    <p:extLst>
+      <p:ext uri="{BB962C8B-B14F-4D97-AF65-F5344CB8AC3E}">
+        <p14:creationId xmlns:p14="http://schemas.microsoft.com/office/powerpoint/2010/main" val="1784140212"/>
+      </p:ext>
+    </p:extLst>
+  </p:cSld>
+  <p:clrMapOvr>
+    <a:masterClrMapping/>
+  </p:clrMapOvr>
+</p:sld>
+</file>
+
+<file path=ppt/slides/slide6.xml><?xml version="1.0" encoding="utf-8"?>
+<p:sld xmlns:a="http://schemas.openxmlformats.org/drawingml/2006/main" xmlns:r="http://schemas.openxmlformats.org/officeDocument/2006/relationships" xmlns:p="http://schemas.openxmlformats.org/presentationml/2006/main">
+  <p:cSld>
+    <p:spTree>
+      <p:nvGrpSpPr>
+        <p:cNvPr id="1" name=""/>
+        <p:cNvGrpSpPr/>
+        <p:nvPr/>
+      </p:nvGrpSpPr>
+      <p:grpSpPr>
+        <a:xfrm>
+          <a:off x="0" y="0"/>
+          <a:ext cx="0" cy="0"/>
+          <a:chOff x="0" y="0"/>
+          <a:chExt cx="0" cy="0"/>
+        </a:xfrm>
+      </p:grpSpPr>
+      <p:sp>
+        <p:nvSpPr>
+          <p:cNvPr id="17" name="Retângulo 16">
+            <a:extLst>
+              <a:ext uri="{FF2B5EF4-FFF2-40B4-BE49-F238E27FC236}">
+                <a16:creationId xmlns:a16="http://schemas.microsoft.com/office/drawing/2014/main" id="{ADC1ED6D-0BC2-03E5-6FD2-9965E8411138}"/>
+              </a:ext>
+            </a:extLst>
+          </p:cNvPr>
+          <p:cNvSpPr/>
+          <p:nvPr/>
+        </p:nvSpPr>
+        <p:spPr>
+          <a:xfrm>
+            <a:off x="0" y="0"/>
+            <a:ext cx="10347158" cy="1143000"/>
+          </a:xfrm>
+          <a:prstGeom prst="rect">
+            <a:avLst/>
+          </a:prstGeom>
+          <a:solidFill>
+            <a:srgbClr val="E3C11D"/>
+          </a:solidFill>
+          <a:ln>
+            <a:noFill/>
+          </a:ln>
+        </p:spPr>
+        <p:style>
+          <a:lnRef idx="2">
+            <a:schemeClr val="accent1">
+              <a:shade val="50000"/>
+            </a:schemeClr>
+          </a:lnRef>
+          <a:fillRef idx="1">
+            <a:schemeClr val="accent1"/>
+          </a:fillRef>
+          <a:effectRef idx="0">
+            <a:schemeClr val="accent1"/>
+          </a:effectRef>
+          <a:fontRef idx="minor">
+            <a:schemeClr val="lt1"/>
+          </a:fontRef>
+        </p:style>
+        <p:txBody>
+          <a:bodyPr rtlCol="0" anchor="ctr"/>
+          <a:lstStyle/>
+          <a:p>
+            <a:pPr algn="ctr"/>
+            <a:endParaRPr lang="pt-BR"/>
+          </a:p>
+        </p:txBody>
+      </p:sp>
+      <p:sp>
+        <p:nvSpPr>
+          <p:cNvPr id="16" name="CaixaDeTexto 15">
+            <a:extLst>
+              <a:ext uri="{FF2B5EF4-FFF2-40B4-BE49-F238E27FC236}">
+                <a16:creationId xmlns:a16="http://schemas.microsoft.com/office/drawing/2014/main" id="{567E8EE0-B71B-1E82-4EBA-B323699E48C5}"/>
+              </a:ext>
+            </a:extLst>
+          </p:cNvPr>
+          <p:cNvSpPr txBox="1"/>
+          <p:nvPr/>
+        </p:nvSpPr>
+        <p:spPr>
+          <a:xfrm>
+            <a:off x="0" y="235606"/>
+            <a:ext cx="10347157" cy="954107"/>
+          </a:xfrm>
+          <a:prstGeom prst="rect">
+            <a:avLst/>
+          </a:prstGeom>
+          <a:noFill/>
+        </p:spPr>
+        <p:txBody>
+          <a:bodyPr wrap="square" rtlCol="0">
+            <a:spAutoFit/>
+          </a:bodyPr>
+          <a:lstStyle/>
+          <a:p>
+            <a:r>
+              <a:rPr lang="pt-BR" sz="2800" spc="200" dirty="0">
+                <a:solidFill>
+                  <a:srgbClr val="0F2456"/>
+                </a:solidFill>
+                <a:latin typeface="Arial Black" panose="020B0A04020102020204" pitchFamily="34" charset="0"/>
+              </a:rPr>
+              <a:t>Usando diagrama de classes da UML para</a:t>
+            </a:r>
+          </a:p>
+          <a:p>
+            <a:r>
+              <a:rPr lang="pt-BR" sz="2800" spc="200" dirty="0">
+                <a:solidFill>
+                  <a:srgbClr val="0F2456"/>
+                </a:solidFill>
+                <a:latin typeface="Arial Black" panose="020B0A04020102020204" pitchFamily="34" charset="0"/>
+              </a:rPr>
+              <a:t>representar conceitos e atributos</a:t>
+            </a:r>
+          </a:p>
+        </p:txBody>
+      </p:sp>
+      <p:pic>
+        <p:nvPicPr>
+          <p:cNvPr id="6" name="Imagem 5">
+            <a:extLst>
+              <a:ext uri="{FF2B5EF4-FFF2-40B4-BE49-F238E27FC236}">
+                <a16:creationId xmlns:a16="http://schemas.microsoft.com/office/drawing/2014/main" id="{6EDD9D59-A371-37BC-DB96-D01B58E85F53}"/>
+              </a:ext>
+            </a:extLst>
+          </p:cNvPr>
+          <p:cNvPicPr>
+            <a:picLocks noChangeAspect="1"/>
+          </p:cNvPicPr>
+          <p:nvPr/>
+        </p:nvPicPr>
+        <p:blipFill>
+          <a:blip r:embed="rId2"/>
+          <a:stretch>
+            <a:fillRect/>
+          </a:stretch>
+        </p:blipFill>
+        <p:spPr>
+          <a:xfrm>
+            <a:off x="145143" y="1726544"/>
+            <a:ext cx="11582400" cy="4895850"/>
+          </a:xfrm>
+          <a:prstGeom prst="rect">
+            <a:avLst/>
+          </a:prstGeom>
+        </p:spPr>
+      </p:pic>
+    </p:spTree>
+    <p:extLst>
+      <p:ext uri="{BB962C8B-B14F-4D97-AF65-F5344CB8AC3E}">
+        <p14:creationId xmlns:p14="http://schemas.microsoft.com/office/powerpoint/2010/main" val="317005898"/>
+      </p:ext>
+    </p:extLst>
+  </p:cSld>
+  <p:clrMapOvr>
+    <a:masterClrMapping/>
+  </p:clrMapOvr>
+</p:sld>
+</file>
+
+<file path=ppt/slides/slide7.xml><?xml version="1.0" encoding="utf-8"?>
+<p:sld xmlns:a="http://schemas.openxmlformats.org/drawingml/2006/main" xmlns:r="http://schemas.openxmlformats.org/officeDocument/2006/relationships" xmlns:p="http://schemas.openxmlformats.org/presentationml/2006/main">
+  <p:cSld>
+    <p:spTree>
+      <p:nvGrpSpPr>
+        <p:cNvPr id="1" name=""/>
+        <p:cNvGrpSpPr/>
+        <p:nvPr/>
+      </p:nvGrpSpPr>
+      <p:grpSpPr>
+        <a:xfrm>
+          <a:off x="0" y="0"/>
+          <a:ext cx="0" cy="0"/>
+          <a:chOff x="0" y="0"/>
+          <a:chExt cx="0" cy="0"/>
+        </a:xfrm>
+      </p:grpSpPr>
+      <p:sp>
+        <p:nvSpPr>
+          <p:cNvPr id="17" name="Retângulo 16">
+            <a:extLst>
+              <a:ext uri="{FF2B5EF4-FFF2-40B4-BE49-F238E27FC236}">
+                <a16:creationId xmlns:a16="http://schemas.microsoft.com/office/drawing/2014/main" id="{ADC1ED6D-0BC2-03E5-6FD2-9965E8411138}"/>
+              </a:ext>
+            </a:extLst>
+          </p:cNvPr>
+          <p:cNvSpPr/>
+          <p:nvPr/>
+        </p:nvSpPr>
+        <p:spPr>
+          <a:xfrm>
+            <a:off x="0" y="0"/>
+            <a:ext cx="10347158" cy="1143000"/>
+          </a:xfrm>
+          <a:prstGeom prst="rect">
+            <a:avLst/>
+          </a:prstGeom>
+          <a:solidFill>
+            <a:srgbClr val="E3C11D"/>
+          </a:solidFill>
+          <a:ln>
+            <a:noFill/>
+          </a:ln>
+        </p:spPr>
+        <p:style>
+          <a:lnRef idx="2">
+            <a:schemeClr val="accent1">
+              <a:shade val="50000"/>
+            </a:schemeClr>
+          </a:lnRef>
+          <a:fillRef idx="1">
+            <a:schemeClr val="accent1"/>
+          </a:fillRef>
+          <a:effectRef idx="0">
+            <a:schemeClr val="accent1"/>
+          </a:effectRef>
+          <a:fontRef idx="minor">
+            <a:schemeClr val="lt1"/>
+          </a:fontRef>
+        </p:style>
+        <p:txBody>
+          <a:bodyPr rtlCol="0" anchor="ctr"/>
+          <a:lstStyle/>
+          <a:p>
+            <a:pPr algn="ctr"/>
+            <a:endParaRPr lang="pt-BR"/>
+          </a:p>
+        </p:txBody>
+      </p:sp>
+      <p:sp>
+        <p:nvSpPr>
+          <p:cNvPr id="16" name="CaixaDeTexto 15">
+            <a:extLst>
+              <a:ext uri="{FF2B5EF4-FFF2-40B4-BE49-F238E27FC236}">
+                <a16:creationId xmlns:a16="http://schemas.microsoft.com/office/drawing/2014/main" id="{567E8EE0-B71B-1E82-4EBA-B323699E48C5}"/>
+              </a:ext>
+            </a:extLst>
+          </p:cNvPr>
+          <p:cNvSpPr txBox="1"/>
+          <p:nvPr/>
+        </p:nvSpPr>
+        <p:spPr>
+          <a:xfrm>
+            <a:off x="0" y="235606"/>
+            <a:ext cx="10347157" cy="954107"/>
+          </a:xfrm>
+          <a:prstGeom prst="rect">
+            <a:avLst/>
+          </a:prstGeom>
+          <a:noFill/>
+        </p:spPr>
+        <p:txBody>
+          <a:bodyPr wrap="square" rtlCol="0">
+            <a:spAutoFit/>
+          </a:bodyPr>
+          <a:lstStyle/>
+          <a:p>
+            <a:r>
+              <a:rPr lang="pt-BR" sz="2800" spc="200" dirty="0">
+                <a:solidFill>
+                  <a:srgbClr val="0F2456"/>
+                </a:solidFill>
+                <a:latin typeface="Arial Black" panose="020B0A04020102020204" pitchFamily="34" charset="0"/>
+              </a:rPr>
+              <a:t>Usando diagrama de classes da UML para</a:t>
+            </a:r>
+          </a:p>
+          <a:p>
+            <a:r>
+              <a:rPr lang="pt-BR" sz="2800" spc="200" dirty="0">
+                <a:solidFill>
+                  <a:srgbClr val="0F2456"/>
+                </a:solidFill>
+                <a:latin typeface="Arial Black" panose="020B0A04020102020204" pitchFamily="34" charset="0"/>
+              </a:rPr>
+              <a:t>representar conceitos e atributos</a:t>
+            </a:r>
+          </a:p>
+        </p:txBody>
+      </p:sp>
+      <p:pic>
+        <p:nvPicPr>
+          <p:cNvPr id="3" name="Imagem 2">
+            <a:extLst>
+              <a:ext uri="{FF2B5EF4-FFF2-40B4-BE49-F238E27FC236}">
+                <a16:creationId xmlns:a16="http://schemas.microsoft.com/office/drawing/2014/main" id="{97DDADD0-7212-6711-BAD2-CC9A49A5766D}"/>
+              </a:ext>
+            </a:extLst>
+          </p:cNvPr>
+          <p:cNvPicPr>
+            <a:picLocks noChangeAspect="1"/>
+          </p:cNvPicPr>
+          <p:nvPr/>
+        </p:nvPicPr>
+        <p:blipFill>
+          <a:blip r:embed="rId2"/>
+          <a:stretch>
+            <a:fillRect/>
+          </a:stretch>
+        </p:blipFill>
+        <p:spPr>
+          <a:xfrm>
+            <a:off x="161925" y="1766887"/>
+            <a:ext cx="11868150" cy="3324225"/>
+          </a:xfrm>
+          <a:prstGeom prst="rect">
+            <a:avLst/>
+          </a:prstGeom>
+        </p:spPr>
+      </p:pic>
+    </p:spTree>
+    <p:extLst>
+      <p:ext uri="{BB962C8B-B14F-4D97-AF65-F5344CB8AC3E}">
+        <p14:creationId xmlns:p14="http://schemas.microsoft.com/office/powerpoint/2010/main" val="637298325"/>
+      </p:ext>
+    </p:extLst>
+  </p:cSld>
+  <p:clrMapOvr>
+    <a:masterClrMapping/>
+  </p:clrMapOvr>
+</p:sld>
+</file>
+
+<file path=ppt/slides/slide8.xml><?xml version="1.0" encoding="utf-8"?>
+<p:sld xmlns:a="http://schemas.openxmlformats.org/drawingml/2006/main" xmlns:r="http://schemas.openxmlformats.org/officeDocument/2006/relationships" xmlns:p="http://schemas.openxmlformats.org/presentationml/2006/main">
+  <p:cSld>
+    <p:spTree>
+      <p:nvGrpSpPr>
+        <p:cNvPr id="1" name=""/>
+        <p:cNvGrpSpPr/>
+        <p:nvPr/>
+      </p:nvGrpSpPr>
+      <p:grpSpPr>
+        <a:xfrm>
+          <a:off x="0" y="0"/>
+          <a:ext cx="0" cy="0"/>
+          <a:chOff x="0" y="0"/>
+          <a:chExt cx="0" cy="0"/>
+        </a:xfrm>
+      </p:grpSpPr>
+      <p:sp>
+        <p:nvSpPr>
+          <p:cNvPr id="17" name="Retângulo 16">
+            <a:extLst>
+              <a:ext uri="{FF2B5EF4-FFF2-40B4-BE49-F238E27FC236}">
+                <a16:creationId xmlns:a16="http://schemas.microsoft.com/office/drawing/2014/main" id="{ADC1ED6D-0BC2-03E5-6FD2-9965E8411138}"/>
+              </a:ext>
+            </a:extLst>
+          </p:cNvPr>
+          <p:cNvSpPr/>
+          <p:nvPr/>
+        </p:nvSpPr>
+        <p:spPr>
+          <a:xfrm>
+            <a:off x="0" y="0"/>
+            <a:ext cx="10347158" cy="1143000"/>
+          </a:xfrm>
+          <a:prstGeom prst="rect">
+            <a:avLst/>
+          </a:prstGeom>
+          <a:solidFill>
+            <a:srgbClr val="E3C11D"/>
+          </a:solidFill>
+          <a:ln>
+            <a:noFill/>
+          </a:ln>
+        </p:spPr>
+        <p:style>
+          <a:lnRef idx="2">
+            <a:schemeClr val="accent1">
+              <a:shade val="50000"/>
+            </a:schemeClr>
+          </a:lnRef>
+          <a:fillRef idx="1">
+            <a:schemeClr val="accent1"/>
+          </a:fillRef>
+          <a:effectRef idx="0">
+            <a:schemeClr val="accent1"/>
+          </a:effectRef>
+          <a:fontRef idx="minor">
+            <a:schemeClr val="lt1"/>
+          </a:fontRef>
+        </p:style>
+        <p:txBody>
+          <a:bodyPr rtlCol="0" anchor="ctr"/>
+          <a:lstStyle/>
+          <a:p>
+            <a:pPr algn="ctr"/>
+            <a:endParaRPr lang="pt-BR"/>
+          </a:p>
+        </p:txBody>
+      </p:sp>
+      <p:sp>
+        <p:nvSpPr>
+          <p:cNvPr id="16" name="CaixaDeTexto 15">
+            <a:extLst>
+              <a:ext uri="{FF2B5EF4-FFF2-40B4-BE49-F238E27FC236}">
+                <a16:creationId xmlns:a16="http://schemas.microsoft.com/office/drawing/2014/main" id="{567E8EE0-B71B-1E82-4EBA-B323699E48C5}"/>
+              </a:ext>
+            </a:extLst>
+          </p:cNvPr>
+          <p:cNvSpPr txBox="1"/>
+          <p:nvPr/>
+        </p:nvSpPr>
+        <p:spPr>
+          <a:xfrm>
+            <a:off x="0" y="235606"/>
+            <a:ext cx="10347157" cy="830997"/>
+          </a:xfrm>
+          <a:prstGeom prst="rect">
+            <a:avLst/>
+          </a:prstGeom>
+          <a:noFill/>
+        </p:spPr>
+        <p:txBody>
+          <a:bodyPr wrap="square" rtlCol="0">
+            <a:spAutoFit/>
+          </a:bodyPr>
+          <a:lstStyle/>
+          <a:p>
+            <a:r>
+              <a:rPr lang="pt-BR" sz="4800" spc="200" dirty="0">
+                <a:solidFill>
+                  <a:srgbClr val="0F2456"/>
+                </a:solidFill>
+                <a:latin typeface="Arial Black" panose="020B0A04020102020204" pitchFamily="34" charset="0"/>
+              </a:rPr>
+              <a:t>Como identificar conceitos</a:t>
+            </a:r>
+          </a:p>
+        </p:txBody>
+      </p:sp>
+      <p:sp>
+        <p:nvSpPr>
+          <p:cNvPr id="4" name="CaixaDeTexto 3">
+            <a:extLst>
+              <a:ext uri="{FF2B5EF4-FFF2-40B4-BE49-F238E27FC236}">
+                <a16:creationId xmlns:a16="http://schemas.microsoft.com/office/drawing/2014/main" id="{FBE99FF2-675E-5A6C-240E-81E1B55E326B}"/>
+              </a:ext>
+            </a:extLst>
+          </p:cNvPr>
+          <p:cNvSpPr txBox="1"/>
+          <p:nvPr/>
+        </p:nvSpPr>
+        <p:spPr>
+          <a:xfrm>
+            <a:off x="558800" y="2158163"/>
+            <a:ext cx="11074400" cy="3416320"/>
+          </a:xfrm>
+          <a:prstGeom prst="rect">
+            <a:avLst/>
+          </a:prstGeom>
+          <a:noFill/>
+        </p:spPr>
+        <p:txBody>
+          <a:bodyPr wrap="square">
+            <a:spAutoFit/>
+          </a:bodyPr>
+          <a:lstStyle/>
+          <a:p>
+            <a:pPr marL="285750" indent="-285750" algn="l">
+              <a:buFont typeface="Wingdings" panose="05000000000000000000" pitchFamily="2" charset="2"/>
+              <a:buChar char="Ø"/>
+            </a:pPr>
+            <a:r>
+              <a:rPr lang="pt-BR" sz="3600" b="0" i="0" u="none" strike="noStrike" baseline="0" dirty="0">
+                <a:latin typeface="Arial Black" panose="020B0A04020102020204" pitchFamily="34" charset="0"/>
+              </a:rPr>
+              <a:t>Onde buscar informações</a:t>
+            </a:r>
+          </a:p>
+          <a:p>
+            <a:pPr marL="285750" indent="-285750" algn="l">
+              <a:buFont typeface="Wingdings" panose="05000000000000000000" pitchFamily="2" charset="2"/>
+              <a:buChar char="Ø"/>
+            </a:pPr>
+            <a:endParaRPr lang="pt-BR" sz="3600" b="0" i="0" u="none" strike="noStrike" baseline="0" dirty="0">
+              <a:latin typeface="Arial Black" panose="020B0A04020102020204" pitchFamily="34" charset="0"/>
+            </a:endParaRPr>
+          </a:p>
+          <a:p>
+            <a:pPr marL="285750" indent="-285750" algn="l">
+              <a:buFont typeface="Wingdings" panose="05000000000000000000" pitchFamily="2" charset="2"/>
+              <a:buChar char="Ø"/>
+            </a:pPr>
+            <a:r>
+              <a:rPr lang="pt-BR" sz="3600" b="0" i="0" u="none" strike="noStrike" baseline="0" dirty="0">
+                <a:latin typeface="Arial Black" panose="020B0A04020102020204" pitchFamily="34" charset="0"/>
+              </a:rPr>
+              <a:t>Orientações para identificação de conceitos</a:t>
+            </a:r>
+          </a:p>
+          <a:p>
+            <a:pPr marL="285750" indent="-285750" algn="l">
+              <a:buFont typeface="Wingdings" panose="05000000000000000000" pitchFamily="2" charset="2"/>
+              <a:buChar char="Ø"/>
+            </a:pPr>
+            <a:endParaRPr lang="pt-BR" sz="3600" b="0" i="0" u="none" strike="noStrike" baseline="0" dirty="0">
+              <a:latin typeface="Arial Black" panose="020B0A04020102020204" pitchFamily="34" charset="0"/>
+            </a:endParaRPr>
+          </a:p>
+          <a:p>
+            <a:pPr marL="285750" indent="-285750" algn="l">
+              <a:buFont typeface="Wingdings" panose="05000000000000000000" pitchFamily="2" charset="2"/>
+              <a:buChar char="Ø"/>
+            </a:pPr>
+            <a:r>
+              <a:rPr lang="pt-BR" sz="3600" b="0" i="0" u="none" strike="noStrike" baseline="0" dirty="0">
+                <a:latin typeface="Arial Black" panose="020B0A04020102020204" pitchFamily="34" charset="0"/>
+              </a:rPr>
+              <a:t>Exemplos</a:t>
+            </a:r>
+            <a:endParaRPr lang="pt-BR" sz="3600" dirty="0">
+              <a:latin typeface="Arial Black" panose="020B0A04020102020204" pitchFamily="34" charset="0"/>
+            </a:endParaRPr>
+          </a:p>
+        </p:txBody>
+      </p:sp>
+    </p:spTree>
+    <p:extLst>
+      <p:ext uri="{BB962C8B-B14F-4D97-AF65-F5344CB8AC3E}">
+        <p14:creationId xmlns:p14="http://schemas.microsoft.com/office/powerpoint/2010/main" val="1967245668"/>
+      </p:ext>
+    </p:extLst>
+  </p:cSld>
+  <p:clrMapOvr>
+    <a:masterClrMapping/>
+  </p:clrMapOvr>
+</p:sld>
+</file>
+
+<file path=ppt/slides/slide9.xml><?xml version="1.0" encoding="utf-8"?>
+<p:sld xmlns:a="http://schemas.openxmlformats.org/drawingml/2006/main" xmlns:r="http://schemas.openxmlformats.org/officeDocument/2006/relationships" xmlns:p="http://schemas.openxmlformats.org/presentationml/2006/main">
+  <p:cSld>
+    <p:spTree>
+      <p:nvGrpSpPr>
+        <p:cNvPr id="1" name=""/>
+        <p:cNvGrpSpPr/>
+        <p:nvPr/>
+      </p:nvGrpSpPr>
+      <p:grpSpPr>
+        <a:xfrm>
+          <a:off x="0" y="0"/>
+          <a:ext cx="0" cy="0"/>
+          <a:chOff x="0" y="0"/>
+          <a:chExt cx="0" cy="0"/>
+        </a:xfrm>
+      </p:grpSpPr>
+      <p:sp>
+        <p:nvSpPr>
+          <p:cNvPr id="17" name="Retângulo 16">
+            <a:extLst>
+              <a:ext uri="{FF2B5EF4-FFF2-40B4-BE49-F238E27FC236}">
+                <a16:creationId xmlns:a16="http://schemas.microsoft.com/office/drawing/2014/main" id="{ADC1ED6D-0BC2-03E5-6FD2-9965E8411138}"/>
+              </a:ext>
+            </a:extLst>
+          </p:cNvPr>
+          <p:cNvSpPr/>
+          <p:nvPr/>
+        </p:nvSpPr>
+        <p:spPr>
+          <a:xfrm>
+            <a:off x="0" y="0"/>
+            <a:ext cx="10347158" cy="1143000"/>
+          </a:xfrm>
+          <a:prstGeom prst="rect">
+            <a:avLst/>
+          </a:prstGeom>
+          <a:solidFill>
+            <a:srgbClr val="E3C11D"/>
+          </a:solidFill>
+          <a:ln>
+            <a:noFill/>
+          </a:ln>
+        </p:spPr>
+        <p:style>
+          <a:lnRef idx="2">
+            <a:schemeClr val="accent1">
+              <a:shade val="50000"/>
+            </a:schemeClr>
+          </a:lnRef>
+          <a:fillRef idx="1">
+            <a:schemeClr val="accent1"/>
+          </a:fillRef>
+          <a:effectRef idx="0">
+            <a:schemeClr val="accent1"/>
+          </a:effectRef>
+          <a:fontRef idx="minor">
+            <a:schemeClr val="lt1"/>
+          </a:fontRef>
+        </p:style>
+        <p:txBody>
+          <a:bodyPr rtlCol="0" anchor="ctr"/>
+          <a:lstStyle/>
+          <a:p>
+            <a:pPr algn="ctr"/>
+            <a:endParaRPr lang="pt-BR"/>
+          </a:p>
+        </p:txBody>
+      </p:sp>
+      <p:sp>
+        <p:nvSpPr>
+          <p:cNvPr id="16" name="CaixaDeTexto 15">
+            <a:extLst>
+              <a:ext uri="{FF2B5EF4-FFF2-40B4-BE49-F238E27FC236}">
+                <a16:creationId xmlns:a16="http://schemas.microsoft.com/office/drawing/2014/main" id="{567E8EE0-B71B-1E82-4EBA-B323699E48C5}"/>
+              </a:ext>
+            </a:extLst>
+          </p:cNvPr>
+          <p:cNvSpPr txBox="1"/>
+          <p:nvPr/>
+        </p:nvSpPr>
+        <p:spPr>
+          <a:xfrm>
+            <a:off x="0" y="235606"/>
+            <a:ext cx="10347157" cy="830997"/>
+          </a:xfrm>
+          <a:prstGeom prst="rect">
+            <a:avLst/>
+          </a:prstGeom>
+          <a:noFill/>
+        </p:spPr>
+        <p:txBody>
+          <a:bodyPr wrap="square" rtlCol="0">
+            <a:spAutoFit/>
+          </a:bodyPr>
+          <a:lstStyle/>
+          <a:p>
+            <a:r>
+              <a:rPr lang="pt-BR" sz="4800" spc="200" dirty="0">
+                <a:solidFill>
+                  <a:srgbClr val="0F2456"/>
+                </a:solidFill>
+                <a:latin typeface="Arial Black" panose="020B0A04020102020204" pitchFamily="34" charset="0"/>
+              </a:rPr>
+              <a:t>Onde buscar informações</a:t>
+            </a:r>
+          </a:p>
+        </p:txBody>
+      </p:sp>
+      <p:pic>
+        <p:nvPicPr>
+          <p:cNvPr id="3" name="Imagem 2">
+            <a:extLst>
+              <a:ext uri="{FF2B5EF4-FFF2-40B4-BE49-F238E27FC236}">
+                <a16:creationId xmlns:a16="http://schemas.microsoft.com/office/drawing/2014/main" id="{8946BE61-B12F-927F-6644-ADCFC9778B19}"/>
+              </a:ext>
+            </a:extLst>
+          </p:cNvPr>
+          <p:cNvPicPr>
+            <a:picLocks noChangeAspect="1"/>
+          </p:cNvPicPr>
+          <p:nvPr/>
+        </p:nvPicPr>
+        <p:blipFill>
+          <a:blip r:embed="rId2"/>
+          <a:stretch>
+            <a:fillRect/>
+          </a:stretch>
+        </p:blipFill>
+        <p:spPr>
+          <a:xfrm>
+            <a:off x="1188129" y="1714500"/>
+            <a:ext cx="9496425" cy="4648200"/>
+          </a:xfrm>
+          <a:prstGeom prst="rect">
+            <a:avLst/>
+          </a:prstGeom>
+        </p:spPr>
+      </p:pic>
+    </p:spTree>
+    <p:extLst>
+      <p:ext uri="{BB962C8B-B14F-4D97-AF65-F5344CB8AC3E}">
+        <p14:creationId xmlns:p14="http://schemas.microsoft.com/office/powerpoint/2010/main" val="3273286289"/>
+      </p:ext>
+    </p:extLst>
+  </p:cSld>
+  <p:clrMapOvr>
+    <a:masterClrMapping/>
+  </p:clrMapOvr>
 </p:sld>
 </file>
 

--- a/02-IdentificaçãoDeConceitosEAtributos.pptx
+++ b/02-IdentificaçãoDeConceitosEAtributos.pptx
@@ -10,19 +10,19 @@
     <p:sldId id="258" r:id="rId4"/>
     <p:sldId id="261" r:id="rId5"/>
     <p:sldId id="262" r:id="rId6"/>
-    <p:sldId id="263" r:id="rId7"/>
-    <p:sldId id="264" r:id="rId8"/>
-    <p:sldId id="265" r:id="rId9"/>
-    <p:sldId id="266" r:id="rId10"/>
-    <p:sldId id="267" r:id="rId11"/>
-    <p:sldId id="268" r:id="rId12"/>
-    <p:sldId id="269" r:id="rId13"/>
-    <p:sldId id="270" r:id="rId14"/>
-    <p:sldId id="271" r:id="rId15"/>
-    <p:sldId id="272" r:id="rId16"/>
-    <p:sldId id="273" r:id="rId17"/>
-    <p:sldId id="274" r:id="rId18"/>
-    <p:sldId id="260" r:id="rId19"/>
+    <p:sldId id="275" r:id="rId7"/>
+    <p:sldId id="263" r:id="rId8"/>
+    <p:sldId id="264" r:id="rId9"/>
+    <p:sldId id="265" r:id="rId10"/>
+    <p:sldId id="266" r:id="rId11"/>
+    <p:sldId id="267" r:id="rId12"/>
+    <p:sldId id="268" r:id="rId13"/>
+    <p:sldId id="269" r:id="rId14"/>
+    <p:sldId id="270" r:id="rId15"/>
+    <p:sldId id="271" r:id="rId16"/>
+    <p:sldId id="272" r:id="rId17"/>
+    <p:sldId id="273" r:id="rId18"/>
+    <p:sldId id="274" r:id="rId19"/>
   </p:sldIdLst>
   <p:sldSz cx="12192000" cy="6858000"/>
   <p:notesSz cx="6858000" cy="9144000"/>
@@ -3726,8 +3726,8 @@
         </p:nvSpPr>
         <p:spPr>
           <a:xfrm>
-            <a:off x="0" y="0"/>
-            <a:ext cx="10347157" cy="1200329"/>
+            <a:off x="0" y="235606"/>
+            <a:ext cx="10347157" cy="830997"/>
           </a:xfrm>
           <a:prstGeom prst="rect">
             <a:avLst/>
@@ -3741,180 +3741,51 @@
           <a:lstStyle/>
           <a:p>
             <a:r>
-              <a:rPr lang="pt-BR" sz="2400" spc="200" dirty="0">
+              <a:rPr lang="pt-BR" sz="4800" spc="200" dirty="0">
                 <a:solidFill>
                   <a:srgbClr val="0F2456"/>
                 </a:solidFill>
                 <a:latin typeface="Arial Black" panose="020B0A04020102020204" pitchFamily="34" charset="0"/>
               </a:rPr>
-              <a:t>Visão geral do sistema: documento de formato livre que especifica, em linhas gerais, os requisitos do sistema</a:t>
-            </a:r>
-          </a:p>
-        </p:txBody>
-      </p:sp>
-      <p:sp>
-        <p:nvSpPr>
-          <p:cNvPr id="4" name="CaixaDeTexto 3">
-            <a:extLst>
-              <a:ext uri="{FF2B5EF4-FFF2-40B4-BE49-F238E27FC236}">
-                <a16:creationId xmlns:a16="http://schemas.microsoft.com/office/drawing/2014/main" id="{267912B4-E491-07E7-1062-E76317DC2396}"/>
-              </a:ext>
-            </a:extLst>
-          </p:cNvPr>
-          <p:cNvSpPr txBox="1"/>
+              <a:t>Onde buscar informações</a:t>
+            </a:r>
+          </a:p>
+        </p:txBody>
+      </p:sp>
+      <p:pic>
+        <p:nvPicPr>
+          <p:cNvPr id="3" name="Imagem 2">
+            <a:extLst>
+              <a:ext uri="{FF2B5EF4-FFF2-40B4-BE49-F238E27FC236}">
+                <a16:creationId xmlns:a16="http://schemas.microsoft.com/office/drawing/2014/main" id="{8946BE61-B12F-927F-6644-ADCFC9778B19}"/>
+              </a:ext>
+            </a:extLst>
+          </p:cNvPr>
+          <p:cNvPicPr>
+            <a:picLocks noChangeAspect="1"/>
+          </p:cNvPicPr>
           <p:nvPr/>
-        </p:nvSpPr>
-        <p:spPr>
-          <a:xfrm>
-            <a:off x="384628" y="1210487"/>
-            <a:ext cx="11422743" cy="5324535"/>
+        </p:nvPicPr>
+        <p:blipFill>
+          <a:blip r:embed="rId2"/>
+          <a:stretch>
+            <a:fillRect/>
+          </a:stretch>
+        </p:blipFill>
+        <p:spPr>
+          <a:xfrm>
+            <a:off x="424483" y="1298094"/>
+            <a:ext cx="10877720" cy="5324300"/>
           </a:xfrm>
           <a:prstGeom prst="rect">
             <a:avLst/>
           </a:prstGeom>
-          <a:noFill/>
-        </p:spPr>
-        <p:txBody>
-          <a:bodyPr wrap="square">
-            <a:spAutoFit/>
-          </a:bodyPr>
-          <a:lstStyle/>
-          <a:p>
-            <a:pPr algn="l"/>
-            <a:r>
-              <a:rPr lang="pt-BR" sz="2000" b="1" i="1" u="none" strike="noStrike" baseline="0" dirty="0">
-                <a:solidFill>
-                  <a:srgbClr val="002060"/>
-                </a:solidFill>
-                <a:latin typeface="Calibri,BoldItalic"/>
-              </a:rPr>
-              <a:t>Sistema de Controle Escolar</a:t>
-            </a:r>
-          </a:p>
-          <a:p>
-            <a:pPr algn="l"/>
-            <a:endParaRPr lang="pt-BR" sz="2000" b="1" i="1" u="none" strike="noStrike" baseline="0" dirty="0">
-              <a:solidFill>
-                <a:srgbClr val="002060"/>
-              </a:solidFill>
-              <a:latin typeface="Calibri,BoldItalic"/>
-            </a:endParaRPr>
-          </a:p>
-          <a:p>
-            <a:pPr algn="l"/>
-            <a:r>
-              <a:rPr lang="pt-BR" sz="2000" b="0" i="1" u="none" strike="noStrike" baseline="0" dirty="0">
-                <a:solidFill>
-                  <a:srgbClr val="002060"/>
-                </a:solidFill>
-                <a:latin typeface="Calibri,Italic"/>
-              </a:rPr>
-              <a:t>Deseja-se construir um sistema acadêmico. Para isso, são registrados os cursos disponíveis, onde cada um possui um nome, carga horária e valor. Quando um curso vai ser oferecido, é registrada uma turma,</a:t>
-            </a:r>
-          </a:p>
-          <a:p>
-            <a:pPr algn="l"/>
-            <a:r>
-              <a:rPr lang="pt-BR" sz="2000" b="0" i="1" u="none" strike="noStrike" baseline="0" dirty="0">
-                <a:solidFill>
-                  <a:srgbClr val="002060"/>
-                </a:solidFill>
-                <a:latin typeface="Calibri,Italic"/>
-              </a:rPr>
-              <a:t>informando os seguintes dados: número da turma, data de início e número de vagas. Uma matrícula de um aluno em uma turma consiste na data de matrícula e no número de prestações em que o aluno vai pagar o curso. Para cada aluno, é necessário cadastrar seu nome, </a:t>
-            </a:r>
-            <a:r>
-              <a:rPr lang="pt-BR" sz="2000" b="0" i="1" u="none" strike="noStrike" baseline="0" dirty="0" err="1">
-                <a:solidFill>
-                  <a:srgbClr val="002060"/>
-                </a:solidFill>
-                <a:latin typeface="Calibri,Italic"/>
-              </a:rPr>
-              <a:t>cpf</a:t>
-            </a:r>
-            <a:r>
-              <a:rPr lang="pt-BR" sz="2000" b="0" i="1" u="none" strike="noStrike" baseline="0" dirty="0">
-                <a:solidFill>
-                  <a:srgbClr val="002060"/>
-                </a:solidFill>
-                <a:latin typeface="Calibri,Italic"/>
-              </a:rPr>
-              <a:t>, e data de nascimento.</a:t>
-            </a:r>
-          </a:p>
-          <a:p>
-            <a:pPr algn="l"/>
-            <a:endParaRPr lang="pt-BR" sz="2000" b="0" i="1" u="none" strike="noStrike" baseline="0" dirty="0">
-              <a:solidFill>
-                <a:srgbClr val="002060"/>
-              </a:solidFill>
-              <a:latin typeface="Calibri,Italic"/>
-            </a:endParaRPr>
-          </a:p>
-          <a:p>
-            <a:pPr algn="l"/>
-            <a:r>
-              <a:rPr lang="pt-BR" sz="2000" b="0" i="1" u="none" strike="noStrike" baseline="0" dirty="0">
-                <a:solidFill>
-                  <a:srgbClr val="002060"/>
-                </a:solidFill>
-                <a:latin typeface="Calibri,Italic"/>
-              </a:rPr>
-              <a:t>Cada aluno passa por várias avaliações durante o desenrolar do curso que está cursando. Uma avaliação</a:t>
-            </a:r>
-          </a:p>
-          <a:p>
-            <a:pPr algn="l"/>
-            <a:r>
-              <a:rPr lang="pt-BR" sz="2000" b="0" i="1" u="none" strike="noStrike" baseline="0" dirty="0">
-                <a:solidFill>
-                  <a:srgbClr val="002060"/>
-                </a:solidFill>
-                <a:latin typeface="Calibri,Italic"/>
-              </a:rPr>
-              <a:t>possui nota e data. Depois que a avaliação ocorre, é registrado resultado de cada aluno da turma (a nota</a:t>
-            </a:r>
-          </a:p>
-          <a:p>
-            <a:pPr algn="l"/>
-            <a:r>
-              <a:rPr lang="pt-BR" sz="2000" b="0" i="1" u="none" strike="noStrike" baseline="0" dirty="0">
-                <a:solidFill>
-                  <a:srgbClr val="002060"/>
-                </a:solidFill>
-                <a:latin typeface="Calibri,Italic"/>
-              </a:rPr>
-              <a:t>que ele tirou). Um aluno é aprovado em um curso se sua nota total for pelo menos 70% da nota prevista do curso.</a:t>
-            </a:r>
-          </a:p>
-          <a:p>
-            <a:pPr algn="l"/>
-            <a:endParaRPr lang="pt-BR" sz="2000" b="0" i="1" u="none" strike="noStrike" baseline="0" dirty="0">
-              <a:solidFill>
-                <a:srgbClr val="002060"/>
-              </a:solidFill>
-              <a:latin typeface="Calibri,Italic"/>
-            </a:endParaRPr>
-          </a:p>
-          <a:p>
-            <a:pPr algn="l"/>
-            <a:r>
-              <a:rPr lang="pt-BR" sz="2000" b="0" i="1" u="none" strike="noStrike" baseline="0" dirty="0">
-                <a:solidFill>
-                  <a:srgbClr val="002060"/>
-                </a:solidFill>
-                <a:latin typeface="Calibri,Italic"/>
-              </a:rPr>
-              <a:t>É importante saber a porcentagem de aprovação por turma e por curso (considerando somente as turmas que já finalizadas). Deseja-se saber também a nota final de um aluno em um curso que ele cursou, e se ele foi aprovado ou não no curso. Além disso, o sistema deve ser capaz de saber os alunos aprovados e reprovados em uma turma, bem como o aluno com melhor desempenho da turma (pode haver empates).</a:t>
-            </a:r>
-            <a:endParaRPr lang="pt-BR" sz="2000" dirty="0"/>
-          </a:p>
-        </p:txBody>
-      </p:sp>
+        </p:spPr>
+      </p:pic>
     </p:spTree>
     <p:extLst>
       <p:ext uri="{BB962C8B-B14F-4D97-AF65-F5344CB8AC3E}">
-        <p14:creationId xmlns:p14="http://schemas.microsoft.com/office/powerpoint/2010/main" val="2847586961"/>
+        <p14:creationId xmlns:p14="http://schemas.microsoft.com/office/powerpoint/2010/main" val="3273286289"/>
       </p:ext>
     </p:extLst>
   </p:cSld>
@@ -4007,8 +3878,8 @@
         </p:nvSpPr>
         <p:spPr>
           <a:xfrm>
-            <a:off x="1" y="0"/>
-            <a:ext cx="10347158" cy="1015663"/>
+            <a:off x="0" y="0"/>
+            <a:ext cx="10347157" cy="1200329"/>
           </a:xfrm>
           <a:prstGeom prst="rect">
             <a:avLst/>
@@ -4022,51 +3893,180 @@
           <a:lstStyle/>
           <a:p>
             <a:r>
-              <a:rPr lang="pt-BR" sz="2000" spc="200" dirty="0">
+              <a:rPr lang="pt-BR" sz="2400" spc="200" dirty="0">
                 <a:solidFill>
                   <a:srgbClr val="0F2456"/>
                 </a:solidFill>
                 <a:latin typeface="Arial Black" panose="020B0A04020102020204" pitchFamily="34" charset="0"/>
               </a:rPr>
-              <a:t>Caso de uso: documento estruturado que especifica uma funcionalidade do sistema por meio da troca de informações entre usuários (atores de sistema) e o sistema</a:t>
-            </a:r>
-          </a:p>
-        </p:txBody>
-      </p:sp>
-      <p:pic>
-        <p:nvPicPr>
-          <p:cNvPr id="3" name="Imagem 2">
-            <a:extLst>
-              <a:ext uri="{FF2B5EF4-FFF2-40B4-BE49-F238E27FC236}">
-                <a16:creationId xmlns:a16="http://schemas.microsoft.com/office/drawing/2014/main" id="{76F7F835-6691-70ED-5565-36F9419771A9}"/>
-              </a:ext>
-            </a:extLst>
-          </p:cNvPr>
-          <p:cNvPicPr>
-            <a:picLocks noChangeAspect="1"/>
-          </p:cNvPicPr>
+              <a:t>Visão geral do sistema: documento de formato livre que especifica, em linhas gerais, os requisitos do sistema</a:t>
+            </a:r>
+          </a:p>
+        </p:txBody>
+      </p:sp>
+      <p:sp>
+        <p:nvSpPr>
+          <p:cNvPr id="4" name="CaixaDeTexto 3">
+            <a:extLst>
+              <a:ext uri="{FF2B5EF4-FFF2-40B4-BE49-F238E27FC236}">
+                <a16:creationId xmlns:a16="http://schemas.microsoft.com/office/drawing/2014/main" id="{267912B4-E491-07E7-1062-E76317DC2396}"/>
+              </a:ext>
+            </a:extLst>
+          </p:cNvPr>
+          <p:cNvSpPr txBox="1"/>
           <p:nvPr/>
-        </p:nvPicPr>
-        <p:blipFill>
-          <a:blip r:embed="rId2"/>
-          <a:stretch>
-            <a:fillRect/>
-          </a:stretch>
-        </p:blipFill>
-        <p:spPr>
-          <a:xfrm>
-            <a:off x="582838" y="1585685"/>
-            <a:ext cx="10704691" cy="4844143"/>
+        </p:nvSpPr>
+        <p:spPr>
+          <a:xfrm>
+            <a:off x="384628" y="1210487"/>
+            <a:ext cx="11422743" cy="5324535"/>
           </a:xfrm>
           <a:prstGeom prst="rect">
             <a:avLst/>
           </a:prstGeom>
-        </p:spPr>
-      </p:pic>
+          <a:noFill/>
+        </p:spPr>
+        <p:txBody>
+          <a:bodyPr wrap="square">
+            <a:spAutoFit/>
+          </a:bodyPr>
+          <a:lstStyle/>
+          <a:p>
+            <a:pPr algn="l"/>
+            <a:r>
+              <a:rPr lang="pt-BR" sz="2000" b="1" i="1" u="none" strike="noStrike" baseline="0" dirty="0">
+                <a:solidFill>
+                  <a:srgbClr val="002060"/>
+                </a:solidFill>
+                <a:latin typeface="Calibri,BoldItalic"/>
+              </a:rPr>
+              <a:t>Sistema de Controle Escolar</a:t>
+            </a:r>
+          </a:p>
+          <a:p>
+            <a:pPr algn="l"/>
+            <a:endParaRPr lang="pt-BR" sz="2000" b="1" i="1" u="none" strike="noStrike" baseline="0" dirty="0">
+              <a:solidFill>
+                <a:srgbClr val="002060"/>
+              </a:solidFill>
+              <a:latin typeface="Calibri,BoldItalic"/>
+            </a:endParaRPr>
+          </a:p>
+          <a:p>
+            <a:pPr algn="l"/>
+            <a:r>
+              <a:rPr lang="pt-BR" sz="2000" b="0" i="1" u="none" strike="noStrike" baseline="0" dirty="0">
+                <a:solidFill>
+                  <a:srgbClr val="002060"/>
+                </a:solidFill>
+                <a:latin typeface="Calibri,Italic"/>
+              </a:rPr>
+              <a:t>Deseja-se construir um sistema acadêmico. Para isso, são registrados os cursos disponíveis, onde cada um possui um nome, carga horária e valor. Quando um curso vai ser oferecido, é registrada uma turma,</a:t>
+            </a:r>
+          </a:p>
+          <a:p>
+            <a:pPr algn="l"/>
+            <a:r>
+              <a:rPr lang="pt-BR" sz="2000" b="0" i="1" u="none" strike="noStrike" baseline="0" dirty="0">
+                <a:solidFill>
+                  <a:srgbClr val="002060"/>
+                </a:solidFill>
+                <a:latin typeface="Calibri,Italic"/>
+              </a:rPr>
+              <a:t>informando os seguintes dados: número da turma, data de início e número de vagas. Uma matrícula de um aluno em uma turma consiste na data de matrícula e no número de prestações em que o aluno vai pagar o curso. Para cada aluno, é necessário cadastrar seu nome, </a:t>
+            </a:r>
+            <a:r>
+              <a:rPr lang="pt-BR" sz="2000" b="0" i="1" u="none" strike="noStrike" baseline="0" dirty="0" err="1">
+                <a:solidFill>
+                  <a:srgbClr val="002060"/>
+                </a:solidFill>
+                <a:latin typeface="Calibri,Italic"/>
+              </a:rPr>
+              <a:t>cpf</a:t>
+            </a:r>
+            <a:r>
+              <a:rPr lang="pt-BR" sz="2000" b="0" i="1" u="none" strike="noStrike" baseline="0" dirty="0">
+                <a:solidFill>
+                  <a:srgbClr val="002060"/>
+                </a:solidFill>
+                <a:latin typeface="Calibri,Italic"/>
+              </a:rPr>
+              <a:t>, e data de nascimento.</a:t>
+            </a:r>
+          </a:p>
+          <a:p>
+            <a:pPr algn="l"/>
+            <a:endParaRPr lang="pt-BR" sz="2000" b="0" i="1" u="none" strike="noStrike" baseline="0" dirty="0">
+              <a:solidFill>
+                <a:srgbClr val="002060"/>
+              </a:solidFill>
+              <a:latin typeface="Calibri,Italic"/>
+            </a:endParaRPr>
+          </a:p>
+          <a:p>
+            <a:pPr algn="l"/>
+            <a:r>
+              <a:rPr lang="pt-BR" sz="2000" b="0" i="1" u="none" strike="noStrike" baseline="0" dirty="0">
+                <a:solidFill>
+                  <a:srgbClr val="002060"/>
+                </a:solidFill>
+                <a:latin typeface="Calibri,Italic"/>
+              </a:rPr>
+              <a:t>Cada aluno passa por várias avaliações durante o desenrolar do curso que está cursando. Uma avaliação</a:t>
+            </a:r>
+          </a:p>
+          <a:p>
+            <a:pPr algn="l"/>
+            <a:r>
+              <a:rPr lang="pt-BR" sz="2000" b="0" i="1" u="none" strike="noStrike" baseline="0" dirty="0">
+                <a:solidFill>
+                  <a:srgbClr val="002060"/>
+                </a:solidFill>
+                <a:latin typeface="Calibri,Italic"/>
+              </a:rPr>
+              <a:t>possui nota e data. Depois que a avaliação ocorre, é registrado resultado de cada aluno da turma (a nota</a:t>
+            </a:r>
+          </a:p>
+          <a:p>
+            <a:pPr algn="l"/>
+            <a:r>
+              <a:rPr lang="pt-BR" sz="2000" b="0" i="1" u="none" strike="noStrike" baseline="0" dirty="0">
+                <a:solidFill>
+                  <a:srgbClr val="002060"/>
+                </a:solidFill>
+                <a:latin typeface="Calibri,Italic"/>
+              </a:rPr>
+              <a:t>que ele tirou). Um aluno é aprovado em um curso se sua nota total for pelo menos 70% da nota prevista do curso.</a:t>
+            </a:r>
+          </a:p>
+          <a:p>
+            <a:pPr algn="l"/>
+            <a:endParaRPr lang="pt-BR" sz="2000" b="0" i="1" u="none" strike="noStrike" baseline="0" dirty="0">
+              <a:solidFill>
+                <a:srgbClr val="002060"/>
+              </a:solidFill>
+              <a:latin typeface="Calibri,Italic"/>
+            </a:endParaRPr>
+          </a:p>
+          <a:p>
+            <a:pPr algn="l"/>
+            <a:r>
+              <a:rPr lang="pt-BR" sz="2000" b="0" i="1" u="none" strike="noStrike" baseline="0" dirty="0">
+                <a:solidFill>
+                  <a:srgbClr val="002060"/>
+                </a:solidFill>
+                <a:latin typeface="Calibri,Italic"/>
+              </a:rPr>
+              <a:t>É importante saber a porcentagem de aprovação por turma e por curso (considerando somente as turmas que já finalizadas). Deseja-se saber também a nota final de um aluno em um curso que ele cursou, e se ele foi aprovado ou não no curso. Além disso, o sistema deve ser capaz de saber os alunos aprovados e reprovados em uma turma, bem como o aluno com melhor desempenho da turma (pode haver empates).</a:t>
+            </a:r>
+            <a:endParaRPr lang="pt-BR" sz="2000" dirty="0"/>
+          </a:p>
+        </p:txBody>
+      </p:sp>
     </p:spTree>
     <p:extLst>
       <p:ext uri="{BB962C8B-B14F-4D97-AF65-F5344CB8AC3E}">
-        <p14:creationId xmlns:p14="http://schemas.microsoft.com/office/powerpoint/2010/main" val="3118905358"/>
+        <p14:creationId xmlns:p14="http://schemas.microsoft.com/office/powerpoint/2010/main" val="2847586961"/>
       </p:ext>
     </p:extLst>
   </p:cSld>
@@ -4159,8 +4159,8 @@
         </p:nvSpPr>
         <p:spPr>
           <a:xfrm>
-            <a:off x="0" y="371445"/>
-            <a:ext cx="10347158" cy="523220"/>
+            <a:off x="1" y="0"/>
+            <a:ext cx="10347158" cy="1015663"/>
           </a:xfrm>
           <a:prstGeom prst="rect">
             <a:avLst/>
@@ -4174,23 +4174,41 @@
           <a:lstStyle/>
           <a:p>
             <a:r>
-              <a:rPr lang="pt-BR" sz="2800" spc="200" dirty="0">
+              <a:rPr lang="pt-BR" sz="2000" spc="200" dirty="0">
                 <a:solidFill>
                   <a:srgbClr val="0F2456"/>
                 </a:solidFill>
                 <a:latin typeface="Arial Black" panose="020B0A04020102020204" pitchFamily="34" charset="0"/>
               </a:rPr>
-              <a:t>Orientações para identificação de conceitos</a:t>
+              <a:t>Caso de uso: documento estruturado que especifica uma funcionalidade do sistema por meio da </a:t>
+            </a:r>
+            <a:r>
+              <a:rPr lang="pt-BR" sz="2000" b="1" spc="200" dirty="0">
+                <a:solidFill>
+                  <a:srgbClr val="FF0000"/>
+                </a:solidFill>
+                <a:latin typeface="Arial Black" panose="020B0A04020102020204" pitchFamily="34" charset="0"/>
+              </a:rPr>
+              <a:t>troca de informações </a:t>
+            </a:r>
+            <a:r>
+              <a:rPr lang="pt-BR" sz="2000" spc="200" dirty="0">
+                <a:solidFill>
+                  <a:srgbClr val="0F2456"/>
+                </a:solidFill>
+                <a:latin typeface="Arial Black" panose="020B0A04020102020204" pitchFamily="34" charset="0"/>
+              </a:rPr>
+              <a:t>entre usuários (atores de sistema) e o sistema</a:t>
             </a:r>
           </a:p>
         </p:txBody>
       </p:sp>
       <p:pic>
         <p:nvPicPr>
-          <p:cNvPr id="4" name="Imagem 3">
-            <a:extLst>
-              <a:ext uri="{FF2B5EF4-FFF2-40B4-BE49-F238E27FC236}">
-                <a16:creationId xmlns:a16="http://schemas.microsoft.com/office/drawing/2014/main" id="{4764C451-CF62-B10B-DF53-76D80832EC81}"/>
+          <p:cNvPr id="3" name="Imagem 2">
+            <a:extLst>
+              <a:ext uri="{FF2B5EF4-FFF2-40B4-BE49-F238E27FC236}">
+                <a16:creationId xmlns:a16="http://schemas.microsoft.com/office/drawing/2014/main" id="{76F7F835-6691-70ED-5565-36F9419771A9}"/>
               </a:ext>
             </a:extLst>
           </p:cNvPr>
@@ -4207,8 +4225,8 @@
         </p:blipFill>
         <p:spPr>
           <a:xfrm>
-            <a:off x="566057" y="1715840"/>
-            <a:ext cx="11085874" cy="4176959"/>
+            <a:off x="582838" y="1585685"/>
+            <a:ext cx="10704691" cy="4844143"/>
           </a:xfrm>
           <a:prstGeom prst="rect">
             <a:avLst/>
@@ -4218,7 +4236,7 @@
     </p:spTree>
     <p:extLst>
       <p:ext uri="{BB962C8B-B14F-4D97-AF65-F5344CB8AC3E}">
-        <p14:creationId xmlns:p14="http://schemas.microsoft.com/office/powerpoint/2010/main" val="1019911932"/>
+        <p14:creationId xmlns:p14="http://schemas.microsoft.com/office/powerpoint/2010/main" val="3118905358"/>
       </p:ext>
     </p:extLst>
   </p:cSld>
@@ -4339,10 +4357,10 @@
       </p:sp>
       <p:pic>
         <p:nvPicPr>
-          <p:cNvPr id="3" name="Imagem 2">
-            <a:extLst>
-              <a:ext uri="{FF2B5EF4-FFF2-40B4-BE49-F238E27FC236}">
-                <a16:creationId xmlns:a16="http://schemas.microsoft.com/office/drawing/2014/main" id="{68A5646C-E185-7F44-2DDD-0A2D84C59799}"/>
+          <p:cNvPr id="4" name="Imagem 3">
+            <a:extLst>
+              <a:ext uri="{FF2B5EF4-FFF2-40B4-BE49-F238E27FC236}">
+                <a16:creationId xmlns:a16="http://schemas.microsoft.com/office/drawing/2014/main" id="{4764C451-CF62-B10B-DF53-76D80832EC81}"/>
               </a:ext>
             </a:extLst>
           </p:cNvPr>
@@ -4359,8 +4377,8 @@
         </p:blipFill>
         <p:spPr>
           <a:xfrm>
-            <a:off x="1026100" y="1514445"/>
-            <a:ext cx="10482202" cy="4673736"/>
+            <a:off x="566057" y="1715840"/>
+            <a:ext cx="11085874" cy="4176959"/>
           </a:xfrm>
           <a:prstGeom prst="rect">
             <a:avLst/>
@@ -4370,7 +4388,7 @@
     </p:spTree>
     <p:extLst>
       <p:ext uri="{BB962C8B-B14F-4D97-AF65-F5344CB8AC3E}">
-        <p14:creationId xmlns:p14="http://schemas.microsoft.com/office/powerpoint/2010/main" val="3105561402"/>
+        <p14:creationId xmlns:p14="http://schemas.microsoft.com/office/powerpoint/2010/main" val="1019911932"/>
       </p:ext>
     </p:extLst>
   </p:cSld>
@@ -4491,10 +4509,10 @@
       </p:sp>
       <p:pic>
         <p:nvPicPr>
-          <p:cNvPr id="4" name="Imagem 3">
-            <a:extLst>
-              <a:ext uri="{FF2B5EF4-FFF2-40B4-BE49-F238E27FC236}">
-                <a16:creationId xmlns:a16="http://schemas.microsoft.com/office/drawing/2014/main" id="{B6671F66-D175-3611-B8BD-06EB4BB6F6AC}"/>
+          <p:cNvPr id="3" name="Imagem 2">
+            <a:extLst>
+              <a:ext uri="{FF2B5EF4-FFF2-40B4-BE49-F238E27FC236}">
+                <a16:creationId xmlns:a16="http://schemas.microsoft.com/office/drawing/2014/main" id="{68A5646C-E185-7F44-2DDD-0A2D84C59799}"/>
               </a:ext>
             </a:extLst>
           </p:cNvPr>
@@ -4511,68 +4529,8 @@
         </p:blipFill>
         <p:spPr>
           <a:xfrm>
-            <a:off x="1212683" y="1266110"/>
-            <a:ext cx="9134475" cy="2438400"/>
-          </a:xfrm>
-          <a:prstGeom prst="rect">
-            <a:avLst/>
-          </a:prstGeom>
-        </p:spPr>
-      </p:pic>
-      <p:pic>
-        <p:nvPicPr>
-          <p:cNvPr id="6" name="Imagem 5">
-            <a:extLst>
-              <a:ext uri="{FF2B5EF4-FFF2-40B4-BE49-F238E27FC236}">
-                <a16:creationId xmlns:a16="http://schemas.microsoft.com/office/drawing/2014/main" id="{D2A42A9E-8599-4D16-E6FB-2FF3022F0303}"/>
-              </a:ext>
-            </a:extLst>
-          </p:cNvPr>
-          <p:cNvPicPr>
-            <a:picLocks noChangeAspect="1"/>
-          </p:cNvPicPr>
-          <p:nvPr/>
-        </p:nvPicPr>
-        <p:blipFill>
-          <a:blip r:embed="rId3"/>
-          <a:stretch>
-            <a:fillRect/>
-          </a:stretch>
-        </p:blipFill>
-        <p:spPr>
-          <a:xfrm>
-            <a:off x="1212683" y="4027261"/>
-            <a:ext cx="2676525" cy="2228850"/>
-          </a:xfrm>
-          <a:prstGeom prst="rect">
-            <a:avLst/>
-          </a:prstGeom>
-        </p:spPr>
-      </p:pic>
-      <p:pic>
-        <p:nvPicPr>
-          <p:cNvPr id="8" name="Imagem 7">
-            <a:extLst>
-              <a:ext uri="{FF2B5EF4-FFF2-40B4-BE49-F238E27FC236}">
-                <a16:creationId xmlns:a16="http://schemas.microsoft.com/office/drawing/2014/main" id="{8D5E8B6D-CE48-E725-34AA-817288834DAE}"/>
-              </a:ext>
-            </a:extLst>
-          </p:cNvPr>
-          <p:cNvPicPr>
-            <a:picLocks noChangeAspect="1"/>
-          </p:cNvPicPr>
-          <p:nvPr/>
-        </p:nvPicPr>
-        <p:blipFill>
-          <a:blip r:embed="rId4"/>
-          <a:stretch>
-            <a:fillRect/>
-          </a:stretch>
-        </p:blipFill>
-        <p:spPr>
-          <a:xfrm>
-            <a:off x="4798785" y="4059657"/>
-            <a:ext cx="5410200" cy="1847850"/>
+            <a:off x="1026100" y="1514445"/>
+            <a:ext cx="10482202" cy="4673736"/>
           </a:xfrm>
           <a:prstGeom prst="rect">
             <a:avLst/>
@@ -4582,7 +4540,7 @@
     </p:spTree>
     <p:extLst>
       <p:ext uri="{BB962C8B-B14F-4D97-AF65-F5344CB8AC3E}">
-        <p14:creationId xmlns:p14="http://schemas.microsoft.com/office/powerpoint/2010/main" val="1549801508"/>
+        <p14:creationId xmlns:p14="http://schemas.microsoft.com/office/powerpoint/2010/main" val="3105561402"/>
       </p:ext>
     </p:extLst>
   </p:cSld>
@@ -4703,10 +4661,10 @@
       </p:sp>
       <p:pic>
         <p:nvPicPr>
-          <p:cNvPr id="3" name="Imagem 2">
-            <a:extLst>
-              <a:ext uri="{FF2B5EF4-FFF2-40B4-BE49-F238E27FC236}">
-                <a16:creationId xmlns:a16="http://schemas.microsoft.com/office/drawing/2014/main" id="{A6CE9279-065B-CB3A-1F9F-B9D357F12CFD}"/>
+          <p:cNvPr id="4" name="Imagem 3">
+            <a:extLst>
+              <a:ext uri="{FF2B5EF4-FFF2-40B4-BE49-F238E27FC236}">
+                <a16:creationId xmlns:a16="http://schemas.microsoft.com/office/drawing/2014/main" id="{B6671F66-D175-3611-B8BD-06EB4BB6F6AC}"/>
               </a:ext>
             </a:extLst>
           </p:cNvPr>
@@ -4723,8 +4681,8 @@
         </p:blipFill>
         <p:spPr>
           <a:xfrm>
-            <a:off x="454312" y="1514445"/>
-            <a:ext cx="10964984" cy="4972110"/>
+            <a:off x="1212683" y="1266110"/>
+            <a:ext cx="9134475" cy="2438400"/>
           </a:xfrm>
           <a:prstGeom prst="rect">
             <a:avLst/>
@@ -4733,10 +4691,10 @@
       </p:pic>
       <p:pic>
         <p:nvPicPr>
-          <p:cNvPr id="7" name="Imagem 6">
-            <a:extLst>
-              <a:ext uri="{FF2B5EF4-FFF2-40B4-BE49-F238E27FC236}">
-                <a16:creationId xmlns:a16="http://schemas.microsoft.com/office/drawing/2014/main" id="{500AC1A2-060C-5889-A54F-20DFE29E4A9A}"/>
+          <p:cNvPr id="6" name="Imagem 5">
+            <a:extLst>
+              <a:ext uri="{FF2B5EF4-FFF2-40B4-BE49-F238E27FC236}">
+                <a16:creationId xmlns:a16="http://schemas.microsoft.com/office/drawing/2014/main" id="{D2A42A9E-8599-4D16-E6FB-2FF3022F0303}"/>
               </a:ext>
             </a:extLst>
           </p:cNvPr>
@@ -4753,8 +4711,38 @@
         </p:blipFill>
         <p:spPr>
           <a:xfrm>
-            <a:off x="454312" y="919505"/>
-            <a:ext cx="3867150" cy="695325"/>
+            <a:off x="1212683" y="4027261"/>
+            <a:ext cx="2676525" cy="2228850"/>
+          </a:xfrm>
+          <a:prstGeom prst="rect">
+            <a:avLst/>
+          </a:prstGeom>
+        </p:spPr>
+      </p:pic>
+      <p:pic>
+        <p:nvPicPr>
+          <p:cNvPr id="8" name="Imagem 7">
+            <a:extLst>
+              <a:ext uri="{FF2B5EF4-FFF2-40B4-BE49-F238E27FC236}">
+                <a16:creationId xmlns:a16="http://schemas.microsoft.com/office/drawing/2014/main" id="{8D5E8B6D-CE48-E725-34AA-817288834DAE}"/>
+              </a:ext>
+            </a:extLst>
+          </p:cNvPr>
+          <p:cNvPicPr>
+            <a:picLocks noChangeAspect="1"/>
+          </p:cNvPicPr>
+          <p:nvPr/>
+        </p:nvPicPr>
+        <p:blipFill>
+          <a:blip r:embed="rId4"/>
+          <a:stretch>
+            <a:fillRect/>
+          </a:stretch>
+        </p:blipFill>
+        <p:spPr>
+          <a:xfrm>
+            <a:off x="4798785" y="4059657"/>
+            <a:ext cx="5410200" cy="1847850"/>
           </a:xfrm>
           <a:prstGeom prst="rect">
             <a:avLst/>
@@ -4764,7 +4752,7 @@
     </p:spTree>
     <p:extLst>
       <p:ext uri="{BB962C8B-B14F-4D97-AF65-F5344CB8AC3E}">
-        <p14:creationId xmlns:p14="http://schemas.microsoft.com/office/powerpoint/2010/main" val="3178577154"/>
+        <p14:creationId xmlns:p14="http://schemas.microsoft.com/office/powerpoint/2010/main" val="1549801508"/>
       </p:ext>
     </p:extLst>
   </p:cSld>
@@ -4885,10 +4873,10 @@
       </p:sp>
       <p:pic>
         <p:nvPicPr>
-          <p:cNvPr id="4" name="Imagem 3">
-            <a:extLst>
-              <a:ext uri="{FF2B5EF4-FFF2-40B4-BE49-F238E27FC236}">
-                <a16:creationId xmlns:a16="http://schemas.microsoft.com/office/drawing/2014/main" id="{AFE95028-EEEE-79CC-623D-8E7757E68576}"/>
+          <p:cNvPr id="3" name="Imagem 2">
+            <a:extLst>
+              <a:ext uri="{FF2B5EF4-FFF2-40B4-BE49-F238E27FC236}">
+                <a16:creationId xmlns:a16="http://schemas.microsoft.com/office/drawing/2014/main" id="{A6CE9279-065B-CB3A-1F9F-B9D357F12CFD}"/>
               </a:ext>
             </a:extLst>
           </p:cNvPr>
@@ -4905,8 +4893,38 @@
         </p:blipFill>
         <p:spPr>
           <a:xfrm>
-            <a:off x="936458" y="1395185"/>
-            <a:ext cx="9410700" cy="5257800"/>
+            <a:off x="454312" y="1514445"/>
+            <a:ext cx="10964984" cy="4972110"/>
+          </a:xfrm>
+          <a:prstGeom prst="rect">
+            <a:avLst/>
+          </a:prstGeom>
+        </p:spPr>
+      </p:pic>
+      <p:pic>
+        <p:nvPicPr>
+          <p:cNvPr id="7" name="Imagem 6">
+            <a:extLst>
+              <a:ext uri="{FF2B5EF4-FFF2-40B4-BE49-F238E27FC236}">
+                <a16:creationId xmlns:a16="http://schemas.microsoft.com/office/drawing/2014/main" id="{500AC1A2-060C-5889-A54F-20DFE29E4A9A}"/>
+              </a:ext>
+            </a:extLst>
+          </p:cNvPr>
+          <p:cNvPicPr>
+            <a:picLocks noChangeAspect="1"/>
+          </p:cNvPicPr>
+          <p:nvPr/>
+        </p:nvPicPr>
+        <p:blipFill>
+          <a:blip r:embed="rId3"/>
+          <a:stretch>
+            <a:fillRect/>
+          </a:stretch>
+        </p:blipFill>
+        <p:spPr>
+          <a:xfrm>
+            <a:off x="454312" y="919505"/>
+            <a:ext cx="3867150" cy="695325"/>
           </a:xfrm>
           <a:prstGeom prst="rect">
             <a:avLst/>
@@ -4916,7 +4934,7 @@
     </p:spTree>
     <p:extLst>
       <p:ext uri="{BB962C8B-B14F-4D97-AF65-F5344CB8AC3E}">
-        <p14:creationId xmlns:p14="http://schemas.microsoft.com/office/powerpoint/2010/main" val="3819276844"/>
+        <p14:creationId xmlns:p14="http://schemas.microsoft.com/office/powerpoint/2010/main" val="3178577154"/>
       </p:ext>
     </p:extLst>
   </p:cSld>
@@ -5037,10 +5055,10 @@
       </p:sp>
       <p:pic>
         <p:nvPicPr>
-          <p:cNvPr id="3" name="Imagem 2">
-            <a:extLst>
-              <a:ext uri="{FF2B5EF4-FFF2-40B4-BE49-F238E27FC236}">
-                <a16:creationId xmlns:a16="http://schemas.microsoft.com/office/drawing/2014/main" id="{2DEE068F-F34C-BAF9-7F4E-264D20584F06}"/>
+          <p:cNvPr id="4" name="Imagem 3">
+            <a:extLst>
+              <a:ext uri="{FF2B5EF4-FFF2-40B4-BE49-F238E27FC236}">
+                <a16:creationId xmlns:a16="http://schemas.microsoft.com/office/drawing/2014/main" id="{AFE95028-EEEE-79CC-623D-8E7757E68576}"/>
               </a:ext>
             </a:extLst>
           </p:cNvPr>
@@ -5057,8 +5075,8 @@
         </p:blipFill>
         <p:spPr>
           <a:xfrm>
-            <a:off x="403964" y="1396738"/>
-            <a:ext cx="10957553" cy="5220445"/>
+            <a:off x="936458" y="1395185"/>
+            <a:ext cx="9410700" cy="5257800"/>
           </a:xfrm>
           <a:prstGeom prst="rect">
             <a:avLst/>
@@ -5068,7 +5086,7 @@
     </p:spTree>
     <p:extLst>
       <p:ext uri="{BB962C8B-B14F-4D97-AF65-F5344CB8AC3E}">
-        <p14:creationId xmlns:p14="http://schemas.microsoft.com/office/powerpoint/2010/main" val="1309531432"/>
+        <p14:creationId xmlns:p14="http://schemas.microsoft.com/office/powerpoint/2010/main" val="3819276844"/>
       </p:ext>
     </p:extLst>
   </p:cSld>
@@ -5161,8 +5179,8 @@
         </p:nvSpPr>
         <p:spPr>
           <a:xfrm>
-            <a:off x="0" y="235606"/>
-            <a:ext cx="10347157" cy="523220"/>
+            <a:off x="0" y="371445"/>
+            <a:ext cx="10347158" cy="523220"/>
           </a:xfrm>
           <a:prstGeom prst="rect">
             <a:avLst/>
@@ -5182,17 +5200,77 @@
                 </a:solidFill>
                 <a:latin typeface="Arial Black" panose="020B0A04020102020204" pitchFamily="34" charset="0"/>
               </a:rPr>
-              <a:t>Modelo conceitual, conceitos e atributos</a:t>
-            </a:r>
-          </a:p>
-        </p:txBody>
-      </p:sp>
-      <p:sp>
-        <p:nvSpPr>
-          <p:cNvPr id="6" name="Seta: para a Direita 5">
-            <a:extLst>
-              <a:ext uri="{FF2B5EF4-FFF2-40B4-BE49-F238E27FC236}">
-                <a16:creationId xmlns:a16="http://schemas.microsoft.com/office/drawing/2014/main" id="{0B52132F-E62F-8A23-25A1-F260A8A9D616}"/>
+              <a:t>Orientações para identificação de conceitos</a:t>
+            </a:r>
+          </a:p>
+        </p:txBody>
+      </p:sp>
+      <p:pic>
+        <p:nvPicPr>
+          <p:cNvPr id="3" name="Imagem 2">
+            <a:extLst>
+              <a:ext uri="{FF2B5EF4-FFF2-40B4-BE49-F238E27FC236}">
+                <a16:creationId xmlns:a16="http://schemas.microsoft.com/office/drawing/2014/main" id="{2DEE068F-F34C-BAF9-7F4E-264D20584F06}"/>
+              </a:ext>
+            </a:extLst>
+          </p:cNvPr>
+          <p:cNvPicPr>
+            <a:picLocks noChangeAspect="1"/>
+          </p:cNvPicPr>
+          <p:nvPr/>
+        </p:nvPicPr>
+        <p:blipFill>
+          <a:blip r:embed="rId2"/>
+          <a:stretch>
+            <a:fillRect/>
+          </a:stretch>
+        </p:blipFill>
+        <p:spPr>
+          <a:xfrm>
+            <a:off x="403964" y="1396738"/>
+            <a:ext cx="10957553" cy="5220445"/>
+          </a:xfrm>
+          <a:prstGeom prst="rect">
+            <a:avLst/>
+          </a:prstGeom>
+        </p:spPr>
+      </p:pic>
+    </p:spTree>
+    <p:extLst>
+      <p:ext uri="{BB962C8B-B14F-4D97-AF65-F5344CB8AC3E}">
+        <p14:creationId xmlns:p14="http://schemas.microsoft.com/office/powerpoint/2010/main" val="1309531432"/>
+      </p:ext>
+    </p:extLst>
+  </p:cSld>
+  <p:clrMapOvr>
+    <a:masterClrMapping/>
+  </p:clrMapOvr>
+</p:sld>
+</file>
+
+<file path=ppt/slides/slide2.xml><?xml version="1.0" encoding="utf-8"?>
+<p:sld xmlns:a="http://schemas.openxmlformats.org/drawingml/2006/main" xmlns:r="http://schemas.openxmlformats.org/officeDocument/2006/relationships" xmlns:p="http://schemas.openxmlformats.org/presentationml/2006/main">
+  <p:cSld>
+    <p:spTree>
+      <p:nvGrpSpPr>
+        <p:cNvPr id="1" name=""/>
+        <p:cNvGrpSpPr/>
+        <p:nvPr/>
+      </p:nvGrpSpPr>
+      <p:grpSpPr>
+        <a:xfrm>
+          <a:off x="0" y="0"/>
+          <a:ext cx="0" cy="0"/>
+          <a:chOff x="0" y="0"/>
+          <a:chExt cx="0" cy="0"/>
+        </a:xfrm>
+      </p:grpSpPr>
+      <p:sp>
+        <p:nvSpPr>
+          <p:cNvPr id="17" name="Retângulo 16">
+            <a:extLst>
+              <a:ext uri="{FF2B5EF4-FFF2-40B4-BE49-F238E27FC236}">
+                <a16:creationId xmlns:a16="http://schemas.microsoft.com/office/drawing/2014/main" id="{ADC1ED6D-0BC2-03E5-6FD2-9965E8411138}"/>
               </a:ext>
             </a:extLst>
           </p:cNvPr>
@@ -5201,22 +5279,30 @@
         </p:nvSpPr>
         <p:spPr>
           <a:xfrm>
-            <a:off x="4319337" y="1275347"/>
-            <a:ext cx="5381813" cy="304539"/>
-          </a:xfrm>
-          <a:prstGeom prst="rightArrow">
+            <a:off x="0" y="0"/>
+            <a:ext cx="10347158" cy="1143000"/>
+          </a:xfrm>
+          <a:prstGeom prst="rect">
             <a:avLst/>
           </a:prstGeom>
+          <a:solidFill>
+            <a:srgbClr val="E3C11D"/>
+          </a:solidFill>
+          <a:ln>
+            <a:noFill/>
+          </a:ln>
         </p:spPr>
         <p:style>
-          <a:lnRef idx="0">
-            <a:schemeClr val="accent2"/>
+          <a:lnRef idx="2">
+            <a:schemeClr val="accent1">
+              <a:shade val="50000"/>
+            </a:schemeClr>
           </a:lnRef>
-          <a:fillRef idx="3">
-            <a:schemeClr val="accent2"/>
+          <a:fillRef idx="1">
+            <a:schemeClr val="accent1"/>
           </a:fillRef>
-          <a:effectRef idx="3">
-            <a:schemeClr val="accent2"/>
+          <a:effectRef idx="0">
+            <a:schemeClr val="accent1"/>
           </a:effectRef>
           <a:fontRef idx="minor">
             <a:schemeClr val="lt1"/>
@@ -5227,113 +5313,16 @@
           <a:lstStyle/>
           <a:p>
             <a:pPr algn="ctr"/>
-            <a:r>
-              <a:rPr lang="pt-BR" b="1" dirty="0">
-                <a:solidFill>
-                  <a:schemeClr val="tx1"/>
-                </a:solidFill>
-              </a:rPr>
-              <a:t>TEMPO</a:t>
-            </a:r>
-          </a:p>
-        </p:txBody>
-      </p:sp>
-      <p:sp>
-        <p:nvSpPr>
-          <p:cNvPr id="7" name="Chave Direita 6">
-            <a:extLst>
-              <a:ext uri="{FF2B5EF4-FFF2-40B4-BE49-F238E27FC236}">
-                <a16:creationId xmlns:a16="http://schemas.microsoft.com/office/drawing/2014/main" id="{C0F6F445-93D8-2115-B802-50B9CCAD4890}"/>
-              </a:ext>
-            </a:extLst>
-          </p:cNvPr>
-          <p:cNvSpPr/>
-          <p:nvPr/>
-        </p:nvSpPr>
-        <p:spPr>
-          <a:xfrm>
-            <a:off x="9793705" y="2273968"/>
-            <a:ext cx="445169" cy="1058779"/>
-          </a:xfrm>
-          <a:prstGeom prst="rightBrace">
-            <a:avLst/>
-          </a:prstGeom>
-          <a:ln/>
-        </p:spPr>
-        <p:style>
-          <a:lnRef idx="3">
-            <a:schemeClr val="accent2"/>
-          </a:lnRef>
-          <a:fillRef idx="0">
-            <a:schemeClr val="accent2"/>
-          </a:fillRef>
-          <a:effectRef idx="2">
-            <a:schemeClr val="accent2"/>
-          </a:effectRef>
-          <a:fontRef idx="minor">
-            <a:schemeClr val="tx1"/>
-          </a:fontRef>
-        </p:style>
-        <p:txBody>
-          <a:bodyPr rtlCol="0" anchor="ctr"/>
-          <a:lstStyle/>
-          <a:p>
-            <a:pPr algn="ctr"/>
             <a:endParaRPr lang="pt-BR"/>
           </a:p>
         </p:txBody>
       </p:sp>
       <p:sp>
         <p:nvSpPr>
-          <p:cNvPr id="8" name="Chave Direita 7">
-            <a:extLst>
-              <a:ext uri="{FF2B5EF4-FFF2-40B4-BE49-F238E27FC236}">
-                <a16:creationId xmlns:a16="http://schemas.microsoft.com/office/drawing/2014/main" id="{A59BED8E-AB27-D8D9-3B3B-B4373E40F37A}"/>
-              </a:ext>
-            </a:extLst>
-          </p:cNvPr>
-          <p:cNvSpPr/>
-          <p:nvPr/>
-        </p:nvSpPr>
-        <p:spPr>
-          <a:xfrm>
-            <a:off x="9793704" y="3404936"/>
-            <a:ext cx="445169" cy="2261938"/>
-          </a:xfrm>
-          <a:prstGeom prst="rightBrace">
-            <a:avLst/>
-          </a:prstGeom>
-          <a:ln/>
-        </p:spPr>
-        <p:style>
-          <a:lnRef idx="3">
-            <a:schemeClr val="accent2"/>
-          </a:lnRef>
-          <a:fillRef idx="0">
-            <a:schemeClr val="accent2"/>
-          </a:fillRef>
-          <a:effectRef idx="2">
-            <a:schemeClr val="accent2"/>
-          </a:effectRef>
-          <a:fontRef idx="minor">
-            <a:schemeClr val="tx1"/>
-          </a:fontRef>
-        </p:style>
-        <p:txBody>
-          <a:bodyPr rtlCol="0" anchor="ctr"/>
-          <a:lstStyle/>
-          <a:p>
-            <a:pPr algn="ctr"/>
-            <a:endParaRPr lang="pt-BR"/>
-          </a:p>
-        </p:txBody>
-      </p:sp>
-      <p:sp>
-        <p:nvSpPr>
-          <p:cNvPr id="9" name="CaixaDeTexto 8">
-            <a:extLst>
-              <a:ext uri="{FF2B5EF4-FFF2-40B4-BE49-F238E27FC236}">
-                <a16:creationId xmlns:a16="http://schemas.microsoft.com/office/drawing/2014/main" id="{8D37C9F8-BCC6-510E-6997-6B4E6E31E8EE}"/>
+          <p:cNvPr id="16" name="CaixaDeTexto 15">
+            <a:extLst>
+              <a:ext uri="{FF2B5EF4-FFF2-40B4-BE49-F238E27FC236}">
+                <a16:creationId xmlns:a16="http://schemas.microsoft.com/office/drawing/2014/main" id="{567E8EE0-B71B-1E82-4EBA-B323699E48C5}"/>
               </a:ext>
             </a:extLst>
           </p:cNvPr>
@@ -5342,8 +5331,8 @@
         </p:nvSpPr>
         <p:spPr>
           <a:xfrm>
-            <a:off x="10347157" y="2618691"/>
-            <a:ext cx="1525034" cy="369332"/>
+            <a:off x="0" y="235606"/>
+            <a:ext cx="10347157" cy="584775"/>
           </a:xfrm>
           <a:prstGeom prst="rect">
             <a:avLst/>
@@ -5357,22 +5346,23 @@
           <a:lstStyle/>
           <a:p>
             <a:r>
-              <a:rPr lang="pt-BR" b="1" dirty="0">
+              <a:rPr lang="pt-BR" sz="3200" spc="200" dirty="0">
                 <a:solidFill>
                   <a:srgbClr val="0F2456"/>
                 </a:solidFill>
+                <a:latin typeface="Arial Black" panose="020B0A04020102020204" pitchFamily="34" charset="0"/>
               </a:rPr>
-              <a:t>Pré-Projeto</a:t>
-            </a:r>
-          </a:p>
-        </p:txBody>
-      </p:sp>
-      <p:sp>
-        <p:nvSpPr>
-          <p:cNvPr id="10" name="CaixaDeTexto 9">
-            <a:extLst>
-              <a:ext uri="{FF2B5EF4-FFF2-40B4-BE49-F238E27FC236}">
-                <a16:creationId xmlns:a16="http://schemas.microsoft.com/office/drawing/2014/main" id="{15D3C98D-6F55-9E2C-B363-E9DD4AA5AC24}"/>
+              <a:t>Modelo conceitual, conceitos e atributos</a:t>
+            </a:r>
+          </a:p>
+        </p:txBody>
+      </p:sp>
+      <p:sp>
+        <p:nvSpPr>
+          <p:cNvPr id="3" name="CaixaDeTexto 2">
+            <a:extLst>
+              <a:ext uri="{FF2B5EF4-FFF2-40B4-BE49-F238E27FC236}">
+                <a16:creationId xmlns:a16="http://schemas.microsoft.com/office/drawing/2014/main" id="{CAD3CB50-B385-6E30-C80A-D3C56F4AF76A}"/>
               </a:ext>
             </a:extLst>
           </p:cNvPr>
@@ -5381,35 +5371,171 @@
         </p:nvSpPr>
         <p:spPr>
           <a:xfrm>
-            <a:off x="10421784" y="4351239"/>
-            <a:ext cx="1525034" cy="369332"/>
+            <a:off x="783772" y="1947093"/>
+            <a:ext cx="10347157" cy="4031873"/>
           </a:xfrm>
           <a:prstGeom prst="rect">
             <a:avLst/>
           </a:prstGeom>
           <a:noFill/>
-        </p:spPr>
-        <p:txBody>
-          <a:bodyPr wrap="square" rtlCol="0">
+          <a:ln>
+            <a:noFill/>
+          </a:ln>
+        </p:spPr>
+        <p:txBody>
+          <a:bodyPr wrap="square">
             <a:spAutoFit/>
           </a:bodyPr>
           <a:lstStyle/>
           <a:p>
-            <a:r>
-              <a:rPr lang="pt-BR" b="1" dirty="0">
+            <a:pPr marL="285750" indent="-285750" algn="l">
+              <a:buFont typeface="Wingdings" panose="05000000000000000000" pitchFamily="2" charset="2"/>
+              <a:buChar char="Ø"/>
+            </a:pPr>
+            <a:r>
+              <a:rPr lang="pt-BR" sz="3200" b="0" i="0" u="none" strike="noStrike" baseline="0" dirty="0">
                 <a:solidFill>
-                  <a:srgbClr val="0F2456"/>
+                  <a:srgbClr val="002060"/>
                 </a:solidFill>
+                <a:latin typeface="Arial Black" panose="020B0A04020102020204" pitchFamily="34" charset="0"/>
               </a:rPr>
-              <a:t>Projeto Final</a:t>
-            </a:r>
+              <a:t>Definição de modelo conceitual</a:t>
+            </a:r>
+          </a:p>
+          <a:p>
+            <a:pPr marL="285750" indent="-285750" algn="l">
+              <a:buFont typeface="Wingdings" panose="05000000000000000000" pitchFamily="2" charset="2"/>
+              <a:buChar char="Ø"/>
+            </a:pPr>
+            <a:endParaRPr lang="pt-BR" sz="3200" b="0" i="0" u="none" strike="noStrike" baseline="0" dirty="0">
+              <a:solidFill>
+                <a:srgbClr val="002060"/>
+              </a:solidFill>
+              <a:latin typeface="Arial Black" panose="020B0A04020102020204" pitchFamily="34" charset="0"/>
+            </a:endParaRPr>
+          </a:p>
+          <a:p>
+            <a:pPr marL="285750" indent="-285750" algn="l">
+              <a:buFont typeface="Wingdings" panose="05000000000000000000" pitchFamily="2" charset="2"/>
+              <a:buChar char="Ø"/>
+            </a:pPr>
+            <a:r>
+              <a:rPr lang="pt-BR" sz="3200" b="0" i="0" u="none" strike="noStrike" baseline="0" dirty="0">
+                <a:solidFill>
+                  <a:srgbClr val="002060"/>
+                </a:solidFill>
+                <a:latin typeface="Arial Black" panose="020B0A04020102020204" pitchFamily="34" charset="0"/>
+              </a:rPr>
+              <a:t>Conceitos</a:t>
+            </a:r>
+          </a:p>
+          <a:p>
+            <a:pPr marL="285750" indent="-285750" algn="l">
+              <a:buFont typeface="Wingdings" panose="05000000000000000000" pitchFamily="2" charset="2"/>
+              <a:buChar char="Ø"/>
+            </a:pPr>
+            <a:endParaRPr lang="pt-BR" sz="3200" b="0" i="0" u="none" strike="noStrike" baseline="0" dirty="0">
+              <a:solidFill>
+                <a:srgbClr val="002060"/>
+              </a:solidFill>
+              <a:latin typeface="Arial Black" panose="020B0A04020102020204" pitchFamily="34" charset="0"/>
+            </a:endParaRPr>
+          </a:p>
+          <a:p>
+            <a:pPr marL="285750" indent="-285750" algn="l">
+              <a:buFont typeface="Wingdings" panose="05000000000000000000" pitchFamily="2" charset="2"/>
+              <a:buChar char="Ø"/>
+            </a:pPr>
+            <a:r>
+              <a:rPr lang="pt-BR" sz="3200" b="0" i="0" u="none" strike="noStrike" baseline="0" dirty="0">
+                <a:solidFill>
+                  <a:srgbClr val="002060"/>
+                </a:solidFill>
+                <a:latin typeface="Arial Black" panose="020B0A04020102020204" pitchFamily="34" charset="0"/>
+              </a:rPr>
+              <a:t>Atributos</a:t>
+            </a:r>
+          </a:p>
+          <a:p>
+            <a:pPr marL="285750" indent="-285750" algn="l">
+              <a:buFont typeface="Wingdings" panose="05000000000000000000" pitchFamily="2" charset="2"/>
+              <a:buChar char="Ø"/>
+            </a:pPr>
+            <a:endParaRPr lang="pt-BR" sz="3200" b="0" i="0" u="none" strike="noStrike" baseline="0" dirty="0">
+              <a:solidFill>
+                <a:srgbClr val="002060"/>
+              </a:solidFill>
+              <a:latin typeface="Arial Black" panose="020B0A04020102020204" pitchFamily="34" charset="0"/>
+            </a:endParaRPr>
+          </a:p>
+          <a:p>
+            <a:pPr marL="285750" indent="-285750" algn="l">
+              <a:buFont typeface="Wingdings" panose="05000000000000000000" pitchFamily="2" charset="2"/>
+              <a:buChar char="Ø"/>
+            </a:pPr>
+            <a:r>
+              <a:rPr lang="pt-BR" sz="3200" b="0" i="0" u="none" strike="noStrike" baseline="0" dirty="0">
+                <a:solidFill>
+                  <a:srgbClr val="002060"/>
+                </a:solidFill>
+                <a:latin typeface="Arial Black" panose="020B0A04020102020204" pitchFamily="34" charset="0"/>
+              </a:rPr>
+              <a:t>Representação UML de conceitos e atributos</a:t>
+            </a:r>
+            <a:endParaRPr lang="pt-BR" sz="3200" dirty="0">
+              <a:solidFill>
+                <a:srgbClr val="002060"/>
+              </a:solidFill>
+              <a:latin typeface="Arial Black" panose="020B0A04020102020204" pitchFamily="34" charset="0"/>
+            </a:endParaRPr>
+          </a:p>
+        </p:txBody>
+      </p:sp>
+      <p:sp>
+        <p:nvSpPr>
+          <p:cNvPr id="4" name="CaixaDeTexto 3">
+            <a:extLst>
+              <a:ext uri="{FF2B5EF4-FFF2-40B4-BE49-F238E27FC236}">
+                <a16:creationId xmlns:a16="http://schemas.microsoft.com/office/drawing/2014/main" id="{8EC96E69-F6C8-97F4-BF03-2F1AC26E7664}"/>
+              </a:ext>
+            </a:extLst>
+          </p:cNvPr>
+          <p:cNvSpPr txBox="1"/>
+          <p:nvPr/>
+        </p:nvSpPr>
+        <p:spPr>
+          <a:xfrm>
+            <a:off x="1143000" y="1378606"/>
+            <a:ext cx="6175828" cy="369332"/>
+          </a:xfrm>
+          <a:prstGeom prst="rect">
+            <a:avLst/>
+          </a:prstGeom>
+          <a:noFill/>
+        </p:spPr>
+        <p:txBody>
+          <a:bodyPr wrap="square">
+            <a:spAutoFit/>
+          </a:bodyPr>
+          <a:lstStyle/>
+          <a:p>
+            <a:r>
+              <a:rPr lang="pt-BR" sz="1800" b="0" i="0" u="none" strike="noStrike" baseline="0" dirty="0">
+                <a:solidFill>
+                  <a:srgbClr val="002060"/>
+                </a:solidFill>
+                <a:latin typeface="Arial Black" panose="020B0A04020102020204" pitchFamily="34" charset="0"/>
+              </a:rPr>
+              <a:t>Sumário:</a:t>
+            </a:r>
+            <a:endParaRPr lang="pt-BR" dirty="0"/>
           </a:p>
         </p:txBody>
       </p:sp>
     </p:spTree>
     <p:extLst>
       <p:ext uri="{BB962C8B-B14F-4D97-AF65-F5344CB8AC3E}">
-        <p14:creationId xmlns:p14="http://schemas.microsoft.com/office/powerpoint/2010/main" val="967072839"/>
+        <p14:creationId xmlns:p14="http://schemas.microsoft.com/office/powerpoint/2010/main" val="3119615783"/>
       </p:ext>
     </p:extLst>
   </p:cSld>
@@ -5450,151 +5576,7 @@
                                           </p:stCondLst>
                                         </p:cTn>
                                         <p:tgtEl>
-                                          <p:spTgt spid="6"/>
-                                        </p:tgtEl>
-                                        <p:attrNameLst>
-                                          <p:attrName>style.visibility</p:attrName>
-                                        </p:attrNameLst>
-                                      </p:cBhvr>
-                                      <p:to>
-                                        <p:strVal val="visible"/>
-                                      </p:to>
-                                    </p:set>
-                                  </p:childTnLst>
-                                </p:cTn>
-                              </p:par>
-                            </p:childTnLst>
-                          </p:cTn>
-                        </p:par>
-                      </p:childTnLst>
-                    </p:cTn>
-                  </p:par>
-                  <p:par>
-                    <p:cTn id="7" fill="hold">
-                      <p:stCondLst>
-                        <p:cond delay="indefinite"/>
-                      </p:stCondLst>
-                      <p:childTnLst>
-                        <p:par>
-                          <p:cTn id="8" fill="hold">
-                            <p:stCondLst>
-                              <p:cond delay="0"/>
-                            </p:stCondLst>
-                            <p:childTnLst>
-                              <p:par>
-                                <p:cTn id="9" presetID="1" presetClass="entr" presetSubtype="0" fill="hold" grpId="0" nodeType="clickEffect">
-                                  <p:stCondLst>
-                                    <p:cond delay="0"/>
-                                  </p:stCondLst>
-                                  <p:childTnLst>
-                                    <p:set>
-                                      <p:cBhvr>
-                                        <p:cTn id="10" dur="1" fill="hold">
-                                          <p:stCondLst>
-                                            <p:cond delay="0"/>
-                                          </p:stCondLst>
-                                        </p:cTn>
-                                        <p:tgtEl>
-                                          <p:spTgt spid="7"/>
-                                        </p:tgtEl>
-                                        <p:attrNameLst>
-                                          <p:attrName>style.visibility</p:attrName>
-                                        </p:attrNameLst>
-                                      </p:cBhvr>
-                                      <p:to>
-                                        <p:strVal val="visible"/>
-                                      </p:to>
-                                    </p:set>
-                                  </p:childTnLst>
-                                </p:cTn>
-                              </p:par>
-                              <p:par>
-                                <p:cTn id="11" presetID="1" presetClass="entr" presetSubtype="0" fill="hold" grpId="0" nodeType="withEffect">
-                                  <p:stCondLst>
-                                    <p:cond delay="0"/>
-                                  </p:stCondLst>
-                                  <p:childTnLst>
-                                    <p:set>
-                                      <p:cBhvr>
-                                        <p:cTn id="12" dur="1" fill="hold">
-                                          <p:stCondLst>
-                                            <p:cond delay="0"/>
-                                          </p:stCondLst>
-                                        </p:cTn>
-                                        <p:tgtEl>
-                                          <p:spTgt spid="9"/>
-                                        </p:tgtEl>
-                                        <p:attrNameLst>
-                                          <p:attrName>style.visibility</p:attrName>
-                                        </p:attrNameLst>
-                                      </p:cBhvr>
-                                      <p:to>
-                                        <p:strVal val="visible"/>
-                                      </p:to>
-                                    </p:set>
-                                  </p:childTnLst>
-                                </p:cTn>
-                              </p:par>
-                            </p:childTnLst>
-                          </p:cTn>
-                        </p:par>
-                      </p:childTnLst>
-                    </p:cTn>
-                  </p:par>
-                  <p:par>
-                    <p:cTn id="13" fill="hold">
-                      <p:stCondLst>
-                        <p:cond delay="indefinite"/>
-                      </p:stCondLst>
-                      <p:childTnLst>
-                        <p:par>
-                          <p:cTn id="14" fill="hold">
-                            <p:stCondLst>
-                              <p:cond delay="0"/>
-                            </p:stCondLst>
-                            <p:childTnLst>
-                              <p:par>
-                                <p:cTn id="15" presetID="1" presetClass="entr" presetSubtype="0" fill="hold" grpId="0" nodeType="clickEffect">
-                                  <p:stCondLst>
-                                    <p:cond delay="0"/>
-                                  </p:stCondLst>
-                                  <p:childTnLst>
-                                    <p:set>
-                                      <p:cBhvr>
-                                        <p:cTn id="16" dur="1" fill="hold">
-                                          <p:stCondLst>
-                                            <p:cond delay="0"/>
-                                          </p:stCondLst>
-                                        </p:cTn>
-                                        <p:tgtEl>
-                                          <p:spTgt spid="8"/>
-                                        </p:tgtEl>
-                                        <p:attrNameLst>
-                                          <p:attrName>style.visibility</p:attrName>
-                                        </p:attrNameLst>
-                                      </p:cBhvr>
-                                      <p:to>
-                                        <p:strVal val="visible"/>
-                                      </p:to>
-                                    </p:set>
-                                  </p:childTnLst>
-                                </p:cTn>
-                              </p:par>
-                              <p:par>
-                                <p:cTn id="17" presetID="1" presetClass="entr" presetSubtype="0" fill="hold" grpId="0" nodeType="withEffect">
-                                  <p:stCondLst>
-                                    <p:cond delay="0"/>
-                                  </p:stCondLst>
-                                  <p:childTnLst>
-                                    <p:set>
-                                      <p:cBhvr>
-                                        <p:cTn id="18" dur="1" fill="hold">
-                                          <p:stCondLst>
-                                            <p:cond delay="0"/>
-                                          </p:stCondLst>
-                                        </p:cTn>
-                                        <p:tgtEl>
-                                          <p:spTgt spid="10"/>
+                                          <p:spTgt spid="3"/>
                                         </p:tgtEl>
                                         <p:attrNameLst>
                                           <p:attrName>style.visibility</p:attrName>
@@ -5635,269 +5617,9 @@
       </p:par>
     </p:tnLst>
     <p:bldLst>
-      <p:bldP spid="6" grpId="0" animBg="1"/>
-      <p:bldP spid="7" grpId="0" animBg="1"/>
-      <p:bldP spid="8" grpId="0" animBg="1"/>
-      <p:bldP spid="9" grpId="0"/>
-      <p:bldP spid="10" grpId="0"/>
+      <p:bldP spid="3" grpId="0"/>
     </p:bldLst>
   </p:timing>
-</p:sld>
-</file>
-
-<file path=ppt/slides/slide2.xml><?xml version="1.0" encoding="utf-8"?>
-<p:sld xmlns:a="http://schemas.openxmlformats.org/drawingml/2006/main" xmlns:r="http://schemas.openxmlformats.org/officeDocument/2006/relationships" xmlns:p="http://schemas.openxmlformats.org/presentationml/2006/main">
-  <p:cSld>
-    <p:spTree>
-      <p:nvGrpSpPr>
-        <p:cNvPr id="1" name=""/>
-        <p:cNvGrpSpPr/>
-        <p:nvPr/>
-      </p:nvGrpSpPr>
-      <p:grpSpPr>
-        <a:xfrm>
-          <a:off x="0" y="0"/>
-          <a:ext cx="0" cy="0"/>
-          <a:chOff x="0" y="0"/>
-          <a:chExt cx="0" cy="0"/>
-        </a:xfrm>
-      </p:grpSpPr>
-      <p:sp>
-        <p:nvSpPr>
-          <p:cNvPr id="17" name="Retângulo 16">
-            <a:extLst>
-              <a:ext uri="{FF2B5EF4-FFF2-40B4-BE49-F238E27FC236}">
-                <a16:creationId xmlns:a16="http://schemas.microsoft.com/office/drawing/2014/main" id="{ADC1ED6D-0BC2-03E5-6FD2-9965E8411138}"/>
-              </a:ext>
-            </a:extLst>
-          </p:cNvPr>
-          <p:cNvSpPr/>
-          <p:nvPr/>
-        </p:nvSpPr>
-        <p:spPr>
-          <a:xfrm>
-            <a:off x="0" y="0"/>
-            <a:ext cx="10347158" cy="1143000"/>
-          </a:xfrm>
-          <a:prstGeom prst="rect">
-            <a:avLst/>
-          </a:prstGeom>
-          <a:solidFill>
-            <a:srgbClr val="E3C11D"/>
-          </a:solidFill>
-          <a:ln>
-            <a:noFill/>
-          </a:ln>
-        </p:spPr>
-        <p:style>
-          <a:lnRef idx="2">
-            <a:schemeClr val="accent1">
-              <a:shade val="50000"/>
-            </a:schemeClr>
-          </a:lnRef>
-          <a:fillRef idx="1">
-            <a:schemeClr val="accent1"/>
-          </a:fillRef>
-          <a:effectRef idx="0">
-            <a:schemeClr val="accent1"/>
-          </a:effectRef>
-          <a:fontRef idx="minor">
-            <a:schemeClr val="lt1"/>
-          </a:fontRef>
-        </p:style>
-        <p:txBody>
-          <a:bodyPr rtlCol="0" anchor="ctr"/>
-          <a:lstStyle/>
-          <a:p>
-            <a:pPr algn="ctr"/>
-            <a:endParaRPr lang="pt-BR"/>
-          </a:p>
-        </p:txBody>
-      </p:sp>
-      <p:sp>
-        <p:nvSpPr>
-          <p:cNvPr id="16" name="CaixaDeTexto 15">
-            <a:extLst>
-              <a:ext uri="{FF2B5EF4-FFF2-40B4-BE49-F238E27FC236}">
-                <a16:creationId xmlns:a16="http://schemas.microsoft.com/office/drawing/2014/main" id="{567E8EE0-B71B-1E82-4EBA-B323699E48C5}"/>
-              </a:ext>
-            </a:extLst>
-          </p:cNvPr>
-          <p:cNvSpPr txBox="1"/>
-          <p:nvPr/>
-        </p:nvSpPr>
-        <p:spPr>
-          <a:xfrm>
-            <a:off x="0" y="235606"/>
-            <a:ext cx="10347157" cy="523220"/>
-          </a:xfrm>
-          <a:prstGeom prst="rect">
-            <a:avLst/>
-          </a:prstGeom>
-          <a:noFill/>
-        </p:spPr>
-        <p:txBody>
-          <a:bodyPr wrap="square" rtlCol="0">
-            <a:spAutoFit/>
-          </a:bodyPr>
-          <a:lstStyle/>
-          <a:p>
-            <a:r>
-              <a:rPr lang="pt-BR" sz="2800" spc="200" dirty="0">
-                <a:solidFill>
-                  <a:srgbClr val="0F2456"/>
-                </a:solidFill>
-                <a:latin typeface="Arial Black" panose="020B0A04020102020204" pitchFamily="34" charset="0"/>
-              </a:rPr>
-              <a:t>Modelo conceitual, conceitos e atributos</a:t>
-            </a:r>
-          </a:p>
-        </p:txBody>
-      </p:sp>
-      <p:sp>
-        <p:nvSpPr>
-          <p:cNvPr id="3" name="CaixaDeTexto 2">
-            <a:extLst>
-              <a:ext uri="{FF2B5EF4-FFF2-40B4-BE49-F238E27FC236}">
-                <a16:creationId xmlns:a16="http://schemas.microsoft.com/office/drawing/2014/main" id="{CAD3CB50-B385-6E30-C80A-D3C56F4AF76A}"/>
-              </a:ext>
-            </a:extLst>
-          </p:cNvPr>
-          <p:cNvSpPr txBox="1"/>
-          <p:nvPr/>
-        </p:nvSpPr>
-        <p:spPr>
-          <a:xfrm>
-            <a:off x="783772" y="1947093"/>
-            <a:ext cx="10347157" cy="4031873"/>
-          </a:xfrm>
-          <a:prstGeom prst="rect">
-            <a:avLst/>
-          </a:prstGeom>
-          <a:noFill/>
-          <a:ln>
-            <a:noFill/>
-          </a:ln>
-        </p:spPr>
-        <p:txBody>
-          <a:bodyPr wrap="square">
-            <a:spAutoFit/>
-          </a:bodyPr>
-          <a:lstStyle/>
-          <a:p>
-            <a:pPr marL="285750" indent="-285750" algn="l">
-              <a:buFont typeface="Wingdings" panose="05000000000000000000" pitchFamily="2" charset="2"/>
-              <a:buChar char="Ø"/>
-            </a:pPr>
-            <a:r>
-              <a:rPr lang="pt-BR" sz="3200" b="0" i="0" u="none" strike="noStrike" baseline="0" dirty="0">
-                <a:solidFill>
-                  <a:srgbClr val="002060"/>
-                </a:solidFill>
-                <a:latin typeface="Arial Black" panose="020B0A04020102020204" pitchFamily="34" charset="0"/>
-              </a:rPr>
-              <a:t>Definição de modelo conceitual</a:t>
-            </a:r>
-          </a:p>
-          <a:p>
-            <a:pPr marL="285750" indent="-285750" algn="l">
-              <a:buFont typeface="Wingdings" panose="05000000000000000000" pitchFamily="2" charset="2"/>
-              <a:buChar char="Ø"/>
-            </a:pPr>
-            <a:endParaRPr lang="pt-BR" sz="3200" b="0" i="0" u="none" strike="noStrike" baseline="0" dirty="0">
-              <a:solidFill>
-                <a:srgbClr val="002060"/>
-              </a:solidFill>
-              <a:latin typeface="Arial Black" panose="020B0A04020102020204" pitchFamily="34" charset="0"/>
-            </a:endParaRPr>
-          </a:p>
-          <a:p>
-            <a:pPr marL="285750" indent="-285750" algn="l">
-              <a:buFont typeface="Wingdings" panose="05000000000000000000" pitchFamily="2" charset="2"/>
-              <a:buChar char="Ø"/>
-            </a:pPr>
-            <a:r>
-              <a:rPr lang="pt-BR" sz="3200" b="0" i="0" u="none" strike="noStrike" baseline="0" dirty="0">
-                <a:solidFill>
-                  <a:srgbClr val="002060"/>
-                </a:solidFill>
-                <a:latin typeface="Arial Black" panose="020B0A04020102020204" pitchFamily="34" charset="0"/>
-              </a:rPr>
-              <a:t>Conceitos</a:t>
-            </a:r>
-          </a:p>
-          <a:p>
-            <a:pPr marL="285750" indent="-285750" algn="l">
-              <a:buFont typeface="Wingdings" panose="05000000000000000000" pitchFamily="2" charset="2"/>
-              <a:buChar char="Ø"/>
-            </a:pPr>
-            <a:endParaRPr lang="pt-BR" sz="3200" b="0" i="0" u="none" strike="noStrike" baseline="0" dirty="0">
-              <a:solidFill>
-                <a:srgbClr val="002060"/>
-              </a:solidFill>
-              <a:latin typeface="Arial Black" panose="020B0A04020102020204" pitchFamily="34" charset="0"/>
-            </a:endParaRPr>
-          </a:p>
-          <a:p>
-            <a:pPr marL="285750" indent="-285750" algn="l">
-              <a:buFont typeface="Wingdings" panose="05000000000000000000" pitchFamily="2" charset="2"/>
-              <a:buChar char="Ø"/>
-            </a:pPr>
-            <a:r>
-              <a:rPr lang="pt-BR" sz="3200" b="0" i="0" u="none" strike="noStrike" baseline="0" dirty="0">
-                <a:solidFill>
-                  <a:srgbClr val="002060"/>
-                </a:solidFill>
-                <a:latin typeface="Arial Black" panose="020B0A04020102020204" pitchFamily="34" charset="0"/>
-              </a:rPr>
-              <a:t>Atributos</a:t>
-            </a:r>
-          </a:p>
-          <a:p>
-            <a:pPr marL="285750" indent="-285750" algn="l">
-              <a:buFont typeface="Wingdings" panose="05000000000000000000" pitchFamily="2" charset="2"/>
-              <a:buChar char="Ø"/>
-            </a:pPr>
-            <a:endParaRPr lang="pt-BR" sz="3200" b="0" i="0" u="none" strike="noStrike" baseline="0" dirty="0">
-              <a:solidFill>
-                <a:srgbClr val="002060"/>
-              </a:solidFill>
-              <a:latin typeface="Arial Black" panose="020B0A04020102020204" pitchFamily="34" charset="0"/>
-            </a:endParaRPr>
-          </a:p>
-          <a:p>
-            <a:pPr marL="285750" indent="-285750" algn="l">
-              <a:buFont typeface="Wingdings" panose="05000000000000000000" pitchFamily="2" charset="2"/>
-              <a:buChar char="Ø"/>
-            </a:pPr>
-            <a:r>
-              <a:rPr lang="pt-BR" sz="3200" b="0" i="0" u="none" strike="noStrike" baseline="0" dirty="0">
-                <a:solidFill>
-                  <a:srgbClr val="002060"/>
-                </a:solidFill>
-                <a:latin typeface="Arial Black" panose="020B0A04020102020204" pitchFamily="34" charset="0"/>
-              </a:rPr>
-              <a:t>Representação UML de conceitos e atributos</a:t>
-            </a:r>
-            <a:endParaRPr lang="pt-BR" sz="3200" dirty="0">
-              <a:solidFill>
-                <a:srgbClr val="002060"/>
-              </a:solidFill>
-              <a:latin typeface="Arial Black" panose="020B0A04020102020204" pitchFamily="34" charset="0"/>
-            </a:endParaRPr>
-          </a:p>
-        </p:txBody>
-      </p:sp>
-    </p:spTree>
-    <p:extLst>
-      <p:ext uri="{BB962C8B-B14F-4D97-AF65-F5344CB8AC3E}">
-        <p14:creationId xmlns:p14="http://schemas.microsoft.com/office/powerpoint/2010/main" val="3119615783"/>
-      </p:ext>
-    </p:extLst>
-  </p:cSld>
-  <p:clrMapOvr>
-    <a:masterClrMapping/>
-  </p:clrMapOvr>
 </p:sld>
 </file>
 
@@ -6040,6 +5762,158 @@
           </a:prstGeom>
         </p:spPr>
       </p:pic>
+      <p:sp>
+        <p:nvSpPr>
+          <p:cNvPr id="3" name="CaixaDeTexto 2">
+            <a:extLst>
+              <a:ext uri="{FF2B5EF4-FFF2-40B4-BE49-F238E27FC236}">
+                <a16:creationId xmlns:a16="http://schemas.microsoft.com/office/drawing/2014/main" id="{08AB17F9-E03B-E58F-8C5E-4B564ACADCCF}"/>
+              </a:ext>
+            </a:extLst>
+          </p:cNvPr>
+          <p:cNvSpPr txBox="1"/>
+          <p:nvPr/>
+        </p:nvSpPr>
+        <p:spPr>
+          <a:xfrm>
+            <a:off x="9870531" y="2332672"/>
+            <a:ext cx="2321469" cy="1477328"/>
+          </a:xfrm>
+          <a:prstGeom prst="rect">
+            <a:avLst/>
+          </a:prstGeom>
+          <a:noFill/>
+        </p:spPr>
+        <p:txBody>
+          <a:bodyPr wrap="none" rtlCol="0">
+            <a:spAutoFit/>
+          </a:bodyPr>
+          <a:lstStyle/>
+          <a:p>
+            <a:r>
+              <a:rPr lang="pt-BR" b="1" dirty="0">
+                <a:solidFill>
+                  <a:srgbClr val="FF0000"/>
+                </a:solidFill>
+              </a:rPr>
+              <a:t>Níveis:</a:t>
+            </a:r>
+          </a:p>
+          <a:p>
+            <a:pPr marL="285750" indent="-285750">
+              <a:buFont typeface="Wingdings" panose="05000000000000000000" pitchFamily="2" charset="2"/>
+              <a:buChar char="Ø"/>
+            </a:pPr>
+            <a:r>
+              <a:rPr lang="pt-BR" dirty="0">
+                <a:solidFill>
+                  <a:srgbClr val="FF0000"/>
+                </a:solidFill>
+              </a:rPr>
+              <a:t>Análise de negócios</a:t>
+            </a:r>
+          </a:p>
+          <a:p>
+            <a:pPr marL="285750" indent="-285750">
+              <a:buFont typeface="Wingdings" panose="05000000000000000000" pitchFamily="2" charset="2"/>
+              <a:buChar char="Ø"/>
+            </a:pPr>
+            <a:r>
+              <a:rPr lang="pt-BR" dirty="0">
+                <a:solidFill>
+                  <a:srgbClr val="FF0000"/>
+                </a:solidFill>
+              </a:rPr>
+              <a:t>Análise de sistemas</a:t>
+            </a:r>
+          </a:p>
+          <a:p>
+            <a:pPr marL="285750" indent="-285750">
+              <a:buFont typeface="Wingdings" panose="05000000000000000000" pitchFamily="2" charset="2"/>
+              <a:buChar char="Ø"/>
+            </a:pPr>
+            <a:r>
+              <a:rPr lang="pt-BR" dirty="0">
+                <a:solidFill>
+                  <a:srgbClr val="FF0000"/>
+                </a:solidFill>
+              </a:rPr>
+              <a:t>Design</a:t>
+            </a:r>
+          </a:p>
+          <a:p>
+            <a:pPr marL="285750" indent="-285750">
+              <a:buFont typeface="Wingdings" panose="05000000000000000000" pitchFamily="2" charset="2"/>
+              <a:buChar char="Ø"/>
+            </a:pPr>
+            <a:r>
+              <a:rPr lang="pt-BR" dirty="0">
+                <a:solidFill>
+                  <a:srgbClr val="FF0000"/>
+                </a:solidFill>
+              </a:rPr>
+              <a:t>Implementação</a:t>
+            </a:r>
+          </a:p>
+        </p:txBody>
+      </p:sp>
+      <p:sp>
+        <p:nvSpPr>
+          <p:cNvPr id="5" name="CaixaDeTexto 4">
+            <a:extLst>
+              <a:ext uri="{FF2B5EF4-FFF2-40B4-BE49-F238E27FC236}">
+                <a16:creationId xmlns:a16="http://schemas.microsoft.com/office/drawing/2014/main" id="{35F162AC-AF1A-A6A7-D7F1-9892964230B7}"/>
+              </a:ext>
+            </a:extLst>
+          </p:cNvPr>
+          <p:cNvSpPr txBox="1"/>
+          <p:nvPr/>
+        </p:nvSpPr>
+        <p:spPr>
+          <a:xfrm>
+            <a:off x="5831114" y="5976063"/>
+            <a:ext cx="6175828" cy="646331"/>
+          </a:xfrm>
+          <a:prstGeom prst="rect">
+            <a:avLst/>
+          </a:prstGeom>
+          <a:noFill/>
+        </p:spPr>
+        <p:txBody>
+          <a:bodyPr wrap="square">
+            <a:spAutoFit/>
+          </a:bodyPr>
+          <a:lstStyle/>
+          <a:p>
+            <a:pPr marL="285750" indent="-285750">
+              <a:buFont typeface="Wingdings" panose="05000000000000000000" pitchFamily="2" charset="2"/>
+              <a:buChar char="Ø"/>
+            </a:pPr>
+            <a:r>
+              <a:rPr lang="pt-BR" dirty="0">
+                <a:solidFill>
+                  <a:srgbClr val="FF0000"/>
+                </a:solidFill>
+              </a:rPr>
+              <a:t>Análise de negócios – preocupada com o negócio </a:t>
+            </a:r>
+          </a:p>
+          <a:p>
+            <a:pPr marL="285750" indent="-285750">
+              <a:buFont typeface="Wingdings" panose="05000000000000000000" pitchFamily="2" charset="2"/>
+              <a:buChar char="Ø"/>
+            </a:pPr>
+            <a:r>
+              <a:rPr lang="pt-BR" dirty="0">
+                <a:solidFill>
+                  <a:srgbClr val="FF0000"/>
+                </a:solidFill>
+              </a:rPr>
+              <a:t>Análise de sistemas – preocupada com o sistema</a:t>
+            </a:r>
+          </a:p>
+        </p:txBody>
+      </p:sp>
     </p:spTree>
     <p:extLst>
       <p:ext uri="{BB962C8B-B14F-4D97-AF65-F5344CB8AC3E}">
@@ -6441,7 +6315,7 @@
         <p:spPr>
           <a:xfrm>
             <a:off x="0" y="235606"/>
-            <a:ext cx="10347157" cy="954107"/>
+            <a:ext cx="10347157" cy="523220"/>
           </a:xfrm>
           <a:prstGeom prst="rect">
             <a:avLst/>
@@ -6461,28 +6335,17 @@
                 </a:solidFill>
                 <a:latin typeface="Arial Black" panose="020B0A04020102020204" pitchFamily="34" charset="0"/>
               </a:rPr>
-              <a:t>Usando diagrama de classes da UML para</a:t>
-            </a:r>
-          </a:p>
-          <a:p>
-            <a:r>
-              <a:rPr lang="pt-BR" sz="2800" spc="200" dirty="0">
-                <a:solidFill>
-                  <a:srgbClr val="0F2456"/>
-                </a:solidFill>
-                <a:latin typeface="Arial Black" panose="020B0A04020102020204" pitchFamily="34" charset="0"/>
-              </a:rPr>
-              <a:t>representar conceitos e atributos</a:t>
+              <a:t>Atributos</a:t>
             </a:r>
           </a:p>
         </p:txBody>
       </p:sp>
       <p:pic>
         <p:nvPicPr>
-          <p:cNvPr id="6" name="Imagem 5">
-            <a:extLst>
-              <a:ext uri="{FF2B5EF4-FFF2-40B4-BE49-F238E27FC236}">
-                <a16:creationId xmlns:a16="http://schemas.microsoft.com/office/drawing/2014/main" id="{6EDD9D59-A371-37BC-DB96-D01B58E85F53}"/>
+          <p:cNvPr id="3" name="Imagem 2">
+            <a:extLst>
+              <a:ext uri="{FF2B5EF4-FFF2-40B4-BE49-F238E27FC236}">
+                <a16:creationId xmlns:a16="http://schemas.microsoft.com/office/drawing/2014/main" id="{540264BF-EC2C-1B1D-F055-6BDAD4F4EEF2}"/>
               </a:ext>
             </a:extLst>
           </p:cNvPr>
@@ -6499,8 +6362,8 @@
         </p:blipFill>
         <p:spPr>
           <a:xfrm>
-            <a:off x="145143" y="1726544"/>
-            <a:ext cx="11582400" cy="4895850"/>
+            <a:off x="638628" y="1378606"/>
+            <a:ext cx="10528433" cy="4833508"/>
           </a:xfrm>
           <a:prstGeom prst="rect">
             <a:avLst/>
@@ -6510,7 +6373,7 @@
     </p:spTree>
     <p:extLst>
       <p:ext uri="{BB962C8B-B14F-4D97-AF65-F5344CB8AC3E}">
-        <p14:creationId xmlns:p14="http://schemas.microsoft.com/office/powerpoint/2010/main" val="317005898"/>
+        <p14:creationId xmlns:p14="http://schemas.microsoft.com/office/powerpoint/2010/main" val="1503643944"/>
       </p:ext>
     </p:extLst>
   </p:cSld>
@@ -6642,10 +6505,10 @@
       </p:sp>
       <p:pic>
         <p:nvPicPr>
-          <p:cNvPr id="3" name="Imagem 2">
-            <a:extLst>
-              <a:ext uri="{FF2B5EF4-FFF2-40B4-BE49-F238E27FC236}">
-                <a16:creationId xmlns:a16="http://schemas.microsoft.com/office/drawing/2014/main" id="{97DDADD0-7212-6711-BAD2-CC9A49A5766D}"/>
+          <p:cNvPr id="6" name="Imagem 5">
+            <a:extLst>
+              <a:ext uri="{FF2B5EF4-FFF2-40B4-BE49-F238E27FC236}">
+                <a16:creationId xmlns:a16="http://schemas.microsoft.com/office/drawing/2014/main" id="{6EDD9D59-A371-37BC-DB96-D01B58E85F53}"/>
               </a:ext>
             </a:extLst>
           </p:cNvPr>
@@ -6662,8 +6525,8 @@
         </p:blipFill>
         <p:spPr>
           <a:xfrm>
-            <a:off x="161925" y="1766887"/>
-            <a:ext cx="11868150" cy="3324225"/>
+            <a:off x="145143" y="1726544"/>
+            <a:ext cx="11582400" cy="4895850"/>
           </a:xfrm>
           <a:prstGeom prst="rect">
             <a:avLst/>
@@ -6673,7 +6536,7 @@
     </p:spTree>
     <p:extLst>
       <p:ext uri="{BB962C8B-B14F-4D97-AF65-F5344CB8AC3E}">
-        <p14:creationId xmlns:p14="http://schemas.microsoft.com/office/powerpoint/2010/main" val="637298325"/>
+        <p14:creationId xmlns:p14="http://schemas.microsoft.com/office/powerpoint/2010/main" val="317005898"/>
       </p:ext>
     </p:extLst>
   </p:cSld>
@@ -6767,7 +6630,7 @@
         <p:spPr>
           <a:xfrm>
             <a:off x="0" y="235606"/>
-            <a:ext cx="10347157" cy="830997"/>
+            <a:ext cx="10347157" cy="954107"/>
           </a:xfrm>
           <a:prstGeom prst="rect">
             <a:avLst/>
@@ -6781,107 +6644,62 @@
           <a:lstStyle/>
           <a:p>
             <a:r>
-              <a:rPr lang="pt-BR" sz="4800" spc="200" dirty="0">
+              <a:rPr lang="pt-BR" sz="2800" spc="200" dirty="0">
                 <a:solidFill>
                   <a:srgbClr val="0F2456"/>
                 </a:solidFill>
                 <a:latin typeface="Arial Black" panose="020B0A04020102020204" pitchFamily="34" charset="0"/>
               </a:rPr>
-              <a:t>Como identificar conceitos</a:t>
-            </a:r>
-          </a:p>
-        </p:txBody>
-      </p:sp>
-      <p:sp>
-        <p:nvSpPr>
-          <p:cNvPr id="4" name="CaixaDeTexto 3">
-            <a:extLst>
-              <a:ext uri="{FF2B5EF4-FFF2-40B4-BE49-F238E27FC236}">
-                <a16:creationId xmlns:a16="http://schemas.microsoft.com/office/drawing/2014/main" id="{FBE99FF2-675E-5A6C-240E-81E1B55E326B}"/>
-              </a:ext>
-            </a:extLst>
-          </p:cNvPr>
-          <p:cNvSpPr txBox="1"/>
+              <a:t>Usando diagrama de classes da UML para</a:t>
+            </a:r>
+          </a:p>
+          <a:p>
+            <a:r>
+              <a:rPr lang="pt-BR" sz="2800" spc="200" dirty="0">
+                <a:solidFill>
+                  <a:srgbClr val="0F2456"/>
+                </a:solidFill>
+                <a:latin typeface="Arial Black" panose="020B0A04020102020204" pitchFamily="34" charset="0"/>
+              </a:rPr>
+              <a:t>representar conceitos e atributos</a:t>
+            </a:r>
+          </a:p>
+        </p:txBody>
+      </p:sp>
+      <p:pic>
+        <p:nvPicPr>
+          <p:cNvPr id="3" name="Imagem 2">
+            <a:extLst>
+              <a:ext uri="{FF2B5EF4-FFF2-40B4-BE49-F238E27FC236}">
+                <a16:creationId xmlns:a16="http://schemas.microsoft.com/office/drawing/2014/main" id="{97DDADD0-7212-6711-BAD2-CC9A49A5766D}"/>
+              </a:ext>
+            </a:extLst>
+          </p:cNvPr>
+          <p:cNvPicPr>
+            <a:picLocks noChangeAspect="1"/>
+          </p:cNvPicPr>
           <p:nvPr/>
-        </p:nvSpPr>
-        <p:spPr>
-          <a:xfrm>
-            <a:off x="558800" y="2158163"/>
-            <a:ext cx="11074400" cy="3416320"/>
+        </p:nvPicPr>
+        <p:blipFill>
+          <a:blip r:embed="rId2"/>
+          <a:stretch>
+            <a:fillRect/>
+          </a:stretch>
+        </p:blipFill>
+        <p:spPr>
+          <a:xfrm>
+            <a:off x="161925" y="1766887"/>
+            <a:ext cx="11868150" cy="3324225"/>
           </a:xfrm>
           <a:prstGeom prst="rect">
             <a:avLst/>
           </a:prstGeom>
-          <a:noFill/>
-        </p:spPr>
-        <p:txBody>
-          <a:bodyPr wrap="square">
-            <a:spAutoFit/>
-          </a:bodyPr>
-          <a:lstStyle/>
-          <a:p>
-            <a:pPr marL="285750" indent="-285750" algn="l">
-              <a:buFont typeface="Wingdings" panose="05000000000000000000" pitchFamily="2" charset="2"/>
-              <a:buChar char="Ø"/>
-            </a:pPr>
-            <a:r>
-              <a:rPr lang="pt-BR" sz="3600" b="0" i="0" u="none" strike="noStrike" baseline="0" dirty="0">
-                <a:latin typeface="Arial Black" panose="020B0A04020102020204" pitchFamily="34" charset="0"/>
-              </a:rPr>
-              <a:t>Onde buscar informações</a:t>
-            </a:r>
-          </a:p>
-          <a:p>
-            <a:pPr marL="285750" indent="-285750" algn="l">
-              <a:buFont typeface="Wingdings" panose="05000000000000000000" pitchFamily="2" charset="2"/>
-              <a:buChar char="Ø"/>
-            </a:pPr>
-            <a:endParaRPr lang="pt-BR" sz="3600" b="0" i="0" u="none" strike="noStrike" baseline="0" dirty="0">
-              <a:latin typeface="Arial Black" panose="020B0A04020102020204" pitchFamily="34" charset="0"/>
-            </a:endParaRPr>
-          </a:p>
-          <a:p>
-            <a:pPr marL="285750" indent="-285750" algn="l">
-              <a:buFont typeface="Wingdings" panose="05000000000000000000" pitchFamily="2" charset="2"/>
-              <a:buChar char="Ø"/>
-            </a:pPr>
-            <a:r>
-              <a:rPr lang="pt-BR" sz="3600" b="0" i="0" u="none" strike="noStrike" baseline="0" dirty="0">
-                <a:latin typeface="Arial Black" panose="020B0A04020102020204" pitchFamily="34" charset="0"/>
-              </a:rPr>
-              <a:t>Orientações para identificação de conceitos</a:t>
-            </a:r>
-          </a:p>
-          <a:p>
-            <a:pPr marL="285750" indent="-285750" algn="l">
-              <a:buFont typeface="Wingdings" panose="05000000000000000000" pitchFamily="2" charset="2"/>
-              <a:buChar char="Ø"/>
-            </a:pPr>
-            <a:endParaRPr lang="pt-BR" sz="3600" b="0" i="0" u="none" strike="noStrike" baseline="0" dirty="0">
-              <a:latin typeface="Arial Black" panose="020B0A04020102020204" pitchFamily="34" charset="0"/>
-            </a:endParaRPr>
-          </a:p>
-          <a:p>
-            <a:pPr marL="285750" indent="-285750" algn="l">
-              <a:buFont typeface="Wingdings" panose="05000000000000000000" pitchFamily="2" charset="2"/>
-              <a:buChar char="Ø"/>
-            </a:pPr>
-            <a:r>
-              <a:rPr lang="pt-BR" sz="3600" b="0" i="0" u="none" strike="noStrike" baseline="0" dirty="0">
-                <a:latin typeface="Arial Black" panose="020B0A04020102020204" pitchFamily="34" charset="0"/>
-              </a:rPr>
-              <a:t>Exemplos</a:t>
-            </a:r>
-            <a:endParaRPr lang="pt-BR" sz="3600" dirty="0">
-              <a:latin typeface="Arial Black" panose="020B0A04020102020204" pitchFamily="34" charset="0"/>
-            </a:endParaRPr>
-          </a:p>
-        </p:txBody>
-      </p:sp>
+        </p:spPr>
+      </p:pic>
     </p:spTree>
     <p:extLst>
       <p:ext uri="{BB962C8B-B14F-4D97-AF65-F5344CB8AC3E}">
-        <p14:creationId xmlns:p14="http://schemas.microsoft.com/office/powerpoint/2010/main" val="1967245668"/>
+        <p14:creationId xmlns:p14="http://schemas.microsoft.com/office/powerpoint/2010/main" val="637298325"/>
       </p:ext>
     </p:extLst>
   </p:cSld>
@@ -6995,45 +6813,160 @@
                 </a:solidFill>
                 <a:latin typeface="Arial Black" panose="020B0A04020102020204" pitchFamily="34" charset="0"/>
               </a:rPr>
-              <a:t>Onde buscar informações</a:t>
-            </a:r>
-          </a:p>
-        </p:txBody>
-      </p:sp>
-      <p:pic>
-        <p:nvPicPr>
-          <p:cNvPr id="3" name="Imagem 2">
-            <a:extLst>
-              <a:ext uri="{FF2B5EF4-FFF2-40B4-BE49-F238E27FC236}">
-                <a16:creationId xmlns:a16="http://schemas.microsoft.com/office/drawing/2014/main" id="{8946BE61-B12F-927F-6644-ADCFC9778B19}"/>
-              </a:ext>
-            </a:extLst>
-          </p:cNvPr>
-          <p:cNvPicPr>
-            <a:picLocks noChangeAspect="1"/>
-          </p:cNvPicPr>
+              <a:t>Como identificar conceitos</a:t>
+            </a:r>
+          </a:p>
+        </p:txBody>
+      </p:sp>
+      <p:sp>
+        <p:nvSpPr>
+          <p:cNvPr id="4" name="CaixaDeTexto 3">
+            <a:extLst>
+              <a:ext uri="{FF2B5EF4-FFF2-40B4-BE49-F238E27FC236}">
+                <a16:creationId xmlns:a16="http://schemas.microsoft.com/office/drawing/2014/main" id="{FBE99FF2-675E-5A6C-240E-81E1B55E326B}"/>
+              </a:ext>
+            </a:extLst>
+          </p:cNvPr>
+          <p:cNvSpPr txBox="1"/>
           <p:nvPr/>
-        </p:nvPicPr>
-        <p:blipFill>
-          <a:blip r:embed="rId2"/>
-          <a:stretch>
-            <a:fillRect/>
-          </a:stretch>
-        </p:blipFill>
-        <p:spPr>
-          <a:xfrm>
-            <a:off x="1188129" y="1714500"/>
-            <a:ext cx="9496425" cy="4648200"/>
+        </p:nvSpPr>
+        <p:spPr>
+          <a:xfrm>
+            <a:off x="558800" y="2158163"/>
+            <a:ext cx="11074400" cy="3416320"/>
           </a:xfrm>
           <a:prstGeom prst="rect">
             <a:avLst/>
           </a:prstGeom>
-        </p:spPr>
-      </p:pic>
+          <a:noFill/>
+        </p:spPr>
+        <p:txBody>
+          <a:bodyPr wrap="square">
+            <a:spAutoFit/>
+          </a:bodyPr>
+          <a:lstStyle/>
+          <a:p>
+            <a:pPr marL="285750" indent="-285750" algn="l">
+              <a:buFont typeface="Wingdings" panose="05000000000000000000" pitchFamily="2" charset="2"/>
+              <a:buChar char="Ø"/>
+            </a:pPr>
+            <a:r>
+              <a:rPr lang="pt-BR" sz="3600" b="0" i="0" u="none" strike="noStrike" baseline="0" dirty="0">
+                <a:solidFill>
+                  <a:srgbClr val="0F2456"/>
+                </a:solidFill>
+                <a:latin typeface="Arial Black" panose="020B0A04020102020204" pitchFamily="34" charset="0"/>
+              </a:rPr>
+              <a:t>Onde buscar informações</a:t>
+            </a:r>
+          </a:p>
+          <a:p>
+            <a:pPr marL="285750" indent="-285750" algn="l">
+              <a:buFont typeface="Wingdings" panose="05000000000000000000" pitchFamily="2" charset="2"/>
+              <a:buChar char="Ø"/>
+            </a:pPr>
+            <a:endParaRPr lang="pt-BR" sz="3600" b="0" i="0" u="none" strike="noStrike" baseline="0" dirty="0">
+              <a:solidFill>
+                <a:srgbClr val="0F2456"/>
+              </a:solidFill>
+              <a:latin typeface="Arial Black" panose="020B0A04020102020204" pitchFamily="34" charset="0"/>
+            </a:endParaRPr>
+          </a:p>
+          <a:p>
+            <a:pPr marL="285750" indent="-285750" algn="l">
+              <a:buFont typeface="Wingdings" panose="05000000000000000000" pitchFamily="2" charset="2"/>
+              <a:buChar char="Ø"/>
+            </a:pPr>
+            <a:r>
+              <a:rPr lang="pt-BR" sz="3600" b="0" i="0" u="none" strike="noStrike" baseline="0" dirty="0">
+                <a:solidFill>
+                  <a:srgbClr val="0F2456"/>
+                </a:solidFill>
+                <a:latin typeface="Arial Black" panose="020B0A04020102020204" pitchFamily="34" charset="0"/>
+              </a:rPr>
+              <a:t>Orientações para identificação de conceitos</a:t>
+            </a:r>
+          </a:p>
+          <a:p>
+            <a:pPr marL="285750" indent="-285750" algn="l">
+              <a:buFont typeface="Wingdings" panose="05000000000000000000" pitchFamily="2" charset="2"/>
+              <a:buChar char="Ø"/>
+            </a:pPr>
+            <a:endParaRPr lang="pt-BR" sz="3600" b="0" i="0" u="none" strike="noStrike" baseline="0" dirty="0">
+              <a:solidFill>
+                <a:srgbClr val="0F2456"/>
+              </a:solidFill>
+              <a:latin typeface="Arial Black" panose="020B0A04020102020204" pitchFamily="34" charset="0"/>
+            </a:endParaRPr>
+          </a:p>
+          <a:p>
+            <a:pPr marL="285750" indent="-285750" algn="l">
+              <a:buFont typeface="Wingdings" panose="05000000000000000000" pitchFamily="2" charset="2"/>
+              <a:buChar char="Ø"/>
+            </a:pPr>
+            <a:r>
+              <a:rPr lang="pt-BR" sz="3600" b="0" i="0" u="none" strike="noStrike" baseline="0" dirty="0">
+                <a:solidFill>
+                  <a:srgbClr val="0F2456"/>
+                </a:solidFill>
+                <a:latin typeface="Arial Black" panose="020B0A04020102020204" pitchFamily="34" charset="0"/>
+              </a:rPr>
+              <a:t>Exemplos</a:t>
+            </a:r>
+            <a:endParaRPr lang="pt-BR" sz="3600" dirty="0">
+              <a:solidFill>
+                <a:srgbClr val="0F2456"/>
+              </a:solidFill>
+              <a:latin typeface="Arial Black" panose="020B0A04020102020204" pitchFamily="34" charset="0"/>
+            </a:endParaRPr>
+          </a:p>
+        </p:txBody>
+      </p:sp>
+      <p:sp>
+        <p:nvSpPr>
+          <p:cNvPr id="2" name="CaixaDeTexto 1">
+            <a:extLst>
+              <a:ext uri="{FF2B5EF4-FFF2-40B4-BE49-F238E27FC236}">
+                <a16:creationId xmlns:a16="http://schemas.microsoft.com/office/drawing/2014/main" id="{B59C759B-EEAC-1896-187C-B38C56AF84CA}"/>
+              </a:ext>
+            </a:extLst>
+          </p:cNvPr>
+          <p:cNvSpPr txBox="1"/>
+          <p:nvPr/>
+        </p:nvSpPr>
+        <p:spPr>
+          <a:xfrm>
+            <a:off x="794657" y="1427717"/>
+            <a:ext cx="6175828" cy="369332"/>
+          </a:xfrm>
+          <a:prstGeom prst="rect">
+            <a:avLst/>
+          </a:prstGeom>
+          <a:noFill/>
+        </p:spPr>
+        <p:txBody>
+          <a:bodyPr wrap="square">
+            <a:spAutoFit/>
+          </a:bodyPr>
+          <a:lstStyle/>
+          <a:p>
+            <a:r>
+              <a:rPr lang="pt-BR" sz="1800" b="0" i="0" u="none" strike="noStrike" baseline="0" dirty="0">
+                <a:solidFill>
+                  <a:srgbClr val="002060"/>
+                </a:solidFill>
+                <a:latin typeface="Arial Black" panose="020B0A04020102020204" pitchFamily="34" charset="0"/>
+              </a:rPr>
+              <a:t>Sumário:</a:t>
+            </a:r>
+            <a:endParaRPr lang="pt-BR" dirty="0"/>
+          </a:p>
+        </p:txBody>
+      </p:sp>
     </p:spTree>
     <p:extLst>
       <p:ext uri="{BB962C8B-B14F-4D97-AF65-F5344CB8AC3E}">
-        <p14:creationId xmlns:p14="http://schemas.microsoft.com/office/powerpoint/2010/main" val="3273286289"/>
+        <p14:creationId xmlns:p14="http://schemas.microsoft.com/office/powerpoint/2010/main" val="1967245668"/>
       </p:ext>
     </p:extLst>
   </p:cSld>
